--- a/1 遗失宠物的智能寻找/SeekPick-biubiubiu/SeekPick.pptx
+++ b/1 遗失宠物的智能寻找/SeekPick-biubiubiu/SeekPick.pptx
@@ -6,14 +6,13 @@
   </p:sldMasterIdLst>
   <p:sldIdLst>
     <p:sldId id="258" r:id="rId2"/>
-    <p:sldId id="260" r:id="rId3"/>
-    <p:sldId id="261" r:id="rId4"/>
-    <p:sldId id="262" r:id="rId5"/>
-    <p:sldId id="264" r:id="rId6"/>
-    <p:sldId id="263" r:id="rId7"/>
-    <p:sldId id="256" r:id="rId8"/>
-    <p:sldId id="265" r:id="rId9"/>
-    <p:sldId id="259" r:id="rId10"/>
+    <p:sldId id="261" r:id="rId3"/>
+    <p:sldId id="262" r:id="rId4"/>
+    <p:sldId id="264" r:id="rId5"/>
+    <p:sldId id="263" r:id="rId6"/>
+    <p:sldId id="256" r:id="rId7"/>
+    <p:sldId id="265" r:id="rId8"/>
+    <p:sldId id="259" r:id="rId9"/>
   </p:sldIdLst>
   <p:sldSz cx="12192000" cy="6858000"/>
   <p:notesSz cx="6858000" cy="9144000"/>
@@ -267,7 +266,7 @@
           <a:p>
             <a:fld id="{B496697E-A101-45F8-9AC8-18BE209F66E3}" type="datetimeFigureOut">
               <a:rPr lang="zh-CN" altLang="en-US" smtClean="0"/>
-              <a:t>2020/9/13</a:t>
+              <a:t>2020/9/16</a:t>
             </a:fld>
             <a:endParaRPr lang="zh-CN" altLang="en-US"/>
           </a:p>
@@ -465,7 +464,7 @@
           <a:p>
             <a:fld id="{B496697E-A101-45F8-9AC8-18BE209F66E3}" type="datetimeFigureOut">
               <a:rPr lang="zh-CN" altLang="en-US" smtClean="0"/>
-              <a:t>2020/9/13</a:t>
+              <a:t>2020/9/16</a:t>
             </a:fld>
             <a:endParaRPr lang="zh-CN" altLang="en-US"/>
           </a:p>
@@ -673,7 +672,7 @@
           <a:p>
             <a:fld id="{B496697E-A101-45F8-9AC8-18BE209F66E3}" type="datetimeFigureOut">
               <a:rPr lang="zh-CN" altLang="en-US" smtClean="0"/>
-              <a:t>2020/9/13</a:t>
+              <a:t>2020/9/16</a:t>
             </a:fld>
             <a:endParaRPr lang="zh-CN" altLang="en-US"/>
           </a:p>
@@ -871,7 +870,7 @@
           <a:p>
             <a:fld id="{B496697E-A101-45F8-9AC8-18BE209F66E3}" type="datetimeFigureOut">
               <a:rPr lang="zh-CN" altLang="en-US" smtClean="0"/>
-              <a:t>2020/9/13</a:t>
+              <a:t>2020/9/16</a:t>
             </a:fld>
             <a:endParaRPr lang="zh-CN" altLang="en-US"/>
           </a:p>
@@ -1146,7 +1145,7 @@
           <a:p>
             <a:fld id="{B496697E-A101-45F8-9AC8-18BE209F66E3}" type="datetimeFigureOut">
               <a:rPr lang="zh-CN" altLang="en-US" smtClean="0"/>
-              <a:t>2020/9/13</a:t>
+              <a:t>2020/9/16</a:t>
             </a:fld>
             <a:endParaRPr lang="zh-CN" altLang="en-US"/>
           </a:p>
@@ -1411,7 +1410,7 @@
           <a:p>
             <a:fld id="{B496697E-A101-45F8-9AC8-18BE209F66E3}" type="datetimeFigureOut">
               <a:rPr lang="zh-CN" altLang="en-US" smtClean="0"/>
-              <a:t>2020/9/13</a:t>
+              <a:t>2020/9/16</a:t>
             </a:fld>
             <a:endParaRPr lang="zh-CN" altLang="en-US"/>
           </a:p>
@@ -1823,7 +1822,7 @@
           <a:p>
             <a:fld id="{B496697E-A101-45F8-9AC8-18BE209F66E3}" type="datetimeFigureOut">
               <a:rPr lang="zh-CN" altLang="en-US" smtClean="0"/>
-              <a:t>2020/9/13</a:t>
+              <a:t>2020/9/16</a:t>
             </a:fld>
             <a:endParaRPr lang="zh-CN" altLang="en-US"/>
           </a:p>
@@ -1964,7 +1963,7 @@
           <a:p>
             <a:fld id="{B496697E-A101-45F8-9AC8-18BE209F66E3}" type="datetimeFigureOut">
               <a:rPr lang="zh-CN" altLang="en-US" smtClean="0"/>
-              <a:t>2020/9/13</a:t>
+              <a:t>2020/9/16</a:t>
             </a:fld>
             <a:endParaRPr lang="zh-CN" altLang="en-US"/>
           </a:p>
@@ -2077,7 +2076,7 @@
           <a:p>
             <a:fld id="{B496697E-A101-45F8-9AC8-18BE209F66E3}" type="datetimeFigureOut">
               <a:rPr lang="zh-CN" altLang="en-US" smtClean="0"/>
-              <a:t>2020/9/13</a:t>
+              <a:t>2020/9/16</a:t>
             </a:fld>
             <a:endParaRPr lang="zh-CN" altLang="en-US"/>
           </a:p>
@@ -2388,7 +2387,7 @@
           <a:p>
             <a:fld id="{B496697E-A101-45F8-9AC8-18BE209F66E3}" type="datetimeFigureOut">
               <a:rPr lang="zh-CN" altLang="en-US" smtClean="0"/>
-              <a:t>2020/9/13</a:t>
+              <a:t>2020/9/16</a:t>
             </a:fld>
             <a:endParaRPr lang="zh-CN" altLang="en-US"/>
           </a:p>
@@ -2676,7 +2675,7 @@
           <a:p>
             <a:fld id="{B496697E-A101-45F8-9AC8-18BE209F66E3}" type="datetimeFigureOut">
               <a:rPr lang="zh-CN" altLang="en-US" smtClean="0"/>
-              <a:t>2020/9/13</a:t>
+              <a:t>2020/9/16</a:t>
             </a:fld>
             <a:endParaRPr lang="zh-CN" altLang="en-US"/>
           </a:p>
@@ -2917,7 +2916,7 @@
           <a:p>
             <a:fld id="{B496697E-A101-45F8-9AC8-18BE209F66E3}" type="datetimeFigureOut">
               <a:rPr lang="zh-CN" altLang="en-US" smtClean="0"/>
-              <a:t>2020/9/13</a:t>
+              <a:t>2020/9/16</a:t>
             </a:fld>
             <a:endParaRPr lang="zh-CN" altLang="en-US"/>
           </a:p>
@@ -3459,44 +3458,47 @@
           <a:chExt cx="0" cy="0"/>
         </a:xfrm>
       </p:grpSpPr>
-      <p:pic>
-        <p:nvPicPr>
-          <p:cNvPr id="5" name="内容占位符 4">
-            <a:extLst>
-              <a:ext uri="{FF2B5EF4-FFF2-40B4-BE49-F238E27FC236}">
-                <a16:creationId xmlns:a16="http://schemas.microsoft.com/office/drawing/2014/main" id="{3660C9CA-3FCF-41CA-AB3B-A5B1D0B1EF3C}"/>
-              </a:ext>
-            </a:extLst>
-          </p:cNvPr>
-          <p:cNvPicPr>
-            <a:picLocks noGrp="1" noChangeAspect="1"/>
-          </p:cNvPicPr>
+      <p:sp>
+        <p:nvSpPr>
+          <p:cNvPr id="3" name="内容占位符 2">
+            <a:extLst>
+              <a:ext uri="{FF2B5EF4-FFF2-40B4-BE49-F238E27FC236}">
+                <a16:creationId xmlns:a16="http://schemas.microsoft.com/office/drawing/2014/main" id="{2BE47A3A-1BA3-418B-BF89-9F38149B542C}"/>
+              </a:ext>
+            </a:extLst>
+          </p:cNvPr>
+          <p:cNvSpPr>
+            <a:spLocks noGrp="1"/>
+          </p:cNvSpPr>
           <p:nvPr>
             <p:ph idx="1"/>
           </p:nvPr>
-        </p:nvPicPr>
-        <p:blipFill>
-          <a:blip r:embed="rId2"/>
-          <a:stretch>
-            <a:fillRect/>
-          </a:stretch>
-        </p:blipFill>
+        </p:nvSpPr>
         <p:spPr>
           <a:xfrm>
-            <a:off x="4717306" y="1324947"/>
-            <a:ext cx="2757387" cy="3090175"/>
-          </a:xfrm>
-          <a:prstGeom prst="rect">
-            <a:avLst/>
-          </a:prstGeom>
-        </p:spPr>
-      </p:pic>
+            <a:off x="838200" y="5085183"/>
+            <a:ext cx="4088363" cy="1091779"/>
+          </a:xfrm>
+        </p:spPr>
+        <p:txBody>
+          <a:bodyPr>
+            <a:normAutofit fontScale="92500" lnSpcReduction="10000"/>
+          </a:bodyPr>
+          <a:lstStyle/>
+          <a:p>
+            <a:r>
+              <a:rPr lang="zh-CN" altLang="en-US" dirty="0"/>
+              <a:t>宠物的意外走失满大街发传单、贴广告不仅浪费时间，成效也甚微。</a:t>
+            </a:r>
+          </a:p>
+        </p:txBody>
+      </p:sp>
       <p:sp>
         <p:nvSpPr>
           <p:cNvPr id="4" name="标题 3">
             <a:extLst>
               <a:ext uri="{FF2B5EF4-FFF2-40B4-BE49-F238E27FC236}">
-                <a16:creationId xmlns:a16="http://schemas.microsoft.com/office/drawing/2014/main" id="{EB3646BC-11F2-4BCF-AF6C-DA784BB258DE}"/>
+                <a16:creationId xmlns:a16="http://schemas.microsoft.com/office/drawing/2014/main" id="{EBAE2A2C-49ED-40C8-8D44-8EF69360D517}"/>
               </a:ext>
             </a:extLst>
           </p:cNvPr>
@@ -3510,7 +3512,7 @@
         <p:spPr>
           <a:xfrm>
             <a:off x="838200" y="365126"/>
-            <a:ext cx="3304592" cy="1146434"/>
+            <a:ext cx="3407229" cy="1025135"/>
           </a:xfrm>
           <a:prstGeom prst="rect">
             <a:avLst/>
@@ -3545,17 +3547,89 @@
             <a:pPr algn="ctr"/>
             <a:r>
               <a:rPr lang="zh-CN" altLang="en-US" b="1" dirty="0"/>
-              <a:t>团队介绍</a:t>
-            </a:r>
-          </a:p>
-        </p:txBody>
-      </p:sp>
-      <p:sp>
-        <p:nvSpPr>
-          <p:cNvPr id="7" name="标题 3">
-            <a:extLst>
-              <a:ext uri="{FF2B5EF4-FFF2-40B4-BE49-F238E27FC236}">
-                <a16:creationId xmlns:a16="http://schemas.microsoft.com/office/drawing/2014/main" id="{DA122AA0-7E72-4A48-9659-44CF13D71256}"/>
+              <a:t>背景介绍</a:t>
+            </a:r>
+          </a:p>
+        </p:txBody>
+      </p:sp>
+      <p:pic>
+        <p:nvPicPr>
+          <p:cNvPr id="6" name="图片 5" descr="图片包含 游戏机, 狗&#10;&#10;描述已自动生成">
+            <a:extLst>
+              <a:ext uri="{FF2B5EF4-FFF2-40B4-BE49-F238E27FC236}">
+                <a16:creationId xmlns:a16="http://schemas.microsoft.com/office/drawing/2014/main" id="{749717CB-0C11-40A3-97CA-84B761AEA7BB}"/>
+              </a:ext>
+            </a:extLst>
+          </p:cNvPr>
+          <p:cNvPicPr>
+            <a:picLocks noChangeAspect="1"/>
+          </p:cNvPicPr>
+          <p:nvPr/>
+        </p:nvPicPr>
+        <p:blipFill>
+          <a:blip r:embed="rId2">
+            <a:extLst>
+              <a:ext uri="{28A0092B-C50C-407E-A947-70E740481C1C}">
+                <a14:useLocalDpi xmlns:a14="http://schemas.microsoft.com/office/drawing/2010/main" val="0"/>
+              </a:ext>
+            </a:extLst>
+          </a:blip>
+          <a:stretch>
+            <a:fillRect/>
+          </a:stretch>
+        </p:blipFill>
+        <p:spPr>
+          <a:xfrm>
+            <a:off x="905554" y="2039175"/>
+            <a:ext cx="3602190" cy="2397094"/>
+          </a:xfrm>
+          <a:prstGeom prst="rect">
+            <a:avLst/>
+          </a:prstGeom>
+        </p:spPr>
+      </p:pic>
+      <p:pic>
+        <p:nvPicPr>
+          <p:cNvPr id="8" name="图片 7" descr="躺在地上的狗&#10;&#10;描述已自动生成">
+            <a:extLst>
+              <a:ext uri="{FF2B5EF4-FFF2-40B4-BE49-F238E27FC236}">
+                <a16:creationId xmlns:a16="http://schemas.microsoft.com/office/drawing/2014/main" id="{1BCE64C2-AA28-4C31-A779-F769CCCA2BCB}"/>
+              </a:ext>
+            </a:extLst>
+          </p:cNvPr>
+          <p:cNvPicPr>
+            <a:picLocks noChangeAspect="1"/>
+          </p:cNvPicPr>
+          <p:nvPr/>
+        </p:nvPicPr>
+        <p:blipFill>
+          <a:blip r:embed="rId3">
+            <a:extLst>
+              <a:ext uri="{28A0092B-C50C-407E-A947-70E740481C1C}">
+                <a14:useLocalDpi xmlns:a14="http://schemas.microsoft.com/office/drawing/2010/main" val="0"/>
+              </a:ext>
+            </a:extLst>
+          </a:blip>
+          <a:stretch>
+            <a:fillRect/>
+          </a:stretch>
+        </p:blipFill>
+        <p:spPr>
+          <a:xfrm>
+            <a:off x="6228669" y="2039175"/>
+            <a:ext cx="4719279" cy="2397094"/>
+          </a:xfrm>
+          <a:prstGeom prst="rect">
+            <a:avLst/>
+          </a:prstGeom>
+        </p:spPr>
+      </p:pic>
+      <p:sp>
+        <p:nvSpPr>
+          <p:cNvPr id="9" name="内容占位符 2">
+            <a:extLst>
+              <a:ext uri="{FF2B5EF4-FFF2-40B4-BE49-F238E27FC236}">
+                <a16:creationId xmlns:a16="http://schemas.microsoft.com/office/drawing/2014/main" id="{A771F0D5-A006-4EAD-B26B-B9212F913201}"/>
               </a:ext>
             </a:extLst>
           </p:cNvPr>
@@ -3566,131 +3640,174 @@
         </p:nvSpPr>
         <p:spPr>
           <a:xfrm>
-            <a:off x="3183293" y="4866530"/>
-            <a:ext cx="5279572" cy="1146434"/>
+            <a:off x="6611224" y="5085183"/>
+            <a:ext cx="4088363" cy="1091779"/>
           </a:xfrm>
           <a:prstGeom prst="rect">
             <a:avLst/>
           </a:prstGeom>
-          <a:solidFill>
-            <a:schemeClr val="tx1">
-              <a:lumMod val="75000"/>
-              <a:lumOff val="25000"/>
-            </a:schemeClr>
-          </a:solidFill>
-        </p:spPr>
-        <p:style>
-          <a:lnRef idx="2">
-            <a:schemeClr val="accent1">
-              <a:shade val="50000"/>
-            </a:schemeClr>
-          </a:lnRef>
-          <a:fillRef idx="1">
-            <a:schemeClr val="accent1"/>
-          </a:fillRef>
-          <a:effectRef idx="0">
-            <a:schemeClr val="accent1"/>
-          </a:effectRef>
-          <a:fontRef idx="minor">
-            <a:schemeClr val="lt1"/>
-          </a:fontRef>
-        </p:style>
-        <p:txBody>
-          <a:bodyPr vert="horz" lIns="91440" tIns="45720" rIns="91440" bIns="45720" rtlCol="0" anchor="ctr">
+        </p:spPr>
+        <p:txBody>
+          <a:bodyPr vert="horz" lIns="91440" tIns="45720" rIns="91440" bIns="45720" rtlCol="0">
             <a:normAutofit/>
           </a:bodyPr>
           <a:lstStyle>
-            <a:lvl1pPr algn="l" defTabSz="914400" rtl="0" eaLnBrk="1" latinLnBrk="0" hangingPunct="1">
+            <a:lvl1pPr marL="228600" indent="-228600" algn="l" defTabSz="914400" rtl="0" eaLnBrk="1" latinLnBrk="0" hangingPunct="1">
               <a:lnSpc>
                 <a:spcPct val="90000"/>
               </a:lnSpc>
               <a:spcBef>
-                <a:spcPct val="0"/>
+                <a:spcPts val="1000"/>
               </a:spcBef>
-              <a:buNone/>
-              <a:defRPr sz="4400" kern="1200">
-                <a:solidFill>
-                  <a:schemeClr val="lt1"/>
+              <a:buFont typeface="Arial" panose="020B0604020202020204" pitchFamily="34" charset="0"/>
+              <a:buChar char="•"/>
+              <a:defRPr sz="2800" kern="1200">
+                <a:solidFill>
+                  <a:schemeClr val="tx1"/>
                 </a:solidFill>
                 <a:latin typeface="+mn-lt"/>
                 <a:ea typeface="+mn-ea"/>
                 <a:cs typeface="+mn-cs"/>
               </a:defRPr>
             </a:lvl1pPr>
-            <a:lvl2pPr>
-              <a:defRPr>
-                <a:solidFill>
-                  <a:schemeClr val="lt1"/>
+            <a:lvl2pPr marL="685800" indent="-228600" algn="l" defTabSz="914400" rtl="0" eaLnBrk="1" latinLnBrk="0" hangingPunct="1">
+              <a:lnSpc>
+                <a:spcPct val="90000"/>
+              </a:lnSpc>
+              <a:spcBef>
+                <a:spcPts val="500"/>
+              </a:spcBef>
+              <a:buFont typeface="Arial" panose="020B0604020202020204" pitchFamily="34" charset="0"/>
+              <a:buChar char="•"/>
+              <a:defRPr sz="2400" kern="1200">
+                <a:solidFill>
+                  <a:schemeClr val="tx1"/>
                 </a:solidFill>
                 <a:latin typeface="+mn-lt"/>
                 <a:ea typeface="+mn-ea"/>
                 <a:cs typeface="+mn-cs"/>
               </a:defRPr>
             </a:lvl2pPr>
-            <a:lvl3pPr>
-              <a:defRPr>
-                <a:solidFill>
-                  <a:schemeClr val="lt1"/>
+            <a:lvl3pPr marL="1143000" indent="-228600" algn="l" defTabSz="914400" rtl="0" eaLnBrk="1" latinLnBrk="0" hangingPunct="1">
+              <a:lnSpc>
+                <a:spcPct val="90000"/>
+              </a:lnSpc>
+              <a:spcBef>
+                <a:spcPts val="500"/>
+              </a:spcBef>
+              <a:buFont typeface="Arial" panose="020B0604020202020204" pitchFamily="34" charset="0"/>
+              <a:buChar char="•"/>
+              <a:defRPr sz="2000" kern="1200">
+                <a:solidFill>
+                  <a:schemeClr val="tx1"/>
                 </a:solidFill>
                 <a:latin typeface="+mn-lt"/>
                 <a:ea typeface="+mn-ea"/>
                 <a:cs typeface="+mn-cs"/>
               </a:defRPr>
             </a:lvl3pPr>
-            <a:lvl4pPr>
-              <a:defRPr>
-                <a:solidFill>
-                  <a:schemeClr val="lt1"/>
+            <a:lvl4pPr marL="1600200" indent="-228600" algn="l" defTabSz="914400" rtl="0" eaLnBrk="1" latinLnBrk="0" hangingPunct="1">
+              <a:lnSpc>
+                <a:spcPct val="90000"/>
+              </a:lnSpc>
+              <a:spcBef>
+                <a:spcPts val="500"/>
+              </a:spcBef>
+              <a:buFont typeface="Arial" panose="020B0604020202020204" pitchFamily="34" charset="0"/>
+              <a:buChar char="•"/>
+              <a:defRPr sz="1800" kern="1200">
+                <a:solidFill>
+                  <a:schemeClr val="tx1"/>
                 </a:solidFill>
                 <a:latin typeface="+mn-lt"/>
                 <a:ea typeface="+mn-ea"/>
                 <a:cs typeface="+mn-cs"/>
               </a:defRPr>
             </a:lvl4pPr>
-            <a:lvl5pPr>
-              <a:defRPr>
-                <a:solidFill>
-                  <a:schemeClr val="lt1"/>
+            <a:lvl5pPr marL="2057400" indent="-228600" algn="l" defTabSz="914400" rtl="0" eaLnBrk="1" latinLnBrk="0" hangingPunct="1">
+              <a:lnSpc>
+                <a:spcPct val="90000"/>
+              </a:lnSpc>
+              <a:spcBef>
+                <a:spcPts val="500"/>
+              </a:spcBef>
+              <a:buFont typeface="Arial" panose="020B0604020202020204" pitchFamily="34" charset="0"/>
+              <a:buChar char="•"/>
+              <a:defRPr sz="1800" kern="1200">
+                <a:solidFill>
+                  <a:schemeClr val="tx1"/>
                 </a:solidFill>
                 <a:latin typeface="+mn-lt"/>
                 <a:ea typeface="+mn-ea"/>
                 <a:cs typeface="+mn-cs"/>
               </a:defRPr>
             </a:lvl5pPr>
-            <a:lvl6pPr>
-              <a:defRPr>
-                <a:solidFill>
-                  <a:schemeClr val="lt1"/>
+            <a:lvl6pPr marL="2514600" indent="-228600" algn="l" defTabSz="914400" rtl="0" eaLnBrk="1" latinLnBrk="0" hangingPunct="1">
+              <a:lnSpc>
+                <a:spcPct val="90000"/>
+              </a:lnSpc>
+              <a:spcBef>
+                <a:spcPts val="500"/>
+              </a:spcBef>
+              <a:buFont typeface="Arial" panose="020B0604020202020204" pitchFamily="34" charset="0"/>
+              <a:buChar char="•"/>
+              <a:defRPr sz="1800" kern="1200">
+                <a:solidFill>
+                  <a:schemeClr val="tx1"/>
                 </a:solidFill>
                 <a:latin typeface="+mn-lt"/>
                 <a:ea typeface="+mn-ea"/>
                 <a:cs typeface="+mn-cs"/>
               </a:defRPr>
             </a:lvl6pPr>
-            <a:lvl7pPr>
-              <a:defRPr>
-                <a:solidFill>
-                  <a:schemeClr val="lt1"/>
+            <a:lvl7pPr marL="2971800" indent="-228600" algn="l" defTabSz="914400" rtl="0" eaLnBrk="1" latinLnBrk="0" hangingPunct="1">
+              <a:lnSpc>
+                <a:spcPct val="90000"/>
+              </a:lnSpc>
+              <a:spcBef>
+                <a:spcPts val="500"/>
+              </a:spcBef>
+              <a:buFont typeface="Arial" panose="020B0604020202020204" pitchFamily="34" charset="0"/>
+              <a:buChar char="•"/>
+              <a:defRPr sz="1800" kern="1200">
+                <a:solidFill>
+                  <a:schemeClr val="tx1"/>
                 </a:solidFill>
                 <a:latin typeface="+mn-lt"/>
                 <a:ea typeface="+mn-ea"/>
                 <a:cs typeface="+mn-cs"/>
               </a:defRPr>
             </a:lvl7pPr>
-            <a:lvl8pPr>
-              <a:defRPr>
-                <a:solidFill>
-                  <a:schemeClr val="lt1"/>
+            <a:lvl8pPr marL="3429000" indent="-228600" algn="l" defTabSz="914400" rtl="0" eaLnBrk="1" latinLnBrk="0" hangingPunct="1">
+              <a:lnSpc>
+                <a:spcPct val="90000"/>
+              </a:lnSpc>
+              <a:spcBef>
+                <a:spcPts val="500"/>
+              </a:spcBef>
+              <a:buFont typeface="Arial" panose="020B0604020202020204" pitchFamily="34" charset="0"/>
+              <a:buChar char="•"/>
+              <a:defRPr sz="1800" kern="1200">
+                <a:solidFill>
+                  <a:schemeClr val="tx1"/>
                 </a:solidFill>
                 <a:latin typeface="+mn-lt"/>
                 <a:ea typeface="+mn-ea"/>
                 <a:cs typeface="+mn-cs"/>
               </a:defRPr>
             </a:lvl8pPr>
-            <a:lvl9pPr>
-              <a:defRPr>
-                <a:solidFill>
-                  <a:schemeClr val="lt1"/>
+            <a:lvl9pPr marL="3886200" indent="-228600" algn="l" defTabSz="914400" rtl="0" eaLnBrk="1" latinLnBrk="0" hangingPunct="1">
+              <a:lnSpc>
+                <a:spcPct val="90000"/>
+              </a:lnSpc>
+              <a:spcBef>
+                <a:spcPts val="500"/>
+              </a:spcBef>
+              <a:buFont typeface="Arial" panose="020B0604020202020204" pitchFamily="34" charset="0"/>
+              <a:buChar char="•"/>
+              <a:defRPr sz="1800" kern="1200">
+                <a:solidFill>
+                  <a:schemeClr val="tx1"/>
                 </a:solidFill>
                 <a:latin typeface="+mn-lt"/>
                 <a:ea typeface="+mn-ea"/>
@@ -3699,14 +3816,9 @@
             </a:lvl9pPr>
           </a:lstStyle>
           <a:p>
-            <a:pPr algn="ctr"/>
-            <a:r>
-              <a:rPr lang="en-US" altLang="zh-CN" b="1" dirty="0"/>
-              <a:t>biubiubiu – </a:t>
-            </a:r>
-            <a:r>
-              <a:rPr lang="zh-CN" altLang="en-US" b="1" dirty="0"/>
-              <a:t>仉鹏</a:t>
+            <a:r>
+              <a:rPr lang="zh-CN" altLang="en-US" dirty="0"/>
+              <a:t>流浪动物增加社区人群风险，领养机制不健全</a:t>
             </a:r>
           </a:p>
         </p:txBody>
@@ -3714,7 +3826,7 @@
     </p:spTree>
     <p:extLst>
       <p:ext uri="{BB962C8B-B14F-4D97-AF65-F5344CB8AC3E}">
-        <p14:creationId xmlns:p14="http://schemas.microsoft.com/office/powerpoint/2010/main" val="3970338656"/>
+        <p14:creationId xmlns:p14="http://schemas.microsoft.com/office/powerpoint/2010/main" val="1126493243"/>
       </p:ext>
     </p:extLst>
   </p:cSld>
@@ -3741,47 +3853,47 @@
           <a:chExt cx="0" cy="0"/>
         </a:xfrm>
       </p:grpSpPr>
-      <p:sp>
-        <p:nvSpPr>
-          <p:cNvPr id="3" name="内容占位符 2">
-            <a:extLst>
-              <a:ext uri="{FF2B5EF4-FFF2-40B4-BE49-F238E27FC236}">
-                <a16:creationId xmlns:a16="http://schemas.microsoft.com/office/drawing/2014/main" id="{2BE47A3A-1BA3-418B-BF89-9F38149B542C}"/>
-              </a:ext>
-            </a:extLst>
-          </p:cNvPr>
-          <p:cNvSpPr>
-            <a:spLocks noGrp="1"/>
-          </p:cNvSpPr>
+      <p:pic>
+        <p:nvPicPr>
+          <p:cNvPr id="6" name="内容占位符 5" descr="猫们站在一起&#10;&#10;描述已自动生成">
+            <a:extLst>
+              <a:ext uri="{FF2B5EF4-FFF2-40B4-BE49-F238E27FC236}">
+                <a16:creationId xmlns:a16="http://schemas.microsoft.com/office/drawing/2014/main" id="{3354EC6C-3EB8-431D-9BC6-0B4C6FF952E9}"/>
+              </a:ext>
+            </a:extLst>
+          </p:cNvPr>
+          <p:cNvPicPr>
+            <a:picLocks noGrp="1" noChangeAspect="1"/>
+          </p:cNvPicPr>
           <p:nvPr>
             <p:ph idx="1"/>
           </p:nvPr>
-        </p:nvSpPr>
+        </p:nvPicPr>
+        <p:blipFill>
+          <a:blip r:embed="rId2">
+            <a:extLst>
+              <a:ext uri="{28A0092B-C50C-407E-A947-70E740481C1C}">
+                <a14:useLocalDpi xmlns:a14="http://schemas.microsoft.com/office/drawing/2010/main" val="0"/>
+              </a:ext>
+            </a:extLst>
+          </a:blip>
+          <a:stretch>
+            <a:fillRect/>
+          </a:stretch>
+        </p:blipFill>
         <p:spPr>
           <a:xfrm>
-            <a:off x="838200" y="5085183"/>
-            <a:ext cx="4088363" cy="1091779"/>
-          </a:xfrm>
-        </p:spPr>
-        <p:txBody>
-          <a:bodyPr>
-            <a:normAutofit fontScale="92500" lnSpcReduction="10000"/>
-          </a:bodyPr>
-          <a:lstStyle/>
-          <a:p>
-            <a:r>
-              <a:rPr lang="zh-CN" altLang="en-US" dirty="0"/>
-              <a:t>宠物的意外走失满大街发传单、贴广告不仅浪费时间，成效也甚微。</a:t>
-            </a:r>
-          </a:p>
-        </p:txBody>
-      </p:sp>
+            <a:off x="8008876" y="4701948"/>
+            <a:ext cx="2247415" cy="1273430"/>
+          </a:xfrm>
+        </p:spPr>
+      </p:pic>
       <p:sp>
         <p:nvSpPr>
           <p:cNvPr id="4" name="标题 3">
             <a:extLst>
               <a:ext uri="{FF2B5EF4-FFF2-40B4-BE49-F238E27FC236}">
-                <a16:creationId xmlns:a16="http://schemas.microsoft.com/office/drawing/2014/main" id="{EBAE2A2C-49ED-40C8-8D44-8EF69360D517}"/>
+                <a16:creationId xmlns:a16="http://schemas.microsoft.com/office/drawing/2014/main" id="{9B972B1F-3000-4E34-8026-CA69432F73D3}"/>
               </a:ext>
             </a:extLst>
           </p:cNvPr>
@@ -3794,7 +3906,7 @@
         </p:nvSpPr>
         <p:spPr>
           <a:xfrm>
-            <a:off x="838200" y="365126"/>
+            <a:off x="353008" y="280018"/>
             <a:ext cx="3407229" cy="1025135"/>
           </a:xfrm>
           <a:prstGeom prst="rect">
@@ -3830,53 +3942,17 @@
             <a:pPr algn="ctr"/>
             <a:r>
               <a:rPr lang="zh-CN" altLang="en-US" b="1" dirty="0"/>
-              <a:t>背景介绍</a:t>
+              <a:t>思考</a:t>
             </a:r>
           </a:p>
         </p:txBody>
       </p:sp>
       <p:pic>
         <p:nvPicPr>
-          <p:cNvPr id="6" name="图片 5" descr="图片包含 游戏机, 狗&#10;&#10;描述已自动生成">
-            <a:extLst>
-              <a:ext uri="{FF2B5EF4-FFF2-40B4-BE49-F238E27FC236}">
-                <a16:creationId xmlns:a16="http://schemas.microsoft.com/office/drawing/2014/main" id="{749717CB-0C11-40A3-97CA-84B761AEA7BB}"/>
-              </a:ext>
-            </a:extLst>
-          </p:cNvPr>
-          <p:cNvPicPr>
-            <a:picLocks noChangeAspect="1"/>
-          </p:cNvPicPr>
-          <p:nvPr/>
-        </p:nvPicPr>
-        <p:blipFill>
-          <a:blip r:embed="rId2">
-            <a:extLst>
-              <a:ext uri="{28A0092B-C50C-407E-A947-70E740481C1C}">
-                <a14:useLocalDpi xmlns:a14="http://schemas.microsoft.com/office/drawing/2010/main" val="0"/>
-              </a:ext>
-            </a:extLst>
-          </a:blip>
-          <a:stretch>
-            <a:fillRect/>
-          </a:stretch>
-        </p:blipFill>
-        <p:spPr>
-          <a:xfrm>
-            <a:off x="905554" y="2039175"/>
-            <a:ext cx="3602190" cy="2397094"/>
-          </a:xfrm>
-          <a:prstGeom prst="rect">
-            <a:avLst/>
-          </a:prstGeom>
-        </p:spPr>
-      </p:pic>
-      <p:pic>
-        <p:nvPicPr>
-          <p:cNvPr id="8" name="图片 7" descr="躺在地上的狗&#10;&#10;描述已自动生成">
-            <a:extLst>
-              <a:ext uri="{FF2B5EF4-FFF2-40B4-BE49-F238E27FC236}">
-                <a16:creationId xmlns:a16="http://schemas.microsoft.com/office/drawing/2014/main" id="{1BCE64C2-AA28-4C31-A779-F769CCCA2BCB}"/>
+          <p:cNvPr id="7" name="图片 6" descr="图片包含 游戏机, 狗&#10;&#10;描述已自动生成">
+            <a:extLst>
+              <a:ext uri="{FF2B5EF4-FFF2-40B4-BE49-F238E27FC236}">
+                <a16:creationId xmlns:a16="http://schemas.microsoft.com/office/drawing/2014/main" id="{3652ED62-3A3B-441F-8181-6063B6E8BE9E}"/>
               </a:ext>
             </a:extLst>
           </p:cNvPr>
@@ -3899,8 +3975,8 @@
         </p:blipFill>
         <p:spPr>
           <a:xfrm>
-            <a:off x="6228669" y="2039175"/>
-            <a:ext cx="4719279" cy="2397094"/>
+            <a:off x="441485" y="1928948"/>
+            <a:ext cx="2529689" cy="1683393"/>
           </a:xfrm>
           <a:prstGeom prst="rect">
             <a:avLst/>
@@ -3909,10 +3985,59 @@
       </p:pic>
       <p:sp>
         <p:nvSpPr>
-          <p:cNvPr id="9" name="内容占位符 2">
-            <a:extLst>
-              <a:ext uri="{FF2B5EF4-FFF2-40B4-BE49-F238E27FC236}">
-                <a16:creationId xmlns:a16="http://schemas.microsoft.com/office/drawing/2014/main" id="{A771F0D5-A006-4EAD-B26B-B9212F913201}"/>
+          <p:cNvPr id="8" name="箭头: 右 7">
+            <a:extLst>
+              <a:ext uri="{FF2B5EF4-FFF2-40B4-BE49-F238E27FC236}">
+                <a16:creationId xmlns:a16="http://schemas.microsoft.com/office/drawing/2014/main" id="{8C0D007B-6929-476C-939F-A779BE492423}"/>
+              </a:ext>
+            </a:extLst>
+          </p:cNvPr>
+          <p:cNvSpPr/>
+          <p:nvPr/>
+        </p:nvSpPr>
+        <p:spPr>
+          <a:xfrm>
+            <a:off x="3125505" y="2330163"/>
+            <a:ext cx="877077" cy="606490"/>
+          </a:xfrm>
+          <a:prstGeom prst="rightArrow">
+            <a:avLst/>
+          </a:prstGeom>
+          <a:solidFill>
+            <a:schemeClr val="tx1"/>
+          </a:solidFill>
+        </p:spPr>
+        <p:style>
+          <a:lnRef idx="2">
+            <a:schemeClr val="accent1">
+              <a:shade val="50000"/>
+            </a:schemeClr>
+          </a:lnRef>
+          <a:fillRef idx="1">
+            <a:schemeClr val="accent1"/>
+          </a:fillRef>
+          <a:effectRef idx="0">
+            <a:schemeClr val="accent1"/>
+          </a:effectRef>
+          <a:fontRef idx="minor">
+            <a:schemeClr val="lt1"/>
+          </a:fontRef>
+        </p:style>
+        <p:txBody>
+          <a:bodyPr rtlCol="0" anchor="ctr"/>
+          <a:lstStyle/>
+          <a:p>
+            <a:pPr algn="ctr"/>
+            <a:endParaRPr lang="zh-CN" altLang="en-US"/>
+          </a:p>
+        </p:txBody>
+      </p:sp>
+      <p:sp>
+        <p:nvSpPr>
+          <p:cNvPr id="9" name="标题 3">
+            <a:extLst>
+              <a:ext uri="{FF2B5EF4-FFF2-40B4-BE49-F238E27FC236}">
+                <a16:creationId xmlns:a16="http://schemas.microsoft.com/office/drawing/2014/main" id="{968C1111-21E5-4B8A-BF65-741EEDDAF9FB}"/>
               </a:ext>
             </a:extLst>
           </p:cNvPr>
@@ -3923,174 +4048,1053 @@
         </p:nvSpPr>
         <p:spPr>
           <a:xfrm>
-            <a:off x="6611224" y="5085183"/>
-            <a:ext cx="4088363" cy="1091779"/>
+            <a:off x="4156913" y="1575859"/>
+            <a:ext cx="3407229" cy="706177"/>
           </a:xfrm>
           <a:prstGeom prst="rect">
             <a:avLst/>
           </a:prstGeom>
-        </p:spPr>
-        <p:txBody>
-          <a:bodyPr vert="horz" lIns="91440" tIns="45720" rIns="91440" bIns="45720" rtlCol="0">
+          <a:solidFill>
+            <a:schemeClr val="tx1">
+              <a:lumMod val="75000"/>
+              <a:lumOff val="25000"/>
+            </a:schemeClr>
+          </a:solidFill>
+        </p:spPr>
+        <p:style>
+          <a:lnRef idx="2">
+            <a:schemeClr val="accent1">
+              <a:shade val="50000"/>
+            </a:schemeClr>
+          </a:lnRef>
+          <a:fillRef idx="1">
+            <a:schemeClr val="accent1"/>
+          </a:fillRef>
+          <a:effectRef idx="0">
+            <a:schemeClr val="accent1"/>
+          </a:effectRef>
+          <a:fontRef idx="minor">
+            <a:schemeClr val="lt1"/>
+          </a:fontRef>
+        </p:style>
+        <p:txBody>
+          <a:bodyPr vert="horz" lIns="91440" tIns="45720" rIns="91440" bIns="45720" rtlCol="0" anchor="ctr">
             <a:normAutofit/>
           </a:bodyPr>
           <a:lstStyle>
-            <a:lvl1pPr marL="228600" indent="-228600" algn="l" defTabSz="914400" rtl="0" eaLnBrk="1" latinLnBrk="0" hangingPunct="1">
+            <a:lvl1pPr algn="l" defTabSz="914400" rtl="0" eaLnBrk="1" latinLnBrk="0" hangingPunct="1">
               <a:lnSpc>
                 <a:spcPct val="90000"/>
               </a:lnSpc>
               <a:spcBef>
-                <a:spcPts val="1000"/>
+                <a:spcPct val="0"/>
               </a:spcBef>
-              <a:buFont typeface="Arial" panose="020B0604020202020204" pitchFamily="34" charset="0"/>
-              <a:buChar char="•"/>
-              <a:defRPr sz="2800" kern="1200">
-                <a:solidFill>
-                  <a:schemeClr val="tx1"/>
+              <a:buNone/>
+              <a:defRPr sz="4400" kern="1200">
+                <a:solidFill>
+                  <a:schemeClr val="lt1"/>
                 </a:solidFill>
                 <a:latin typeface="+mn-lt"/>
                 <a:ea typeface="+mn-ea"/>
                 <a:cs typeface="+mn-cs"/>
               </a:defRPr>
             </a:lvl1pPr>
-            <a:lvl2pPr marL="685800" indent="-228600" algn="l" defTabSz="914400" rtl="0" eaLnBrk="1" latinLnBrk="0" hangingPunct="1">
+            <a:lvl2pPr>
+              <a:defRPr>
+                <a:solidFill>
+                  <a:schemeClr val="lt1"/>
+                </a:solidFill>
+                <a:latin typeface="+mn-lt"/>
+                <a:ea typeface="+mn-ea"/>
+                <a:cs typeface="+mn-cs"/>
+              </a:defRPr>
+            </a:lvl2pPr>
+            <a:lvl3pPr>
+              <a:defRPr>
+                <a:solidFill>
+                  <a:schemeClr val="lt1"/>
+                </a:solidFill>
+                <a:latin typeface="+mn-lt"/>
+                <a:ea typeface="+mn-ea"/>
+                <a:cs typeface="+mn-cs"/>
+              </a:defRPr>
+            </a:lvl3pPr>
+            <a:lvl4pPr>
+              <a:defRPr>
+                <a:solidFill>
+                  <a:schemeClr val="lt1"/>
+                </a:solidFill>
+                <a:latin typeface="+mn-lt"/>
+                <a:ea typeface="+mn-ea"/>
+                <a:cs typeface="+mn-cs"/>
+              </a:defRPr>
+            </a:lvl4pPr>
+            <a:lvl5pPr>
+              <a:defRPr>
+                <a:solidFill>
+                  <a:schemeClr val="lt1"/>
+                </a:solidFill>
+                <a:latin typeface="+mn-lt"/>
+                <a:ea typeface="+mn-ea"/>
+                <a:cs typeface="+mn-cs"/>
+              </a:defRPr>
+            </a:lvl5pPr>
+            <a:lvl6pPr>
+              <a:defRPr>
+                <a:solidFill>
+                  <a:schemeClr val="lt1"/>
+                </a:solidFill>
+                <a:latin typeface="+mn-lt"/>
+                <a:ea typeface="+mn-ea"/>
+                <a:cs typeface="+mn-cs"/>
+              </a:defRPr>
+            </a:lvl6pPr>
+            <a:lvl7pPr>
+              <a:defRPr>
+                <a:solidFill>
+                  <a:schemeClr val="lt1"/>
+                </a:solidFill>
+                <a:latin typeface="+mn-lt"/>
+                <a:ea typeface="+mn-ea"/>
+                <a:cs typeface="+mn-cs"/>
+              </a:defRPr>
+            </a:lvl7pPr>
+            <a:lvl8pPr>
+              <a:defRPr>
+                <a:solidFill>
+                  <a:schemeClr val="lt1"/>
+                </a:solidFill>
+                <a:latin typeface="+mn-lt"/>
+                <a:ea typeface="+mn-ea"/>
+                <a:cs typeface="+mn-cs"/>
+              </a:defRPr>
+            </a:lvl8pPr>
+            <a:lvl9pPr>
+              <a:defRPr>
+                <a:solidFill>
+                  <a:schemeClr val="lt1"/>
+                </a:solidFill>
+                <a:latin typeface="+mn-lt"/>
+                <a:ea typeface="+mn-ea"/>
+                <a:cs typeface="+mn-cs"/>
+              </a:defRPr>
+            </a:lvl9pPr>
+          </a:lstStyle>
+          <a:p>
+            <a:pPr algn="ctr"/>
+            <a:r>
+              <a:rPr lang="zh-CN" altLang="en-US" sz="3200" b="1" dirty="0"/>
+              <a:t>智能追踪设备</a:t>
+            </a:r>
+          </a:p>
+        </p:txBody>
+      </p:sp>
+      <p:sp>
+        <p:nvSpPr>
+          <p:cNvPr id="10" name="标题 3">
+            <a:extLst>
+              <a:ext uri="{FF2B5EF4-FFF2-40B4-BE49-F238E27FC236}">
+                <a16:creationId xmlns:a16="http://schemas.microsoft.com/office/drawing/2014/main" id="{8536FD0A-91FE-4DF1-B02D-DA67CC265CF0}"/>
+              </a:ext>
+            </a:extLst>
+          </p:cNvPr>
+          <p:cNvSpPr txBox="1">
+            <a:spLocks/>
+          </p:cNvSpPr>
+          <p:nvPr/>
+        </p:nvSpPr>
+        <p:spPr>
+          <a:xfrm>
+            <a:off x="4156913" y="2365690"/>
+            <a:ext cx="3407229" cy="606490"/>
+          </a:xfrm>
+          <a:prstGeom prst="rect">
+            <a:avLst/>
+          </a:prstGeom>
+          <a:solidFill>
+            <a:schemeClr val="tx1">
+              <a:lumMod val="75000"/>
+              <a:lumOff val="25000"/>
+            </a:schemeClr>
+          </a:solidFill>
+        </p:spPr>
+        <p:style>
+          <a:lnRef idx="2">
+            <a:schemeClr val="accent1">
+              <a:shade val="50000"/>
+            </a:schemeClr>
+          </a:lnRef>
+          <a:fillRef idx="1">
+            <a:schemeClr val="accent1"/>
+          </a:fillRef>
+          <a:effectRef idx="0">
+            <a:schemeClr val="accent1"/>
+          </a:effectRef>
+          <a:fontRef idx="minor">
+            <a:schemeClr val="lt1"/>
+          </a:fontRef>
+        </p:style>
+        <p:txBody>
+          <a:bodyPr vert="horz" lIns="91440" tIns="45720" rIns="91440" bIns="45720" rtlCol="0" anchor="ctr">
+            <a:normAutofit/>
+          </a:bodyPr>
+          <a:lstStyle>
+            <a:lvl1pPr algn="l" defTabSz="914400" rtl="0" eaLnBrk="1" latinLnBrk="0" hangingPunct="1">
               <a:lnSpc>
                 <a:spcPct val="90000"/>
               </a:lnSpc>
               <a:spcBef>
-                <a:spcPts val="500"/>
+                <a:spcPct val="0"/>
               </a:spcBef>
-              <a:buFont typeface="Arial" panose="020B0604020202020204" pitchFamily="34" charset="0"/>
-              <a:buChar char="•"/>
-              <a:defRPr sz="2400" kern="1200">
-                <a:solidFill>
-                  <a:schemeClr val="tx1"/>
+              <a:buNone/>
+              <a:defRPr sz="4400" kern="1200">
+                <a:solidFill>
+                  <a:schemeClr val="lt1"/>
+                </a:solidFill>
+                <a:latin typeface="+mn-lt"/>
+                <a:ea typeface="+mn-ea"/>
+                <a:cs typeface="+mn-cs"/>
+              </a:defRPr>
+            </a:lvl1pPr>
+            <a:lvl2pPr>
+              <a:defRPr>
+                <a:solidFill>
+                  <a:schemeClr val="lt1"/>
                 </a:solidFill>
                 <a:latin typeface="+mn-lt"/>
                 <a:ea typeface="+mn-ea"/>
                 <a:cs typeface="+mn-cs"/>
               </a:defRPr>
             </a:lvl2pPr>
-            <a:lvl3pPr marL="1143000" indent="-228600" algn="l" defTabSz="914400" rtl="0" eaLnBrk="1" latinLnBrk="0" hangingPunct="1">
+            <a:lvl3pPr>
+              <a:defRPr>
+                <a:solidFill>
+                  <a:schemeClr val="lt1"/>
+                </a:solidFill>
+                <a:latin typeface="+mn-lt"/>
+                <a:ea typeface="+mn-ea"/>
+                <a:cs typeface="+mn-cs"/>
+              </a:defRPr>
+            </a:lvl3pPr>
+            <a:lvl4pPr>
+              <a:defRPr>
+                <a:solidFill>
+                  <a:schemeClr val="lt1"/>
+                </a:solidFill>
+                <a:latin typeface="+mn-lt"/>
+                <a:ea typeface="+mn-ea"/>
+                <a:cs typeface="+mn-cs"/>
+              </a:defRPr>
+            </a:lvl4pPr>
+            <a:lvl5pPr>
+              <a:defRPr>
+                <a:solidFill>
+                  <a:schemeClr val="lt1"/>
+                </a:solidFill>
+                <a:latin typeface="+mn-lt"/>
+                <a:ea typeface="+mn-ea"/>
+                <a:cs typeface="+mn-cs"/>
+              </a:defRPr>
+            </a:lvl5pPr>
+            <a:lvl6pPr>
+              <a:defRPr>
+                <a:solidFill>
+                  <a:schemeClr val="lt1"/>
+                </a:solidFill>
+                <a:latin typeface="+mn-lt"/>
+                <a:ea typeface="+mn-ea"/>
+                <a:cs typeface="+mn-cs"/>
+              </a:defRPr>
+            </a:lvl6pPr>
+            <a:lvl7pPr>
+              <a:defRPr>
+                <a:solidFill>
+                  <a:schemeClr val="lt1"/>
+                </a:solidFill>
+                <a:latin typeface="+mn-lt"/>
+                <a:ea typeface="+mn-ea"/>
+                <a:cs typeface="+mn-cs"/>
+              </a:defRPr>
+            </a:lvl7pPr>
+            <a:lvl8pPr>
+              <a:defRPr>
+                <a:solidFill>
+                  <a:schemeClr val="lt1"/>
+                </a:solidFill>
+                <a:latin typeface="+mn-lt"/>
+                <a:ea typeface="+mn-ea"/>
+                <a:cs typeface="+mn-cs"/>
+              </a:defRPr>
+            </a:lvl8pPr>
+            <a:lvl9pPr>
+              <a:defRPr>
+                <a:solidFill>
+                  <a:schemeClr val="lt1"/>
+                </a:solidFill>
+                <a:latin typeface="+mn-lt"/>
+                <a:ea typeface="+mn-ea"/>
+                <a:cs typeface="+mn-cs"/>
+              </a:defRPr>
+            </a:lvl9pPr>
+          </a:lstStyle>
+          <a:p>
+            <a:pPr algn="ctr"/>
+            <a:r>
+              <a:rPr lang="zh-CN" altLang="en-US" sz="3200" b="1" dirty="0"/>
+              <a:t>贴广告</a:t>
+            </a:r>
+          </a:p>
+        </p:txBody>
+      </p:sp>
+      <p:sp>
+        <p:nvSpPr>
+          <p:cNvPr id="11" name="标题 3">
+            <a:extLst>
+              <a:ext uri="{FF2B5EF4-FFF2-40B4-BE49-F238E27FC236}">
+                <a16:creationId xmlns:a16="http://schemas.microsoft.com/office/drawing/2014/main" id="{59D8315B-C328-4DE6-9299-689A57542F35}"/>
+              </a:ext>
+            </a:extLst>
+          </p:cNvPr>
+          <p:cNvSpPr txBox="1">
+            <a:spLocks/>
+          </p:cNvSpPr>
+          <p:nvPr/>
+        </p:nvSpPr>
+        <p:spPr>
+          <a:xfrm>
+            <a:off x="4156913" y="3055833"/>
+            <a:ext cx="3407229" cy="606490"/>
+          </a:xfrm>
+          <a:prstGeom prst="rect">
+            <a:avLst/>
+          </a:prstGeom>
+          <a:solidFill>
+            <a:schemeClr val="tx1">
+              <a:lumMod val="75000"/>
+              <a:lumOff val="25000"/>
+            </a:schemeClr>
+          </a:solidFill>
+        </p:spPr>
+        <p:style>
+          <a:lnRef idx="2">
+            <a:schemeClr val="accent1">
+              <a:shade val="50000"/>
+            </a:schemeClr>
+          </a:lnRef>
+          <a:fillRef idx="1">
+            <a:schemeClr val="accent1"/>
+          </a:fillRef>
+          <a:effectRef idx="0">
+            <a:schemeClr val="accent1"/>
+          </a:effectRef>
+          <a:fontRef idx="minor">
+            <a:schemeClr val="lt1"/>
+          </a:fontRef>
+        </p:style>
+        <p:txBody>
+          <a:bodyPr vert="horz" lIns="91440" tIns="45720" rIns="91440" bIns="45720" rtlCol="0" anchor="ctr">
+            <a:normAutofit/>
+          </a:bodyPr>
+          <a:lstStyle>
+            <a:lvl1pPr algn="l" defTabSz="914400" rtl="0" eaLnBrk="1" latinLnBrk="0" hangingPunct="1">
               <a:lnSpc>
                 <a:spcPct val="90000"/>
               </a:lnSpc>
               <a:spcBef>
-                <a:spcPts val="500"/>
+                <a:spcPct val="0"/>
               </a:spcBef>
-              <a:buFont typeface="Arial" panose="020B0604020202020204" pitchFamily="34" charset="0"/>
-              <a:buChar char="•"/>
-              <a:defRPr sz="2000" kern="1200">
-                <a:solidFill>
-                  <a:schemeClr val="tx1"/>
+              <a:buNone/>
+              <a:defRPr sz="4400" kern="1200">
+                <a:solidFill>
+                  <a:schemeClr val="lt1"/>
+                </a:solidFill>
+                <a:latin typeface="+mn-lt"/>
+                <a:ea typeface="+mn-ea"/>
+                <a:cs typeface="+mn-cs"/>
+              </a:defRPr>
+            </a:lvl1pPr>
+            <a:lvl2pPr>
+              <a:defRPr>
+                <a:solidFill>
+                  <a:schemeClr val="lt1"/>
+                </a:solidFill>
+                <a:latin typeface="+mn-lt"/>
+                <a:ea typeface="+mn-ea"/>
+                <a:cs typeface="+mn-cs"/>
+              </a:defRPr>
+            </a:lvl2pPr>
+            <a:lvl3pPr>
+              <a:defRPr>
+                <a:solidFill>
+                  <a:schemeClr val="lt1"/>
                 </a:solidFill>
                 <a:latin typeface="+mn-lt"/>
                 <a:ea typeface="+mn-ea"/>
                 <a:cs typeface="+mn-cs"/>
               </a:defRPr>
             </a:lvl3pPr>
-            <a:lvl4pPr marL="1600200" indent="-228600" algn="l" defTabSz="914400" rtl="0" eaLnBrk="1" latinLnBrk="0" hangingPunct="1">
+            <a:lvl4pPr>
+              <a:defRPr>
+                <a:solidFill>
+                  <a:schemeClr val="lt1"/>
+                </a:solidFill>
+                <a:latin typeface="+mn-lt"/>
+                <a:ea typeface="+mn-ea"/>
+                <a:cs typeface="+mn-cs"/>
+              </a:defRPr>
+            </a:lvl4pPr>
+            <a:lvl5pPr>
+              <a:defRPr>
+                <a:solidFill>
+                  <a:schemeClr val="lt1"/>
+                </a:solidFill>
+                <a:latin typeface="+mn-lt"/>
+                <a:ea typeface="+mn-ea"/>
+                <a:cs typeface="+mn-cs"/>
+              </a:defRPr>
+            </a:lvl5pPr>
+            <a:lvl6pPr>
+              <a:defRPr>
+                <a:solidFill>
+                  <a:schemeClr val="lt1"/>
+                </a:solidFill>
+                <a:latin typeface="+mn-lt"/>
+                <a:ea typeface="+mn-ea"/>
+                <a:cs typeface="+mn-cs"/>
+              </a:defRPr>
+            </a:lvl6pPr>
+            <a:lvl7pPr>
+              <a:defRPr>
+                <a:solidFill>
+                  <a:schemeClr val="lt1"/>
+                </a:solidFill>
+                <a:latin typeface="+mn-lt"/>
+                <a:ea typeface="+mn-ea"/>
+                <a:cs typeface="+mn-cs"/>
+              </a:defRPr>
+            </a:lvl7pPr>
+            <a:lvl8pPr>
+              <a:defRPr>
+                <a:solidFill>
+                  <a:schemeClr val="lt1"/>
+                </a:solidFill>
+                <a:latin typeface="+mn-lt"/>
+                <a:ea typeface="+mn-ea"/>
+                <a:cs typeface="+mn-cs"/>
+              </a:defRPr>
+            </a:lvl8pPr>
+            <a:lvl9pPr>
+              <a:defRPr>
+                <a:solidFill>
+                  <a:schemeClr val="lt1"/>
+                </a:solidFill>
+                <a:latin typeface="+mn-lt"/>
+                <a:ea typeface="+mn-ea"/>
+                <a:cs typeface="+mn-cs"/>
+              </a:defRPr>
+            </a:lvl9pPr>
+          </a:lstStyle>
+          <a:p>
+            <a:pPr algn="ctr"/>
+            <a:r>
+              <a:rPr lang="zh-CN" altLang="en-US" sz="3200" b="1" dirty="0"/>
+              <a:t>查监控</a:t>
+            </a:r>
+          </a:p>
+        </p:txBody>
+      </p:sp>
+      <p:sp>
+        <p:nvSpPr>
+          <p:cNvPr id="12" name="箭头: 右 11">
+            <a:extLst>
+              <a:ext uri="{FF2B5EF4-FFF2-40B4-BE49-F238E27FC236}">
+                <a16:creationId xmlns:a16="http://schemas.microsoft.com/office/drawing/2014/main" id="{41893334-D9E3-4591-8F0E-5614CCB3C2E0}"/>
+              </a:ext>
+            </a:extLst>
+          </p:cNvPr>
+          <p:cNvSpPr/>
+          <p:nvPr/>
+        </p:nvSpPr>
+        <p:spPr>
+          <a:xfrm>
+            <a:off x="7872804" y="2330163"/>
+            <a:ext cx="877077" cy="606490"/>
+          </a:xfrm>
+          <a:prstGeom prst="rightArrow">
+            <a:avLst/>
+          </a:prstGeom>
+          <a:solidFill>
+            <a:schemeClr val="tx1"/>
+          </a:solidFill>
+        </p:spPr>
+        <p:style>
+          <a:lnRef idx="2">
+            <a:schemeClr val="accent1">
+              <a:shade val="50000"/>
+            </a:schemeClr>
+          </a:lnRef>
+          <a:fillRef idx="1">
+            <a:schemeClr val="accent1"/>
+          </a:fillRef>
+          <a:effectRef idx="0">
+            <a:schemeClr val="accent1"/>
+          </a:effectRef>
+          <a:fontRef idx="minor">
+            <a:schemeClr val="lt1"/>
+          </a:fontRef>
+        </p:style>
+        <p:txBody>
+          <a:bodyPr rtlCol="0" anchor="ctr"/>
+          <a:lstStyle/>
+          <a:p>
+            <a:pPr algn="ctr"/>
+            <a:endParaRPr lang="zh-CN" altLang="en-US"/>
+          </a:p>
+        </p:txBody>
+      </p:sp>
+      <p:sp>
+        <p:nvSpPr>
+          <p:cNvPr id="13" name="标题 3">
+            <a:extLst>
+              <a:ext uri="{FF2B5EF4-FFF2-40B4-BE49-F238E27FC236}">
+                <a16:creationId xmlns:a16="http://schemas.microsoft.com/office/drawing/2014/main" id="{E5ED63DF-115A-4090-823E-AA9A50643179}"/>
+              </a:ext>
+            </a:extLst>
+          </p:cNvPr>
+          <p:cNvSpPr txBox="1">
+            <a:spLocks/>
+          </p:cNvSpPr>
+          <p:nvPr/>
+        </p:nvSpPr>
+        <p:spPr>
+          <a:xfrm>
+            <a:off x="8915400" y="2164154"/>
+            <a:ext cx="3065107" cy="606490"/>
+          </a:xfrm>
+          <a:prstGeom prst="rect">
+            <a:avLst/>
+          </a:prstGeom>
+          <a:solidFill>
+            <a:schemeClr val="tx1">
+              <a:lumMod val="75000"/>
+              <a:lumOff val="25000"/>
+            </a:schemeClr>
+          </a:solidFill>
+        </p:spPr>
+        <p:style>
+          <a:lnRef idx="2">
+            <a:schemeClr val="accent1">
+              <a:shade val="50000"/>
+            </a:schemeClr>
+          </a:lnRef>
+          <a:fillRef idx="1">
+            <a:schemeClr val="accent1"/>
+          </a:fillRef>
+          <a:effectRef idx="0">
+            <a:schemeClr val="accent1"/>
+          </a:effectRef>
+          <a:fontRef idx="minor">
+            <a:schemeClr val="lt1"/>
+          </a:fontRef>
+        </p:style>
+        <p:txBody>
+          <a:bodyPr vert="horz" lIns="91440" tIns="45720" rIns="91440" bIns="45720" rtlCol="0" anchor="ctr">
+            <a:normAutofit fontScale="85000" lnSpcReduction="10000"/>
+          </a:bodyPr>
+          <a:lstStyle>
+            <a:lvl1pPr algn="l" defTabSz="914400" rtl="0" eaLnBrk="1" latinLnBrk="0" hangingPunct="1">
               <a:lnSpc>
                 <a:spcPct val="90000"/>
               </a:lnSpc>
               <a:spcBef>
-                <a:spcPts val="500"/>
+                <a:spcPct val="0"/>
               </a:spcBef>
-              <a:buFont typeface="Arial" panose="020B0604020202020204" pitchFamily="34" charset="0"/>
-              <a:buChar char="•"/>
-              <a:defRPr sz="1800" kern="1200">
-                <a:solidFill>
-                  <a:schemeClr val="tx1"/>
+              <a:buNone/>
+              <a:defRPr sz="4400" kern="1200">
+                <a:solidFill>
+                  <a:schemeClr val="lt1"/>
+                </a:solidFill>
+                <a:latin typeface="+mn-lt"/>
+                <a:ea typeface="+mn-ea"/>
+                <a:cs typeface="+mn-cs"/>
+              </a:defRPr>
+            </a:lvl1pPr>
+            <a:lvl2pPr>
+              <a:defRPr>
+                <a:solidFill>
+                  <a:schemeClr val="lt1"/>
+                </a:solidFill>
+                <a:latin typeface="+mn-lt"/>
+                <a:ea typeface="+mn-ea"/>
+                <a:cs typeface="+mn-cs"/>
+              </a:defRPr>
+            </a:lvl2pPr>
+            <a:lvl3pPr>
+              <a:defRPr>
+                <a:solidFill>
+                  <a:schemeClr val="lt1"/>
+                </a:solidFill>
+                <a:latin typeface="+mn-lt"/>
+                <a:ea typeface="+mn-ea"/>
+                <a:cs typeface="+mn-cs"/>
+              </a:defRPr>
+            </a:lvl3pPr>
+            <a:lvl4pPr>
+              <a:defRPr>
+                <a:solidFill>
+                  <a:schemeClr val="lt1"/>
                 </a:solidFill>
                 <a:latin typeface="+mn-lt"/>
                 <a:ea typeface="+mn-ea"/>
                 <a:cs typeface="+mn-cs"/>
               </a:defRPr>
             </a:lvl4pPr>
-            <a:lvl5pPr marL="2057400" indent="-228600" algn="l" defTabSz="914400" rtl="0" eaLnBrk="1" latinLnBrk="0" hangingPunct="1">
+            <a:lvl5pPr>
+              <a:defRPr>
+                <a:solidFill>
+                  <a:schemeClr val="lt1"/>
+                </a:solidFill>
+                <a:latin typeface="+mn-lt"/>
+                <a:ea typeface="+mn-ea"/>
+                <a:cs typeface="+mn-cs"/>
+              </a:defRPr>
+            </a:lvl5pPr>
+            <a:lvl6pPr>
+              <a:defRPr>
+                <a:solidFill>
+                  <a:schemeClr val="lt1"/>
+                </a:solidFill>
+                <a:latin typeface="+mn-lt"/>
+                <a:ea typeface="+mn-ea"/>
+                <a:cs typeface="+mn-cs"/>
+              </a:defRPr>
+            </a:lvl6pPr>
+            <a:lvl7pPr>
+              <a:defRPr>
+                <a:solidFill>
+                  <a:schemeClr val="lt1"/>
+                </a:solidFill>
+                <a:latin typeface="+mn-lt"/>
+                <a:ea typeface="+mn-ea"/>
+                <a:cs typeface="+mn-cs"/>
+              </a:defRPr>
+            </a:lvl7pPr>
+            <a:lvl8pPr>
+              <a:defRPr>
+                <a:solidFill>
+                  <a:schemeClr val="lt1"/>
+                </a:solidFill>
+                <a:latin typeface="+mn-lt"/>
+                <a:ea typeface="+mn-ea"/>
+                <a:cs typeface="+mn-cs"/>
+              </a:defRPr>
+            </a:lvl8pPr>
+            <a:lvl9pPr>
+              <a:defRPr>
+                <a:solidFill>
+                  <a:schemeClr val="lt1"/>
+                </a:solidFill>
+                <a:latin typeface="+mn-lt"/>
+                <a:ea typeface="+mn-ea"/>
+                <a:cs typeface="+mn-cs"/>
+              </a:defRPr>
+            </a:lvl9pPr>
+          </a:lstStyle>
+          <a:p>
+            <a:pPr algn="ctr"/>
+            <a:r>
+              <a:rPr lang="zh-CN" altLang="en-US" sz="3200" b="1" dirty="0"/>
+              <a:t>找回了又是小可爱</a:t>
+            </a:r>
+          </a:p>
+        </p:txBody>
+      </p:sp>
+      <p:sp>
+        <p:nvSpPr>
+          <p:cNvPr id="14" name="标题 3">
+            <a:extLst>
+              <a:ext uri="{FF2B5EF4-FFF2-40B4-BE49-F238E27FC236}">
+                <a16:creationId xmlns:a16="http://schemas.microsoft.com/office/drawing/2014/main" id="{EC13E8FF-225B-4CBD-9A45-AF3AC1B3856A}"/>
+              </a:ext>
+            </a:extLst>
+          </p:cNvPr>
+          <p:cNvSpPr txBox="1">
+            <a:spLocks/>
+          </p:cNvSpPr>
+          <p:nvPr/>
+        </p:nvSpPr>
+        <p:spPr>
+          <a:xfrm>
+            <a:off x="8892825" y="3125755"/>
+            <a:ext cx="3065107" cy="606490"/>
+          </a:xfrm>
+          <a:prstGeom prst="rect">
+            <a:avLst/>
+          </a:prstGeom>
+          <a:solidFill>
+            <a:schemeClr val="tx1">
+              <a:lumMod val="75000"/>
+              <a:lumOff val="25000"/>
+            </a:schemeClr>
+          </a:solidFill>
+        </p:spPr>
+        <p:style>
+          <a:lnRef idx="2">
+            <a:schemeClr val="accent1">
+              <a:shade val="50000"/>
+            </a:schemeClr>
+          </a:lnRef>
+          <a:fillRef idx="1">
+            <a:schemeClr val="accent1"/>
+          </a:fillRef>
+          <a:effectRef idx="0">
+            <a:schemeClr val="accent1"/>
+          </a:effectRef>
+          <a:fontRef idx="minor">
+            <a:schemeClr val="lt1"/>
+          </a:fontRef>
+        </p:style>
+        <p:txBody>
+          <a:bodyPr vert="horz" lIns="91440" tIns="45720" rIns="91440" bIns="45720" rtlCol="0" anchor="ctr">
+            <a:normAutofit/>
+          </a:bodyPr>
+          <a:lstStyle>
+            <a:lvl1pPr algn="l" defTabSz="914400" rtl="0" eaLnBrk="1" latinLnBrk="0" hangingPunct="1">
               <a:lnSpc>
                 <a:spcPct val="90000"/>
               </a:lnSpc>
               <a:spcBef>
-                <a:spcPts val="500"/>
+                <a:spcPct val="0"/>
               </a:spcBef>
-              <a:buFont typeface="Arial" panose="020B0604020202020204" pitchFamily="34" charset="0"/>
-              <a:buChar char="•"/>
-              <a:defRPr sz="1800" kern="1200">
-                <a:solidFill>
-                  <a:schemeClr val="tx1"/>
+              <a:buNone/>
+              <a:defRPr sz="4400" kern="1200">
+                <a:solidFill>
+                  <a:schemeClr val="lt1"/>
+                </a:solidFill>
+                <a:latin typeface="+mn-lt"/>
+                <a:ea typeface="+mn-ea"/>
+                <a:cs typeface="+mn-cs"/>
+              </a:defRPr>
+            </a:lvl1pPr>
+            <a:lvl2pPr>
+              <a:defRPr>
+                <a:solidFill>
+                  <a:schemeClr val="lt1"/>
+                </a:solidFill>
+                <a:latin typeface="+mn-lt"/>
+                <a:ea typeface="+mn-ea"/>
+                <a:cs typeface="+mn-cs"/>
+              </a:defRPr>
+            </a:lvl2pPr>
+            <a:lvl3pPr>
+              <a:defRPr>
+                <a:solidFill>
+                  <a:schemeClr val="lt1"/>
+                </a:solidFill>
+                <a:latin typeface="+mn-lt"/>
+                <a:ea typeface="+mn-ea"/>
+                <a:cs typeface="+mn-cs"/>
+              </a:defRPr>
+            </a:lvl3pPr>
+            <a:lvl4pPr>
+              <a:defRPr>
+                <a:solidFill>
+                  <a:schemeClr val="lt1"/>
+                </a:solidFill>
+                <a:latin typeface="+mn-lt"/>
+                <a:ea typeface="+mn-ea"/>
+                <a:cs typeface="+mn-cs"/>
+              </a:defRPr>
+            </a:lvl4pPr>
+            <a:lvl5pPr>
+              <a:defRPr>
+                <a:solidFill>
+                  <a:schemeClr val="lt1"/>
                 </a:solidFill>
                 <a:latin typeface="+mn-lt"/>
                 <a:ea typeface="+mn-ea"/>
                 <a:cs typeface="+mn-cs"/>
               </a:defRPr>
             </a:lvl5pPr>
-            <a:lvl6pPr marL="2514600" indent="-228600" algn="l" defTabSz="914400" rtl="0" eaLnBrk="1" latinLnBrk="0" hangingPunct="1">
+            <a:lvl6pPr>
+              <a:defRPr>
+                <a:solidFill>
+                  <a:schemeClr val="lt1"/>
+                </a:solidFill>
+                <a:latin typeface="+mn-lt"/>
+                <a:ea typeface="+mn-ea"/>
+                <a:cs typeface="+mn-cs"/>
+              </a:defRPr>
+            </a:lvl6pPr>
+            <a:lvl7pPr>
+              <a:defRPr>
+                <a:solidFill>
+                  <a:schemeClr val="lt1"/>
+                </a:solidFill>
+                <a:latin typeface="+mn-lt"/>
+                <a:ea typeface="+mn-ea"/>
+                <a:cs typeface="+mn-cs"/>
+              </a:defRPr>
+            </a:lvl7pPr>
+            <a:lvl8pPr>
+              <a:defRPr>
+                <a:solidFill>
+                  <a:schemeClr val="lt1"/>
+                </a:solidFill>
+                <a:latin typeface="+mn-lt"/>
+                <a:ea typeface="+mn-ea"/>
+                <a:cs typeface="+mn-cs"/>
+              </a:defRPr>
+            </a:lvl8pPr>
+            <a:lvl9pPr>
+              <a:defRPr>
+                <a:solidFill>
+                  <a:schemeClr val="lt1"/>
+                </a:solidFill>
+                <a:latin typeface="+mn-lt"/>
+                <a:ea typeface="+mn-ea"/>
+                <a:cs typeface="+mn-cs"/>
+              </a:defRPr>
+            </a:lvl9pPr>
+          </a:lstStyle>
+          <a:p>
+            <a:pPr algn="ctr"/>
+            <a:r>
+              <a:rPr lang="zh-CN" altLang="en-US" sz="3200" b="1" dirty="0"/>
+              <a:t>找不回</a:t>
+            </a:r>
+          </a:p>
+        </p:txBody>
+      </p:sp>
+      <p:sp>
+        <p:nvSpPr>
+          <p:cNvPr id="15" name="箭头: 右 14">
+            <a:extLst>
+              <a:ext uri="{FF2B5EF4-FFF2-40B4-BE49-F238E27FC236}">
+                <a16:creationId xmlns:a16="http://schemas.microsoft.com/office/drawing/2014/main" id="{F3E67957-B040-41D0-996E-E0902E12E135}"/>
+              </a:ext>
+            </a:extLst>
+          </p:cNvPr>
+          <p:cNvSpPr/>
+          <p:nvPr/>
+        </p:nvSpPr>
+        <p:spPr>
+          <a:xfrm rot="9844513">
+            <a:off x="6154222" y="3963993"/>
+            <a:ext cx="2645751" cy="456024"/>
+          </a:xfrm>
+          <a:prstGeom prst="rightArrow">
+            <a:avLst>
+              <a:gd name="adj1" fmla="val 60238"/>
+              <a:gd name="adj2" fmla="val 50000"/>
+            </a:avLst>
+          </a:prstGeom>
+          <a:solidFill>
+            <a:schemeClr val="tx1"/>
+          </a:solidFill>
+        </p:spPr>
+        <p:style>
+          <a:lnRef idx="2">
+            <a:schemeClr val="accent1">
+              <a:shade val="50000"/>
+            </a:schemeClr>
+          </a:lnRef>
+          <a:fillRef idx="1">
+            <a:schemeClr val="accent1"/>
+          </a:fillRef>
+          <a:effectRef idx="0">
+            <a:schemeClr val="accent1"/>
+          </a:effectRef>
+          <a:fontRef idx="minor">
+            <a:schemeClr val="lt1"/>
+          </a:fontRef>
+        </p:style>
+        <p:txBody>
+          <a:bodyPr rtlCol="0" anchor="ctr"/>
+          <a:lstStyle/>
+          <a:p>
+            <a:pPr algn="ctr"/>
+            <a:endParaRPr lang="zh-CN" altLang="en-US"/>
+          </a:p>
+        </p:txBody>
+      </p:sp>
+      <p:pic>
+        <p:nvPicPr>
+          <p:cNvPr id="16" name="图片 15" descr="躺在地上的狗&#10;&#10;描述已自动生成">
+            <a:extLst>
+              <a:ext uri="{FF2B5EF4-FFF2-40B4-BE49-F238E27FC236}">
+                <a16:creationId xmlns:a16="http://schemas.microsoft.com/office/drawing/2014/main" id="{5BC286B7-A049-48D5-B23E-ECBB34ECE452}"/>
+              </a:ext>
+            </a:extLst>
+          </p:cNvPr>
+          <p:cNvPicPr>
+            <a:picLocks noChangeAspect="1"/>
+          </p:cNvPicPr>
+          <p:nvPr/>
+        </p:nvPicPr>
+        <p:blipFill>
+          <a:blip r:embed="rId4">
+            <a:extLst>
+              <a:ext uri="{28A0092B-C50C-407E-A947-70E740481C1C}">
+                <a14:useLocalDpi xmlns:a14="http://schemas.microsoft.com/office/drawing/2010/main" val="0"/>
+              </a:ext>
+            </a:extLst>
+          </a:blip>
+          <a:stretch>
+            <a:fillRect/>
+          </a:stretch>
+        </p:blipFill>
+        <p:spPr>
+          <a:xfrm>
+            <a:off x="2831586" y="4219769"/>
+            <a:ext cx="3218970" cy="1635032"/>
+          </a:xfrm>
+          <a:prstGeom prst="rect">
+            <a:avLst/>
+          </a:prstGeom>
+        </p:spPr>
+      </p:pic>
+      <p:sp>
+        <p:nvSpPr>
+          <p:cNvPr id="17" name="标题 3">
+            <a:extLst>
+              <a:ext uri="{FF2B5EF4-FFF2-40B4-BE49-F238E27FC236}">
+                <a16:creationId xmlns:a16="http://schemas.microsoft.com/office/drawing/2014/main" id="{2E0A43CD-CC89-4C97-973F-15653D424EF6}"/>
+              </a:ext>
+            </a:extLst>
+          </p:cNvPr>
+          <p:cNvSpPr txBox="1">
+            <a:spLocks/>
+          </p:cNvSpPr>
+          <p:nvPr/>
+        </p:nvSpPr>
+        <p:spPr>
+          <a:xfrm>
+            <a:off x="10352482" y="4742220"/>
+            <a:ext cx="1244332" cy="1192886"/>
+          </a:xfrm>
+          <a:prstGeom prst="rect">
+            <a:avLst/>
+          </a:prstGeom>
+          <a:solidFill>
+            <a:schemeClr val="tx1">
+              <a:lumMod val="75000"/>
+              <a:lumOff val="25000"/>
+            </a:schemeClr>
+          </a:solidFill>
+        </p:spPr>
+        <p:style>
+          <a:lnRef idx="2">
+            <a:schemeClr val="accent1">
+              <a:shade val="50000"/>
+            </a:schemeClr>
+          </a:lnRef>
+          <a:fillRef idx="1">
+            <a:schemeClr val="accent1"/>
+          </a:fillRef>
+          <a:effectRef idx="0">
+            <a:schemeClr val="accent1"/>
+          </a:effectRef>
+          <a:fontRef idx="minor">
+            <a:schemeClr val="lt1"/>
+          </a:fontRef>
+        </p:style>
+        <p:txBody>
+          <a:bodyPr vert="horz" lIns="91440" tIns="45720" rIns="91440" bIns="45720" rtlCol="0" anchor="ctr">
+            <a:normAutofit/>
+          </a:bodyPr>
+          <a:lstStyle>
+            <a:lvl1pPr algn="l" defTabSz="914400" rtl="0" eaLnBrk="1" latinLnBrk="0" hangingPunct="1">
               <a:lnSpc>
                 <a:spcPct val="90000"/>
               </a:lnSpc>
               <a:spcBef>
-                <a:spcPts val="500"/>
+                <a:spcPct val="0"/>
               </a:spcBef>
-              <a:buFont typeface="Arial" panose="020B0604020202020204" pitchFamily="34" charset="0"/>
-              <a:buChar char="•"/>
-              <a:defRPr sz="1800" kern="1200">
-                <a:solidFill>
-                  <a:schemeClr val="tx1"/>
+              <a:buNone/>
+              <a:defRPr sz="4400" kern="1200">
+                <a:solidFill>
+                  <a:schemeClr val="lt1"/>
+                </a:solidFill>
+                <a:latin typeface="+mn-lt"/>
+                <a:ea typeface="+mn-ea"/>
+                <a:cs typeface="+mn-cs"/>
+              </a:defRPr>
+            </a:lvl1pPr>
+            <a:lvl2pPr>
+              <a:defRPr>
+                <a:solidFill>
+                  <a:schemeClr val="lt1"/>
+                </a:solidFill>
+                <a:latin typeface="+mn-lt"/>
+                <a:ea typeface="+mn-ea"/>
+                <a:cs typeface="+mn-cs"/>
+              </a:defRPr>
+            </a:lvl2pPr>
+            <a:lvl3pPr>
+              <a:defRPr>
+                <a:solidFill>
+                  <a:schemeClr val="lt1"/>
+                </a:solidFill>
+                <a:latin typeface="+mn-lt"/>
+                <a:ea typeface="+mn-ea"/>
+                <a:cs typeface="+mn-cs"/>
+              </a:defRPr>
+            </a:lvl3pPr>
+            <a:lvl4pPr>
+              <a:defRPr>
+                <a:solidFill>
+                  <a:schemeClr val="lt1"/>
+                </a:solidFill>
+                <a:latin typeface="+mn-lt"/>
+                <a:ea typeface="+mn-ea"/>
+                <a:cs typeface="+mn-cs"/>
+              </a:defRPr>
+            </a:lvl4pPr>
+            <a:lvl5pPr>
+              <a:defRPr>
+                <a:solidFill>
+                  <a:schemeClr val="lt1"/>
+                </a:solidFill>
+                <a:latin typeface="+mn-lt"/>
+                <a:ea typeface="+mn-ea"/>
+                <a:cs typeface="+mn-cs"/>
+              </a:defRPr>
+            </a:lvl5pPr>
+            <a:lvl6pPr>
+              <a:defRPr>
+                <a:solidFill>
+                  <a:schemeClr val="lt1"/>
                 </a:solidFill>
                 <a:latin typeface="+mn-lt"/>
                 <a:ea typeface="+mn-ea"/>
                 <a:cs typeface="+mn-cs"/>
               </a:defRPr>
             </a:lvl6pPr>
-            <a:lvl7pPr marL="2971800" indent="-228600" algn="l" defTabSz="914400" rtl="0" eaLnBrk="1" latinLnBrk="0" hangingPunct="1">
-              <a:lnSpc>
-                <a:spcPct val="90000"/>
-              </a:lnSpc>
-              <a:spcBef>
-                <a:spcPts val="500"/>
-              </a:spcBef>
-              <a:buFont typeface="Arial" panose="020B0604020202020204" pitchFamily="34" charset="0"/>
-              <a:buChar char="•"/>
-              <a:defRPr sz="1800" kern="1200">
-                <a:solidFill>
-                  <a:schemeClr val="tx1"/>
+            <a:lvl7pPr>
+              <a:defRPr>
+                <a:solidFill>
+                  <a:schemeClr val="lt1"/>
                 </a:solidFill>
                 <a:latin typeface="+mn-lt"/>
                 <a:ea typeface="+mn-ea"/>
                 <a:cs typeface="+mn-cs"/>
               </a:defRPr>
             </a:lvl7pPr>
-            <a:lvl8pPr marL="3429000" indent="-228600" algn="l" defTabSz="914400" rtl="0" eaLnBrk="1" latinLnBrk="0" hangingPunct="1">
-              <a:lnSpc>
-                <a:spcPct val="90000"/>
-              </a:lnSpc>
-              <a:spcBef>
-                <a:spcPts val="500"/>
-              </a:spcBef>
-              <a:buFont typeface="Arial" panose="020B0604020202020204" pitchFamily="34" charset="0"/>
-              <a:buChar char="•"/>
-              <a:defRPr sz="1800" kern="1200">
-                <a:solidFill>
-                  <a:schemeClr val="tx1"/>
+            <a:lvl8pPr>
+              <a:defRPr>
+                <a:solidFill>
+                  <a:schemeClr val="lt1"/>
                 </a:solidFill>
                 <a:latin typeface="+mn-lt"/>
                 <a:ea typeface="+mn-ea"/>
                 <a:cs typeface="+mn-cs"/>
               </a:defRPr>
             </a:lvl8pPr>
-            <a:lvl9pPr marL="3886200" indent="-228600" algn="l" defTabSz="914400" rtl="0" eaLnBrk="1" latinLnBrk="0" hangingPunct="1">
-              <a:lnSpc>
-                <a:spcPct val="90000"/>
-              </a:lnSpc>
-              <a:spcBef>
-                <a:spcPts val="500"/>
-              </a:spcBef>
-              <a:buFont typeface="Arial" panose="020B0604020202020204" pitchFamily="34" charset="0"/>
-              <a:buChar char="•"/>
-              <a:defRPr sz="1800" kern="1200">
-                <a:solidFill>
-                  <a:schemeClr val="tx1"/>
+            <a:lvl9pPr>
+              <a:defRPr>
+                <a:solidFill>
+                  <a:schemeClr val="lt1"/>
                 </a:solidFill>
                 <a:latin typeface="+mn-lt"/>
                 <a:ea typeface="+mn-ea"/>
@@ -4099,17 +5103,247 @@
             </a:lvl9pPr>
           </a:lstStyle>
           <a:p>
-            <a:r>
-              <a:rPr lang="zh-CN" altLang="en-US" dirty="0"/>
-              <a:t>流浪动物增加社区人群风险，领养机制不健全</a:t>
-            </a:r>
-          </a:p>
-        </p:txBody>
-      </p:sp>
+            <a:pPr algn="ctr"/>
+            <a:r>
+              <a:rPr lang="zh-CN" altLang="en-US" sz="3200" b="1" dirty="0"/>
+              <a:t>猫舍</a:t>
+            </a:r>
+            <a:endParaRPr lang="en-US" altLang="zh-CN" sz="3200" b="1" dirty="0"/>
+          </a:p>
+          <a:p>
+            <a:pPr algn="ctr"/>
+            <a:r>
+              <a:rPr lang="zh-CN" altLang="en-US" sz="3200" b="1" dirty="0"/>
+              <a:t>舍弃</a:t>
+            </a:r>
+          </a:p>
+        </p:txBody>
+      </p:sp>
+      <p:sp>
+        <p:nvSpPr>
+          <p:cNvPr id="18" name="箭头: 右 17">
+            <a:extLst>
+              <a:ext uri="{FF2B5EF4-FFF2-40B4-BE49-F238E27FC236}">
+                <a16:creationId xmlns:a16="http://schemas.microsoft.com/office/drawing/2014/main" id="{46EF267F-376F-4FF2-AB1C-B713466211E6}"/>
+              </a:ext>
+            </a:extLst>
+          </p:cNvPr>
+          <p:cNvSpPr/>
+          <p:nvPr/>
+        </p:nvSpPr>
+        <p:spPr>
+          <a:xfrm rot="10800000">
+            <a:off x="6242179" y="5110651"/>
+            <a:ext cx="1670505" cy="456024"/>
+          </a:xfrm>
+          <a:prstGeom prst="rightArrow">
+            <a:avLst>
+              <a:gd name="adj1" fmla="val 60238"/>
+              <a:gd name="adj2" fmla="val 50000"/>
+            </a:avLst>
+          </a:prstGeom>
+          <a:solidFill>
+            <a:schemeClr val="tx1"/>
+          </a:solidFill>
+        </p:spPr>
+        <p:style>
+          <a:lnRef idx="2">
+            <a:schemeClr val="accent1">
+              <a:shade val="50000"/>
+            </a:schemeClr>
+          </a:lnRef>
+          <a:fillRef idx="1">
+            <a:schemeClr val="accent1"/>
+          </a:fillRef>
+          <a:effectRef idx="0">
+            <a:schemeClr val="accent1"/>
+          </a:effectRef>
+          <a:fontRef idx="minor">
+            <a:schemeClr val="lt1"/>
+          </a:fontRef>
+        </p:style>
+        <p:txBody>
+          <a:bodyPr rtlCol="0" anchor="ctr"/>
+          <a:lstStyle/>
+          <a:p>
+            <a:pPr algn="ctr"/>
+            <a:endParaRPr lang="zh-CN" altLang="en-US"/>
+          </a:p>
+        </p:txBody>
+      </p:sp>
+      <p:sp>
+        <p:nvSpPr>
+          <p:cNvPr id="19" name="箭头: 右 18">
+            <a:extLst>
+              <a:ext uri="{FF2B5EF4-FFF2-40B4-BE49-F238E27FC236}">
+                <a16:creationId xmlns:a16="http://schemas.microsoft.com/office/drawing/2014/main" id="{F7149DD9-A292-487C-A5CA-C370E9EDD42A}"/>
+              </a:ext>
+            </a:extLst>
+          </p:cNvPr>
+          <p:cNvSpPr/>
+          <p:nvPr/>
+        </p:nvSpPr>
+        <p:spPr>
+          <a:xfrm rot="14113265">
+            <a:off x="931464" y="4360003"/>
+            <a:ext cx="1937353" cy="456024"/>
+          </a:xfrm>
+          <a:prstGeom prst="rightArrow">
+            <a:avLst>
+              <a:gd name="adj1" fmla="val 60238"/>
+              <a:gd name="adj2" fmla="val 50000"/>
+            </a:avLst>
+          </a:prstGeom>
+          <a:solidFill>
+            <a:schemeClr val="tx1"/>
+          </a:solidFill>
+        </p:spPr>
+        <p:style>
+          <a:lnRef idx="2">
+            <a:schemeClr val="accent1">
+              <a:shade val="50000"/>
+            </a:schemeClr>
+          </a:lnRef>
+          <a:fillRef idx="1">
+            <a:schemeClr val="accent1"/>
+          </a:fillRef>
+          <a:effectRef idx="0">
+            <a:schemeClr val="accent1"/>
+          </a:effectRef>
+          <a:fontRef idx="minor">
+            <a:schemeClr val="lt1"/>
+          </a:fontRef>
+        </p:style>
+        <p:txBody>
+          <a:bodyPr rtlCol="0" anchor="ctr"/>
+          <a:lstStyle/>
+          <a:p>
+            <a:pPr algn="ctr"/>
+            <a:endParaRPr lang="zh-CN" altLang="en-US"/>
+          </a:p>
+        </p:txBody>
+      </p:sp>
+      <p:pic>
+        <p:nvPicPr>
+          <p:cNvPr id="22" name="图形 21" descr="帮助">
+            <a:extLst>
+              <a:ext uri="{FF2B5EF4-FFF2-40B4-BE49-F238E27FC236}">
+                <a16:creationId xmlns:a16="http://schemas.microsoft.com/office/drawing/2014/main" id="{68E93A9B-D3BE-426B-9B38-CB05B6EB5B16}"/>
+              </a:ext>
+            </a:extLst>
+          </p:cNvPr>
+          <p:cNvPicPr>
+            <a:picLocks noChangeAspect="1"/>
+          </p:cNvPicPr>
+          <p:nvPr/>
+        </p:nvPicPr>
+        <p:blipFill>
+          <a:blip r:embed="rId5">
+            <a:extLst>
+              <a:ext uri="{28A0092B-C50C-407E-A947-70E740481C1C}">
+                <a14:useLocalDpi xmlns:a14="http://schemas.microsoft.com/office/drawing/2010/main" val="0"/>
+              </a:ext>
+              <a:ext uri="{96DAC541-7B7A-43D3-8B79-37D633B846F1}">
+                <asvg:svgBlip xmlns:asvg="http://schemas.microsoft.com/office/drawing/2016/SVG/main" r:embed="rId6"/>
+              </a:ext>
+            </a:extLst>
+          </a:blip>
+          <a:stretch>
+            <a:fillRect/>
+          </a:stretch>
+        </p:blipFill>
+        <p:spPr>
+          <a:xfrm>
+            <a:off x="987668" y="4580314"/>
+            <a:ext cx="807572" cy="807572"/>
+          </a:xfrm>
+          <a:prstGeom prst="rect">
+            <a:avLst/>
+          </a:prstGeom>
+        </p:spPr>
+      </p:pic>
+      <p:pic>
+        <p:nvPicPr>
+          <p:cNvPr id="23" name="图形 22" descr="帮助">
+            <a:extLst>
+              <a:ext uri="{FF2B5EF4-FFF2-40B4-BE49-F238E27FC236}">
+                <a16:creationId xmlns:a16="http://schemas.microsoft.com/office/drawing/2014/main" id="{2E198693-7CC0-4B81-87F6-FB20A1CA0FF3}"/>
+              </a:ext>
+            </a:extLst>
+          </p:cNvPr>
+          <p:cNvPicPr>
+            <a:picLocks noChangeAspect="1"/>
+          </p:cNvPicPr>
+          <p:nvPr/>
+        </p:nvPicPr>
+        <p:blipFill>
+          <a:blip r:embed="rId5">
+            <a:extLst>
+              <a:ext uri="{28A0092B-C50C-407E-A947-70E740481C1C}">
+                <a14:useLocalDpi xmlns:a14="http://schemas.microsoft.com/office/drawing/2010/main" val="0"/>
+              </a:ext>
+              <a:ext uri="{96DAC541-7B7A-43D3-8B79-37D633B846F1}">
+                <asvg:svgBlip xmlns:asvg="http://schemas.microsoft.com/office/drawing/2016/SVG/main" r:embed="rId6"/>
+              </a:ext>
+            </a:extLst>
+          </a:blip>
+          <a:stretch>
+            <a:fillRect/>
+          </a:stretch>
+        </p:blipFill>
+        <p:spPr>
+          <a:xfrm>
+            <a:off x="7598324" y="3020307"/>
+            <a:ext cx="807572" cy="807572"/>
+          </a:xfrm>
+          <a:prstGeom prst="rect">
+            <a:avLst/>
+          </a:prstGeom>
+        </p:spPr>
+      </p:pic>
+      <p:pic>
+        <p:nvPicPr>
+          <p:cNvPr id="24" name="图形 23" descr="帮助">
+            <a:extLst>
+              <a:ext uri="{FF2B5EF4-FFF2-40B4-BE49-F238E27FC236}">
+                <a16:creationId xmlns:a16="http://schemas.microsoft.com/office/drawing/2014/main" id="{F23E6127-6F77-46C3-87D1-0C5FF3C62CEE}"/>
+              </a:ext>
+            </a:extLst>
+          </p:cNvPr>
+          <p:cNvPicPr>
+            <a:picLocks noChangeAspect="1"/>
+          </p:cNvPicPr>
+          <p:nvPr/>
+        </p:nvPicPr>
+        <p:blipFill>
+          <a:blip r:embed="rId5">
+            <a:extLst>
+              <a:ext uri="{28A0092B-C50C-407E-A947-70E740481C1C}">
+                <a14:useLocalDpi xmlns:a14="http://schemas.microsoft.com/office/drawing/2010/main" val="0"/>
+              </a:ext>
+              <a:ext uri="{96DAC541-7B7A-43D3-8B79-37D633B846F1}">
+                <asvg:svgBlip xmlns:asvg="http://schemas.microsoft.com/office/drawing/2016/SVG/main" r:embed="rId6"/>
+              </a:ext>
+            </a:extLst>
+          </a:blip>
+          <a:stretch>
+            <a:fillRect/>
+          </a:stretch>
+        </p:blipFill>
+        <p:spPr>
+          <a:xfrm>
+            <a:off x="3999896" y="5786541"/>
+            <a:ext cx="807572" cy="807572"/>
+          </a:xfrm>
+          <a:prstGeom prst="rect">
+            <a:avLst/>
+          </a:prstGeom>
+        </p:spPr>
+      </p:pic>
     </p:spTree>
     <p:extLst>
       <p:ext uri="{BB962C8B-B14F-4D97-AF65-F5344CB8AC3E}">
-        <p14:creationId xmlns:p14="http://schemas.microsoft.com/office/powerpoint/2010/main" val="1126493243"/>
+        <p14:creationId xmlns:p14="http://schemas.microsoft.com/office/powerpoint/2010/main" val="4116336521"/>
       </p:ext>
     </p:extLst>
   </p:cSld>
@@ -4138,15 +5372,15 @@
       </p:grpSpPr>
       <p:pic>
         <p:nvPicPr>
-          <p:cNvPr id="6" name="内容占位符 5" descr="猫们站在一起&#10;&#10;描述已自动生成">
-            <a:extLst>
-              <a:ext uri="{FF2B5EF4-FFF2-40B4-BE49-F238E27FC236}">
-                <a16:creationId xmlns:a16="http://schemas.microsoft.com/office/drawing/2014/main" id="{3354EC6C-3EB8-431D-9BC6-0B4C6FF952E9}"/>
+          <p:cNvPr id="1026" name="Picture 2" descr="监控系统软件下载_监控系统软件哪个好_监控系统软件大全【最新】-太平洋下载中心">
+            <a:extLst>
+              <a:ext uri="{FF2B5EF4-FFF2-40B4-BE49-F238E27FC236}">
+                <a16:creationId xmlns:a16="http://schemas.microsoft.com/office/drawing/2014/main" id="{B8FFA258-38C9-4CEC-A4BB-7A5C76BFE242}"/>
               </a:ext>
             </a:extLst>
           </p:cNvPr>
           <p:cNvPicPr>
-            <a:picLocks noGrp="1" noChangeAspect="1"/>
+            <a:picLocks noGrp="1" noChangeAspect="1" noChangeArrowheads="1"/>
           </p:cNvPicPr>
           <p:nvPr>
             <p:ph idx="1"/>
@@ -4160,37 +5394,49 @@
               </a:ext>
             </a:extLst>
           </a:blip>
+          <a:srcRect/>
           <a:stretch>
             <a:fillRect/>
           </a:stretch>
         </p:blipFill>
-        <p:spPr>
+        <p:spPr bwMode="auto">
           <a:xfrm>
-            <a:off x="8008876" y="4701948"/>
-            <a:ext cx="2247415" cy="1273430"/>
-          </a:xfrm>
+            <a:off x="1458739" y="2259468"/>
+            <a:ext cx="4414669" cy="2741742"/>
+          </a:xfrm>
+          <a:prstGeom prst="rect">
+            <a:avLst/>
+          </a:prstGeom>
+          <a:noFill/>
+          <a:extLst>
+            <a:ext uri="{909E8E84-426E-40DD-AFC4-6F175D3DCCD1}">
+              <a14:hiddenFill xmlns:a14="http://schemas.microsoft.com/office/drawing/2010/main">
+                <a:solidFill>
+                  <a:srgbClr val="FFFFFF"/>
+                </a:solidFill>
+              </a14:hiddenFill>
+            </a:ext>
+          </a:extLst>
         </p:spPr>
       </p:pic>
       <p:sp>
         <p:nvSpPr>
-          <p:cNvPr id="4" name="标题 3">
-            <a:extLst>
-              <a:ext uri="{FF2B5EF4-FFF2-40B4-BE49-F238E27FC236}">
-                <a16:creationId xmlns:a16="http://schemas.microsoft.com/office/drawing/2014/main" id="{9B972B1F-3000-4E34-8026-CA69432F73D3}"/>
-              </a:ext>
-            </a:extLst>
-          </p:cNvPr>
-          <p:cNvSpPr>
-            <a:spLocks noGrp="1"/>
+          <p:cNvPr id="5" name="标题 3">
+            <a:extLst>
+              <a:ext uri="{FF2B5EF4-FFF2-40B4-BE49-F238E27FC236}">
+                <a16:creationId xmlns:a16="http://schemas.microsoft.com/office/drawing/2014/main" id="{38725362-4BAA-4B57-82D5-5CC08C504350}"/>
+              </a:ext>
+            </a:extLst>
+          </p:cNvPr>
+          <p:cNvSpPr txBox="1">
+            <a:spLocks/>
           </p:cNvSpPr>
-          <p:nvPr>
-            <p:ph type="title"/>
-          </p:nvPr>
+          <p:nvPr/>
         </p:nvSpPr>
         <p:spPr>
           <a:xfrm>
-            <a:off x="353008" y="280018"/>
-            <a:ext cx="3407229" cy="1025135"/>
+            <a:off x="838200" y="365126"/>
+            <a:ext cx="3304592" cy="978482"/>
           </a:xfrm>
           <a:prstGeom prst="rect">
             <a:avLst/>
@@ -4219,108 +5465,122 @@
           </a:fontRef>
         </p:style>
         <p:txBody>
-          <a:bodyPr rtlCol="0" anchor="ctr"/>
-          <a:lstStyle/>
-          <a:p>
-            <a:pPr algn="ctr"/>
+          <a:bodyPr vert="horz" lIns="91440" tIns="45720" rIns="91440" bIns="45720" rtlCol="0" anchor="ctr">
+            <a:normAutofit/>
+          </a:bodyPr>
+          <a:lstStyle>
+            <a:lvl1pPr algn="ctr" defTabSz="914400" rtl="0" eaLnBrk="1" latinLnBrk="0" hangingPunct="1">
+              <a:lnSpc>
+                <a:spcPct val="90000"/>
+              </a:lnSpc>
+              <a:spcBef>
+                <a:spcPct val="0"/>
+              </a:spcBef>
+              <a:buNone/>
+              <a:defRPr sz="6000" kern="1200">
+                <a:solidFill>
+                  <a:schemeClr val="lt1"/>
+                </a:solidFill>
+                <a:latin typeface="+mn-lt"/>
+                <a:ea typeface="+mn-ea"/>
+                <a:cs typeface="+mn-cs"/>
+              </a:defRPr>
+            </a:lvl1pPr>
+            <a:lvl2pPr>
+              <a:defRPr>
+                <a:solidFill>
+                  <a:schemeClr val="lt1"/>
+                </a:solidFill>
+                <a:latin typeface="+mn-lt"/>
+                <a:ea typeface="+mn-ea"/>
+                <a:cs typeface="+mn-cs"/>
+              </a:defRPr>
+            </a:lvl2pPr>
+            <a:lvl3pPr>
+              <a:defRPr>
+                <a:solidFill>
+                  <a:schemeClr val="lt1"/>
+                </a:solidFill>
+                <a:latin typeface="+mn-lt"/>
+                <a:ea typeface="+mn-ea"/>
+                <a:cs typeface="+mn-cs"/>
+              </a:defRPr>
+            </a:lvl3pPr>
+            <a:lvl4pPr>
+              <a:defRPr>
+                <a:solidFill>
+                  <a:schemeClr val="lt1"/>
+                </a:solidFill>
+                <a:latin typeface="+mn-lt"/>
+                <a:ea typeface="+mn-ea"/>
+                <a:cs typeface="+mn-cs"/>
+              </a:defRPr>
+            </a:lvl4pPr>
+            <a:lvl5pPr>
+              <a:defRPr>
+                <a:solidFill>
+                  <a:schemeClr val="lt1"/>
+                </a:solidFill>
+                <a:latin typeface="+mn-lt"/>
+                <a:ea typeface="+mn-ea"/>
+                <a:cs typeface="+mn-cs"/>
+              </a:defRPr>
+            </a:lvl5pPr>
+            <a:lvl6pPr>
+              <a:defRPr>
+                <a:solidFill>
+                  <a:schemeClr val="lt1"/>
+                </a:solidFill>
+                <a:latin typeface="+mn-lt"/>
+                <a:ea typeface="+mn-ea"/>
+                <a:cs typeface="+mn-cs"/>
+              </a:defRPr>
+            </a:lvl6pPr>
+            <a:lvl7pPr>
+              <a:defRPr>
+                <a:solidFill>
+                  <a:schemeClr val="lt1"/>
+                </a:solidFill>
+                <a:latin typeface="+mn-lt"/>
+                <a:ea typeface="+mn-ea"/>
+                <a:cs typeface="+mn-cs"/>
+              </a:defRPr>
+            </a:lvl7pPr>
+            <a:lvl8pPr>
+              <a:defRPr>
+                <a:solidFill>
+                  <a:schemeClr val="lt1"/>
+                </a:solidFill>
+                <a:latin typeface="+mn-lt"/>
+                <a:ea typeface="+mn-ea"/>
+                <a:cs typeface="+mn-cs"/>
+              </a:defRPr>
+            </a:lvl8pPr>
+            <a:lvl9pPr>
+              <a:defRPr>
+                <a:solidFill>
+                  <a:schemeClr val="lt1"/>
+                </a:solidFill>
+                <a:latin typeface="+mn-lt"/>
+                <a:ea typeface="+mn-ea"/>
+                <a:cs typeface="+mn-cs"/>
+              </a:defRPr>
+            </a:lvl9pPr>
+          </a:lstStyle>
+          <a:p>
             <a:r>
               <a:rPr lang="zh-CN" altLang="en-US" b="1" dirty="0"/>
-              <a:t>思考</a:t>
-            </a:r>
-          </a:p>
-        </p:txBody>
-      </p:sp>
-      <p:pic>
-        <p:nvPicPr>
-          <p:cNvPr id="7" name="图片 6" descr="图片包含 游戏机, 狗&#10;&#10;描述已自动生成">
-            <a:extLst>
-              <a:ext uri="{FF2B5EF4-FFF2-40B4-BE49-F238E27FC236}">
-                <a16:creationId xmlns:a16="http://schemas.microsoft.com/office/drawing/2014/main" id="{3652ED62-3A3B-441F-8181-6063B6E8BE9E}"/>
-              </a:ext>
-            </a:extLst>
-          </p:cNvPr>
-          <p:cNvPicPr>
-            <a:picLocks noChangeAspect="1"/>
-          </p:cNvPicPr>
-          <p:nvPr/>
-        </p:nvPicPr>
-        <p:blipFill>
-          <a:blip r:embed="rId3">
-            <a:extLst>
-              <a:ext uri="{28A0092B-C50C-407E-A947-70E740481C1C}">
-                <a14:useLocalDpi xmlns:a14="http://schemas.microsoft.com/office/drawing/2010/main" val="0"/>
-              </a:ext>
-            </a:extLst>
-          </a:blip>
-          <a:stretch>
-            <a:fillRect/>
-          </a:stretch>
-        </p:blipFill>
-        <p:spPr>
-          <a:xfrm>
-            <a:off x="441485" y="1928948"/>
-            <a:ext cx="2529689" cy="1683393"/>
-          </a:xfrm>
-          <a:prstGeom prst="rect">
-            <a:avLst/>
-          </a:prstGeom>
-        </p:spPr>
-      </p:pic>
-      <p:sp>
-        <p:nvSpPr>
-          <p:cNvPr id="8" name="箭头: 右 7">
-            <a:extLst>
-              <a:ext uri="{FF2B5EF4-FFF2-40B4-BE49-F238E27FC236}">
-                <a16:creationId xmlns:a16="http://schemas.microsoft.com/office/drawing/2014/main" id="{8C0D007B-6929-476C-939F-A779BE492423}"/>
-              </a:ext>
-            </a:extLst>
-          </p:cNvPr>
-          <p:cNvSpPr/>
-          <p:nvPr/>
-        </p:nvSpPr>
-        <p:spPr>
-          <a:xfrm>
-            <a:off x="3125505" y="2330163"/>
-            <a:ext cx="877077" cy="606490"/>
-          </a:xfrm>
-          <a:prstGeom prst="rightArrow">
-            <a:avLst/>
-          </a:prstGeom>
-          <a:solidFill>
-            <a:schemeClr val="tx1"/>
-          </a:solidFill>
-        </p:spPr>
-        <p:style>
-          <a:lnRef idx="2">
-            <a:schemeClr val="accent1">
-              <a:shade val="50000"/>
-            </a:schemeClr>
-          </a:lnRef>
-          <a:fillRef idx="1">
-            <a:schemeClr val="accent1"/>
-          </a:fillRef>
-          <a:effectRef idx="0">
-            <a:schemeClr val="accent1"/>
-          </a:effectRef>
-          <a:fontRef idx="minor">
-            <a:schemeClr val="lt1"/>
-          </a:fontRef>
-        </p:style>
-        <p:txBody>
-          <a:bodyPr rtlCol="0" anchor="ctr"/>
-          <a:lstStyle/>
-          <a:p>
-            <a:pPr algn="ctr"/>
-            <a:endParaRPr lang="zh-CN" altLang="en-US"/>
-          </a:p>
-        </p:txBody>
-      </p:sp>
-      <p:sp>
-        <p:nvSpPr>
-          <p:cNvPr id="9" name="标题 3">
-            <a:extLst>
-              <a:ext uri="{FF2B5EF4-FFF2-40B4-BE49-F238E27FC236}">
-                <a16:creationId xmlns:a16="http://schemas.microsoft.com/office/drawing/2014/main" id="{968C1111-21E5-4B8A-BF65-741EEDDAF9FB}"/>
+              <a:t>智能监控</a:t>
+            </a:r>
+          </a:p>
+        </p:txBody>
+      </p:sp>
+      <p:sp>
+        <p:nvSpPr>
+          <p:cNvPr id="6" name="标题 3">
+            <a:extLst>
+              <a:ext uri="{FF2B5EF4-FFF2-40B4-BE49-F238E27FC236}">
+                <a16:creationId xmlns:a16="http://schemas.microsoft.com/office/drawing/2014/main" id="{481F642C-B4FC-4DB0-9B3B-6EF8D9B5505E}"/>
               </a:ext>
             </a:extLst>
           </p:cNvPr>
@@ -4331,8 +5591,8 @@
         </p:nvSpPr>
         <p:spPr>
           <a:xfrm>
-            <a:off x="4156913" y="1575859"/>
-            <a:ext cx="3407229" cy="706177"/>
+            <a:off x="7167466" y="1280986"/>
+            <a:ext cx="3304592" cy="978482"/>
           </a:xfrm>
           <a:prstGeom prst="rect">
             <a:avLst/>
@@ -4365,7 +5625,7 @@
             <a:normAutofit/>
           </a:bodyPr>
           <a:lstStyle>
-            <a:lvl1pPr algn="l" defTabSz="914400" rtl="0" eaLnBrk="1" latinLnBrk="0" hangingPunct="1">
+            <a:lvl1pPr algn="ctr" defTabSz="914400" rtl="0" eaLnBrk="1" latinLnBrk="0" hangingPunct="1">
               <a:lnSpc>
                 <a:spcPct val="90000"/>
               </a:lnSpc>
@@ -4373,7 +5633,7 @@
                 <a:spcPct val="0"/>
               </a:spcBef>
               <a:buNone/>
-              <a:defRPr sz="4400" kern="1200">
+              <a:defRPr sz="6000" kern="1200">
                 <a:solidFill>
                   <a:schemeClr val="lt1"/>
                 </a:solidFill>
@@ -4464,20 +5724,68 @@
             </a:lvl9pPr>
           </a:lstStyle>
           <a:p>
+            <a:r>
+              <a:rPr lang="zh-CN" altLang="en-US" sz="4800" b="1" dirty="0"/>
+              <a:t>业主登记</a:t>
+            </a:r>
+          </a:p>
+        </p:txBody>
+      </p:sp>
+      <p:sp>
+        <p:nvSpPr>
+          <p:cNvPr id="4" name="箭头: 右 3">
+            <a:extLst>
+              <a:ext uri="{FF2B5EF4-FFF2-40B4-BE49-F238E27FC236}">
+                <a16:creationId xmlns:a16="http://schemas.microsoft.com/office/drawing/2014/main" id="{6438EC8B-14DE-40A8-9BBE-1DD879844181}"/>
+              </a:ext>
+            </a:extLst>
+          </p:cNvPr>
+          <p:cNvSpPr/>
+          <p:nvPr/>
+        </p:nvSpPr>
+        <p:spPr>
+          <a:xfrm rot="5400000">
+            <a:off x="8430857" y="2503586"/>
+            <a:ext cx="777809" cy="522515"/>
+          </a:xfrm>
+          <a:prstGeom prst="rightArrow">
+            <a:avLst/>
+          </a:prstGeom>
+          <a:solidFill>
+            <a:schemeClr val="tx1"/>
+          </a:solidFill>
+        </p:spPr>
+        <p:style>
+          <a:lnRef idx="2">
+            <a:schemeClr val="accent1">
+              <a:shade val="50000"/>
+            </a:schemeClr>
+          </a:lnRef>
+          <a:fillRef idx="1">
+            <a:schemeClr val="accent1"/>
+          </a:fillRef>
+          <a:effectRef idx="0">
+            <a:schemeClr val="accent1"/>
+          </a:effectRef>
+          <a:fontRef idx="minor">
+            <a:schemeClr val="lt1"/>
+          </a:fontRef>
+        </p:style>
+        <p:txBody>
+          <a:bodyPr rtlCol="0" anchor="ctr"/>
+          <a:lstStyle/>
+          <a:p>
             <a:pPr algn="ctr"/>
-            <a:r>
-              <a:rPr lang="zh-CN" altLang="en-US" sz="3200" b="1" dirty="0"/>
-              <a:t>智能追踪设备</a:t>
-            </a:r>
-          </a:p>
-        </p:txBody>
-      </p:sp>
-      <p:sp>
-        <p:nvSpPr>
-          <p:cNvPr id="10" name="标题 3">
-            <a:extLst>
-              <a:ext uri="{FF2B5EF4-FFF2-40B4-BE49-F238E27FC236}">
-                <a16:creationId xmlns:a16="http://schemas.microsoft.com/office/drawing/2014/main" id="{8536FD0A-91FE-4DF1-B02D-DA67CC265CF0}"/>
+            <a:endParaRPr lang="zh-CN" altLang="en-US"/>
+          </a:p>
+        </p:txBody>
+      </p:sp>
+      <p:sp>
+        <p:nvSpPr>
+          <p:cNvPr id="8" name="标题 3">
+            <a:extLst>
+              <a:ext uri="{FF2B5EF4-FFF2-40B4-BE49-F238E27FC236}">
+                <a16:creationId xmlns:a16="http://schemas.microsoft.com/office/drawing/2014/main" id="{7856E870-A49D-4A59-97D7-81598C05CB33}"/>
               </a:ext>
             </a:extLst>
           </p:cNvPr>
@@ -4488,8 +5796,8 @@
         </p:nvSpPr>
         <p:spPr>
           <a:xfrm>
-            <a:off x="4156913" y="2365690"/>
-            <a:ext cx="3407229" cy="606490"/>
+            <a:off x="7167466" y="3270219"/>
+            <a:ext cx="3304592" cy="978482"/>
           </a:xfrm>
           <a:prstGeom prst="rect">
             <a:avLst/>
@@ -4522,7 +5830,7 @@
             <a:normAutofit/>
           </a:bodyPr>
           <a:lstStyle>
-            <a:lvl1pPr algn="l" defTabSz="914400" rtl="0" eaLnBrk="1" latinLnBrk="0" hangingPunct="1">
+            <a:lvl1pPr algn="ctr" defTabSz="914400" rtl="0" eaLnBrk="1" latinLnBrk="0" hangingPunct="1">
               <a:lnSpc>
                 <a:spcPct val="90000"/>
               </a:lnSpc>
@@ -4530,7 +5838,7 @@
                 <a:spcPct val="0"/>
               </a:spcBef>
               <a:buNone/>
-              <a:defRPr sz="4400" kern="1200">
+              <a:defRPr sz="6000" kern="1200">
                 <a:solidFill>
                   <a:schemeClr val="lt1"/>
                 </a:solidFill>
@@ -4621,20 +5929,68 @@
             </a:lvl9pPr>
           </a:lstStyle>
           <a:p>
+            <a:r>
+              <a:rPr lang="zh-CN" altLang="en-US" sz="4000" b="1" dirty="0"/>
+              <a:t>监控检测</a:t>
+            </a:r>
+          </a:p>
+        </p:txBody>
+      </p:sp>
+      <p:sp>
+        <p:nvSpPr>
+          <p:cNvPr id="9" name="箭头: 右 8">
+            <a:extLst>
+              <a:ext uri="{FF2B5EF4-FFF2-40B4-BE49-F238E27FC236}">
+                <a16:creationId xmlns:a16="http://schemas.microsoft.com/office/drawing/2014/main" id="{DA916EF0-40FD-498D-AF47-77EAD276DF68}"/>
+              </a:ext>
+            </a:extLst>
+          </p:cNvPr>
+          <p:cNvSpPr/>
+          <p:nvPr/>
+        </p:nvSpPr>
+        <p:spPr>
+          <a:xfrm rot="5400000">
+            <a:off x="8430857" y="4484219"/>
+            <a:ext cx="777809" cy="522515"/>
+          </a:xfrm>
+          <a:prstGeom prst="rightArrow">
+            <a:avLst/>
+          </a:prstGeom>
+          <a:solidFill>
+            <a:schemeClr val="tx1"/>
+          </a:solidFill>
+        </p:spPr>
+        <p:style>
+          <a:lnRef idx="2">
+            <a:schemeClr val="accent1">
+              <a:shade val="50000"/>
+            </a:schemeClr>
+          </a:lnRef>
+          <a:fillRef idx="1">
+            <a:schemeClr val="accent1"/>
+          </a:fillRef>
+          <a:effectRef idx="0">
+            <a:schemeClr val="accent1"/>
+          </a:effectRef>
+          <a:fontRef idx="minor">
+            <a:schemeClr val="lt1"/>
+          </a:fontRef>
+        </p:style>
+        <p:txBody>
+          <a:bodyPr rtlCol="0" anchor="ctr"/>
+          <a:lstStyle/>
+          <a:p>
             <a:pPr algn="ctr"/>
-            <a:r>
-              <a:rPr lang="zh-CN" altLang="en-US" sz="3200" b="1" dirty="0"/>
-              <a:t>贴广告</a:t>
-            </a:r>
-          </a:p>
-        </p:txBody>
-      </p:sp>
-      <p:sp>
-        <p:nvSpPr>
-          <p:cNvPr id="11" name="标题 3">
-            <a:extLst>
-              <a:ext uri="{FF2B5EF4-FFF2-40B4-BE49-F238E27FC236}">
-                <a16:creationId xmlns:a16="http://schemas.microsoft.com/office/drawing/2014/main" id="{59D8315B-C328-4DE6-9299-689A57542F35}"/>
+            <a:endParaRPr lang="zh-CN" altLang="en-US"/>
+          </a:p>
+        </p:txBody>
+      </p:sp>
+      <p:sp>
+        <p:nvSpPr>
+          <p:cNvPr id="10" name="标题 3">
+            <a:extLst>
+              <a:ext uri="{FF2B5EF4-FFF2-40B4-BE49-F238E27FC236}">
+                <a16:creationId xmlns:a16="http://schemas.microsoft.com/office/drawing/2014/main" id="{5D9532D5-389C-44AD-A262-664CB38EF8CB}"/>
               </a:ext>
             </a:extLst>
           </p:cNvPr>
@@ -4645,8 +6001,8 @@
         </p:nvSpPr>
         <p:spPr>
           <a:xfrm>
-            <a:off x="4156913" y="3055833"/>
-            <a:ext cx="3407229" cy="606490"/>
+            <a:off x="7167466" y="5250852"/>
+            <a:ext cx="3304592" cy="978482"/>
           </a:xfrm>
           <a:prstGeom prst="rect">
             <a:avLst/>
@@ -4679,7 +6035,7 @@
             <a:normAutofit/>
           </a:bodyPr>
           <a:lstStyle>
-            <a:lvl1pPr algn="l" defTabSz="914400" rtl="0" eaLnBrk="1" latinLnBrk="0" hangingPunct="1">
+            <a:lvl1pPr algn="ctr" defTabSz="914400" rtl="0" eaLnBrk="1" latinLnBrk="0" hangingPunct="1">
               <a:lnSpc>
                 <a:spcPct val="90000"/>
               </a:lnSpc>
@@ -4687,7 +6043,7 @@
                 <a:spcPct val="0"/>
               </a:spcBef>
               <a:buNone/>
-              <a:defRPr sz="4400" kern="1200">
+              <a:defRPr sz="6000" kern="1200">
                 <a:solidFill>
                   <a:schemeClr val="lt1"/>
                 </a:solidFill>
@@ -4778,855 +6134,17 @@
             </a:lvl9pPr>
           </a:lstStyle>
           <a:p>
-            <a:pPr algn="ctr"/>
-            <a:r>
-              <a:rPr lang="zh-CN" altLang="en-US" sz="3200" b="1" dirty="0"/>
-              <a:t>查监控</a:t>
-            </a:r>
-          </a:p>
-        </p:txBody>
-      </p:sp>
-      <p:sp>
-        <p:nvSpPr>
-          <p:cNvPr id="12" name="箭头: 右 11">
-            <a:extLst>
-              <a:ext uri="{FF2B5EF4-FFF2-40B4-BE49-F238E27FC236}">
-                <a16:creationId xmlns:a16="http://schemas.microsoft.com/office/drawing/2014/main" id="{41893334-D9E3-4591-8F0E-5614CCB3C2E0}"/>
-              </a:ext>
-            </a:extLst>
-          </p:cNvPr>
-          <p:cNvSpPr/>
-          <p:nvPr/>
-        </p:nvSpPr>
-        <p:spPr>
-          <a:xfrm>
-            <a:off x="7872804" y="2330163"/>
-            <a:ext cx="877077" cy="606490"/>
-          </a:xfrm>
-          <a:prstGeom prst="rightArrow">
-            <a:avLst/>
-          </a:prstGeom>
-          <a:solidFill>
-            <a:schemeClr val="tx1"/>
-          </a:solidFill>
-        </p:spPr>
-        <p:style>
-          <a:lnRef idx="2">
-            <a:schemeClr val="accent1">
-              <a:shade val="50000"/>
-            </a:schemeClr>
-          </a:lnRef>
-          <a:fillRef idx="1">
-            <a:schemeClr val="accent1"/>
-          </a:fillRef>
-          <a:effectRef idx="0">
-            <a:schemeClr val="accent1"/>
-          </a:effectRef>
-          <a:fontRef idx="minor">
-            <a:schemeClr val="lt1"/>
-          </a:fontRef>
-        </p:style>
-        <p:txBody>
-          <a:bodyPr rtlCol="0" anchor="ctr"/>
-          <a:lstStyle/>
-          <a:p>
-            <a:pPr algn="ctr"/>
-            <a:endParaRPr lang="zh-CN" altLang="en-US"/>
-          </a:p>
-        </p:txBody>
-      </p:sp>
-      <p:sp>
-        <p:nvSpPr>
-          <p:cNvPr id="13" name="标题 3">
-            <a:extLst>
-              <a:ext uri="{FF2B5EF4-FFF2-40B4-BE49-F238E27FC236}">
-                <a16:creationId xmlns:a16="http://schemas.microsoft.com/office/drawing/2014/main" id="{E5ED63DF-115A-4090-823E-AA9A50643179}"/>
-              </a:ext>
-            </a:extLst>
-          </p:cNvPr>
-          <p:cNvSpPr txBox="1">
-            <a:spLocks/>
-          </p:cNvSpPr>
-          <p:nvPr/>
-        </p:nvSpPr>
-        <p:spPr>
-          <a:xfrm>
-            <a:off x="8915400" y="2164154"/>
-            <a:ext cx="3065107" cy="606490"/>
-          </a:xfrm>
-          <a:prstGeom prst="rect">
-            <a:avLst/>
-          </a:prstGeom>
-          <a:solidFill>
-            <a:schemeClr val="tx1">
-              <a:lumMod val="75000"/>
-              <a:lumOff val="25000"/>
-            </a:schemeClr>
-          </a:solidFill>
-        </p:spPr>
-        <p:style>
-          <a:lnRef idx="2">
-            <a:schemeClr val="accent1">
-              <a:shade val="50000"/>
-            </a:schemeClr>
-          </a:lnRef>
-          <a:fillRef idx="1">
-            <a:schemeClr val="accent1"/>
-          </a:fillRef>
-          <a:effectRef idx="0">
-            <a:schemeClr val="accent1"/>
-          </a:effectRef>
-          <a:fontRef idx="minor">
-            <a:schemeClr val="lt1"/>
-          </a:fontRef>
-        </p:style>
-        <p:txBody>
-          <a:bodyPr vert="horz" lIns="91440" tIns="45720" rIns="91440" bIns="45720" rtlCol="0" anchor="ctr">
-            <a:normAutofit fontScale="85000" lnSpcReduction="10000"/>
-          </a:bodyPr>
-          <a:lstStyle>
-            <a:lvl1pPr algn="l" defTabSz="914400" rtl="0" eaLnBrk="1" latinLnBrk="0" hangingPunct="1">
-              <a:lnSpc>
-                <a:spcPct val="90000"/>
-              </a:lnSpc>
-              <a:spcBef>
-                <a:spcPct val="0"/>
-              </a:spcBef>
-              <a:buNone/>
-              <a:defRPr sz="4400" kern="1200">
-                <a:solidFill>
-                  <a:schemeClr val="lt1"/>
-                </a:solidFill>
-                <a:latin typeface="+mn-lt"/>
-                <a:ea typeface="+mn-ea"/>
-                <a:cs typeface="+mn-cs"/>
-              </a:defRPr>
-            </a:lvl1pPr>
-            <a:lvl2pPr>
-              <a:defRPr>
-                <a:solidFill>
-                  <a:schemeClr val="lt1"/>
-                </a:solidFill>
-                <a:latin typeface="+mn-lt"/>
-                <a:ea typeface="+mn-ea"/>
-                <a:cs typeface="+mn-cs"/>
-              </a:defRPr>
-            </a:lvl2pPr>
-            <a:lvl3pPr>
-              <a:defRPr>
-                <a:solidFill>
-                  <a:schemeClr val="lt1"/>
-                </a:solidFill>
-                <a:latin typeface="+mn-lt"/>
-                <a:ea typeface="+mn-ea"/>
-                <a:cs typeface="+mn-cs"/>
-              </a:defRPr>
-            </a:lvl3pPr>
-            <a:lvl4pPr>
-              <a:defRPr>
-                <a:solidFill>
-                  <a:schemeClr val="lt1"/>
-                </a:solidFill>
-                <a:latin typeface="+mn-lt"/>
-                <a:ea typeface="+mn-ea"/>
-                <a:cs typeface="+mn-cs"/>
-              </a:defRPr>
-            </a:lvl4pPr>
-            <a:lvl5pPr>
-              <a:defRPr>
-                <a:solidFill>
-                  <a:schemeClr val="lt1"/>
-                </a:solidFill>
-                <a:latin typeface="+mn-lt"/>
-                <a:ea typeface="+mn-ea"/>
-                <a:cs typeface="+mn-cs"/>
-              </a:defRPr>
-            </a:lvl5pPr>
-            <a:lvl6pPr>
-              <a:defRPr>
-                <a:solidFill>
-                  <a:schemeClr val="lt1"/>
-                </a:solidFill>
-                <a:latin typeface="+mn-lt"/>
-                <a:ea typeface="+mn-ea"/>
-                <a:cs typeface="+mn-cs"/>
-              </a:defRPr>
-            </a:lvl6pPr>
-            <a:lvl7pPr>
-              <a:defRPr>
-                <a:solidFill>
-                  <a:schemeClr val="lt1"/>
-                </a:solidFill>
-                <a:latin typeface="+mn-lt"/>
-                <a:ea typeface="+mn-ea"/>
-                <a:cs typeface="+mn-cs"/>
-              </a:defRPr>
-            </a:lvl7pPr>
-            <a:lvl8pPr>
-              <a:defRPr>
-                <a:solidFill>
-                  <a:schemeClr val="lt1"/>
-                </a:solidFill>
-                <a:latin typeface="+mn-lt"/>
-                <a:ea typeface="+mn-ea"/>
-                <a:cs typeface="+mn-cs"/>
-              </a:defRPr>
-            </a:lvl8pPr>
-            <a:lvl9pPr>
-              <a:defRPr>
-                <a:solidFill>
-                  <a:schemeClr val="lt1"/>
-                </a:solidFill>
-                <a:latin typeface="+mn-lt"/>
-                <a:ea typeface="+mn-ea"/>
-                <a:cs typeface="+mn-cs"/>
-              </a:defRPr>
-            </a:lvl9pPr>
-          </a:lstStyle>
-          <a:p>
-            <a:pPr algn="ctr"/>
-            <a:r>
-              <a:rPr lang="zh-CN" altLang="en-US" sz="3200" b="1" dirty="0"/>
-              <a:t>找回了又是小可爱</a:t>
-            </a:r>
-          </a:p>
-        </p:txBody>
-      </p:sp>
-      <p:sp>
-        <p:nvSpPr>
-          <p:cNvPr id="14" name="标题 3">
-            <a:extLst>
-              <a:ext uri="{FF2B5EF4-FFF2-40B4-BE49-F238E27FC236}">
-                <a16:creationId xmlns:a16="http://schemas.microsoft.com/office/drawing/2014/main" id="{EC13E8FF-225B-4CBD-9A45-AF3AC1B3856A}"/>
-              </a:ext>
-            </a:extLst>
-          </p:cNvPr>
-          <p:cNvSpPr txBox="1">
-            <a:spLocks/>
-          </p:cNvSpPr>
-          <p:nvPr/>
-        </p:nvSpPr>
-        <p:spPr>
-          <a:xfrm>
-            <a:off x="8892825" y="3125755"/>
-            <a:ext cx="3065107" cy="606490"/>
-          </a:xfrm>
-          <a:prstGeom prst="rect">
-            <a:avLst/>
-          </a:prstGeom>
-          <a:solidFill>
-            <a:schemeClr val="tx1">
-              <a:lumMod val="75000"/>
-              <a:lumOff val="25000"/>
-            </a:schemeClr>
-          </a:solidFill>
-        </p:spPr>
-        <p:style>
-          <a:lnRef idx="2">
-            <a:schemeClr val="accent1">
-              <a:shade val="50000"/>
-            </a:schemeClr>
-          </a:lnRef>
-          <a:fillRef idx="1">
-            <a:schemeClr val="accent1"/>
-          </a:fillRef>
-          <a:effectRef idx="0">
-            <a:schemeClr val="accent1"/>
-          </a:effectRef>
-          <a:fontRef idx="minor">
-            <a:schemeClr val="lt1"/>
-          </a:fontRef>
-        </p:style>
-        <p:txBody>
-          <a:bodyPr vert="horz" lIns="91440" tIns="45720" rIns="91440" bIns="45720" rtlCol="0" anchor="ctr">
-            <a:normAutofit/>
-          </a:bodyPr>
-          <a:lstStyle>
-            <a:lvl1pPr algn="l" defTabSz="914400" rtl="0" eaLnBrk="1" latinLnBrk="0" hangingPunct="1">
-              <a:lnSpc>
-                <a:spcPct val="90000"/>
-              </a:lnSpc>
-              <a:spcBef>
-                <a:spcPct val="0"/>
-              </a:spcBef>
-              <a:buNone/>
-              <a:defRPr sz="4400" kern="1200">
-                <a:solidFill>
-                  <a:schemeClr val="lt1"/>
-                </a:solidFill>
-                <a:latin typeface="+mn-lt"/>
-                <a:ea typeface="+mn-ea"/>
-                <a:cs typeface="+mn-cs"/>
-              </a:defRPr>
-            </a:lvl1pPr>
-            <a:lvl2pPr>
-              <a:defRPr>
-                <a:solidFill>
-                  <a:schemeClr val="lt1"/>
-                </a:solidFill>
-                <a:latin typeface="+mn-lt"/>
-                <a:ea typeface="+mn-ea"/>
-                <a:cs typeface="+mn-cs"/>
-              </a:defRPr>
-            </a:lvl2pPr>
-            <a:lvl3pPr>
-              <a:defRPr>
-                <a:solidFill>
-                  <a:schemeClr val="lt1"/>
-                </a:solidFill>
-                <a:latin typeface="+mn-lt"/>
-                <a:ea typeface="+mn-ea"/>
-                <a:cs typeface="+mn-cs"/>
-              </a:defRPr>
-            </a:lvl3pPr>
-            <a:lvl4pPr>
-              <a:defRPr>
-                <a:solidFill>
-                  <a:schemeClr val="lt1"/>
-                </a:solidFill>
-                <a:latin typeface="+mn-lt"/>
-                <a:ea typeface="+mn-ea"/>
-                <a:cs typeface="+mn-cs"/>
-              </a:defRPr>
-            </a:lvl4pPr>
-            <a:lvl5pPr>
-              <a:defRPr>
-                <a:solidFill>
-                  <a:schemeClr val="lt1"/>
-                </a:solidFill>
-                <a:latin typeface="+mn-lt"/>
-                <a:ea typeface="+mn-ea"/>
-                <a:cs typeface="+mn-cs"/>
-              </a:defRPr>
-            </a:lvl5pPr>
-            <a:lvl6pPr>
-              <a:defRPr>
-                <a:solidFill>
-                  <a:schemeClr val="lt1"/>
-                </a:solidFill>
-                <a:latin typeface="+mn-lt"/>
-                <a:ea typeface="+mn-ea"/>
-                <a:cs typeface="+mn-cs"/>
-              </a:defRPr>
-            </a:lvl6pPr>
-            <a:lvl7pPr>
-              <a:defRPr>
-                <a:solidFill>
-                  <a:schemeClr val="lt1"/>
-                </a:solidFill>
-                <a:latin typeface="+mn-lt"/>
-                <a:ea typeface="+mn-ea"/>
-                <a:cs typeface="+mn-cs"/>
-              </a:defRPr>
-            </a:lvl7pPr>
-            <a:lvl8pPr>
-              <a:defRPr>
-                <a:solidFill>
-                  <a:schemeClr val="lt1"/>
-                </a:solidFill>
-                <a:latin typeface="+mn-lt"/>
-                <a:ea typeface="+mn-ea"/>
-                <a:cs typeface="+mn-cs"/>
-              </a:defRPr>
-            </a:lvl8pPr>
-            <a:lvl9pPr>
-              <a:defRPr>
-                <a:solidFill>
-                  <a:schemeClr val="lt1"/>
-                </a:solidFill>
-                <a:latin typeface="+mn-lt"/>
-                <a:ea typeface="+mn-ea"/>
-                <a:cs typeface="+mn-cs"/>
-              </a:defRPr>
-            </a:lvl9pPr>
-          </a:lstStyle>
-          <a:p>
-            <a:pPr algn="ctr"/>
-            <a:r>
-              <a:rPr lang="zh-CN" altLang="en-US" sz="3200" b="1" dirty="0"/>
-              <a:t>找不回</a:t>
-            </a:r>
-          </a:p>
-        </p:txBody>
-      </p:sp>
-      <p:sp>
-        <p:nvSpPr>
-          <p:cNvPr id="15" name="箭头: 右 14">
-            <a:extLst>
-              <a:ext uri="{FF2B5EF4-FFF2-40B4-BE49-F238E27FC236}">
-                <a16:creationId xmlns:a16="http://schemas.microsoft.com/office/drawing/2014/main" id="{F3E67957-B040-41D0-996E-E0902E12E135}"/>
-              </a:ext>
-            </a:extLst>
-          </p:cNvPr>
-          <p:cNvSpPr/>
-          <p:nvPr/>
-        </p:nvSpPr>
-        <p:spPr>
-          <a:xfrm rot="9844513">
-            <a:off x="6154222" y="3963993"/>
-            <a:ext cx="2645751" cy="456024"/>
-          </a:xfrm>
-          <a:prstGeom prst="rightArrow">
-            <a:avLst>
-              <a:gd name="adj1" fmla="val 60238"/>
-              <a:gd name="adj2" fmla="val 50000"/>
-            </a:avLst>
-          </a:prstGeom>
-          <a:solidFill>
-            <a:schemeClr val="tx1"/>
-          </a:solidFill>
-        </p:spPr>
-        <p:style>
-          <a:lnRef idx="2">
-            <a:schemeClr val="accent1">
-              <a:shade val="50000"/>
-            </a:schemeClr>
-          </a:lnRef>
-          <a:fillRef idx="1">
-            <a:schemeClr val="accent1"/>
-          </a:fillRef>
-          <a:effectRef idx="0">
-            <a:schemeClr val="accent1"/>
-          </a:effectRef>
-          <a:fontRef idx="minor">
-            <a:schemeClr val="lt1"/>
-          </a:fontRef>
-        </p:style>
-        <p:txBody>
-          <a:bodyPr rtlCol="0" anchor="ctr"/>
-          <a:lstStyle/>
-          <a:p>
-            <a:pPr algn="ctr"/>
-            <a:endParaRPr lang="zh-CN" altLang="en-US"/>
-          </a:p>
-        </p:txBody>
-      </p:sp>
-      <p:pic>
-        <p:nvPicPr>
-          <p:cNvPr id="16" name="图片 15" descr="躺在地上的狗&#10;&#10;描述已自动生成">
-            <a:extLst>
-              <a:ext uri="{FF2B5EF4-FFF2-40B4-BE49-F238E27FC236}">
-                <a16:creationId xmlns:a16="http://schemas.microsoft.com/office/drawing/2014/main" id="{5BC286B7-A049-48D5-B23E-ECBB34ECE452}"/>
-              </a:ext>
-            </a:extLst>
-          </p:cNvPr>
-          <p:cNvPicPr>
-            <a:picLocks noChangeAspect="1"/>
-          </p:cNvPicPr>
-          <p:nvPr/>
-        </p:nvPicPr>
-        <p:blipFill>
-          <a:blip r:embed="rId4">
-            <a:extLst>
-              <a:ext uri="{28A0092B-C50C-407E-A947-70E740481C1C}">
-                <a14:useLocalDpi xmlns:a14="http://schemas.microsoft.com/office/drawing/2010/main" val="0"/>
-              </a:ext>
-            </a:extLst>
-          </a:blip>
-          <a:stretch>
-            <a:fillRect/>
-          </a:stretch>
-        </p:blipFill>
-        <p:spPr>
-          <a:xfrm>
-            <a:off x="2831586" y="4219769"/>
-            <a:ext cx="3218970" cy="1635032"/>
-          </a:xfrm>
-          <a:prstGeom prst="rect">
-            <a:avLst/>
-          </a:prstGeom>
-        </p:spPr>
-      </p:pic>
-      <p:sp>
-        <p:nvSpPr>
-          <p:cNvPr id="17" name="标题 3">
-            <a:extLst>
-              <a:ext uri="{FF2B5EF4-FFF2-40B4-BE49-F238E27FC236}">
-                <a16:creationId xmlns:a16="http://schemas.microsoft.com/office/drawing/2014/main" id="{2E0A43CD-CC89-4C97-973F-15653D424EF6}"/>
-              </a:ext>
-            </a:extLst>
-          </p:cNvPr>
-          <p:cNvSpPr txBox="1">
-            <a:spLocks/>
-          </p:cNvSpPr>
-          <p:nvPr/>
-        </p:nvSpPr>
-        <p:spPr>
-          <a:xfrm>
-            <a:off x="10352482" y="4742220"/>
-            <a:ext cx="1244332" cy="1192886"/>
-          </a:xfrm>
-          <a:prstGeom prst="rect">
-            <a:avLst/>
-          </a:prstGeom>
-          <a:solidFill>
-            <a:schemeClr val="tx1">
-              <a:lumMod val="75000"/>
-              <a:lumOff val="25000"/>
-            </a:schemeClr>
-          </a:solidFill>
-        </p:spPr>
-        <p:style>
-          <a:lnRef idx="2">
-            <a:schemeClr val="accent1">
-              <a:shade val="50000"/>
-            </a:schemeClr>
-          </a:lnRef>
-          <a:fillRef idx="1">
-            <a:schemeClr val="accent1"/>
-          </a:fillRef>
-          <a:effectRef idx="0">
-            <a:schemeClr val="accent1"/>
-          </a:effectRef>
-          <a:fontRef idx="minor">
-            <a:schemeClr val="lt1"/>
-          </a:fontRef>
-        </p:style>
-        <p:txBody>
-          <a:bodyPr vert="horz" lIns="91440" tIns="45720" rIns="91440" bIns="45720" rtlCol="0" anchor="ctr">
-            <a:normAutofit/>
-          </a:bodyPr>
-          <a:lstStyle>
-            <a:lvl1pPr algn="l" defTabSz="914400" rtl="0" eaLnBrk="1" latinLnBrk="0" hangingPunct="1">
-              <a:lnSpc>
-                <a:spcPct val="90000"/>
-              </a:lnSpc>
-              <a:spcBef>
-                <a:spcPct val="0"/>
-              </a:spcBef>
-              <a:buNone/>
-              <a:defRPr sz="4400" kern="1200">
-                <a:solidFill>
-                  <a:schemeClr val="lt1"/>
-                </a:solidFill>
-                <a:latin typeface="+mn-lt"/>
-                <a:ea typeface="+mn-ea"/>
-                <a:cs typeface="+mn-cs"/>
-              </a:defRPr>
-            </a:lvl1pPr>
-            <a:lvl2pPr>
-              <a:defRPr>
-                <a:solidFill>
-                  <a:schemeClr val="lt1"/>
-                </a:solidFill>
-                <a:latin typeface="+mn-lt"/>
-                <a:ea typeface="+mn-ea"/>
-                <a:cs typeface="+mn-cs"/>
-              </a:defRPr>
-            </a:lvl2pPr>
-            <a:lvl3pPr>
-              <a:defRPr>
-                <a:solidFill>
-                  <a:schemeClr val="lt1"/>
-                </a:solidFill>
-                <a:latin typeface="+mn-lt"/>
-                <a:ea typeface="+mn-ea"/>
-                <a:cs typeface="+mn-cs"/>
-              </a:defRPr>
-            </a:lvl3pPr>
-            <a:lvl4pPr>
-              <a:defRPr>
-                <a:solidFill>
-                  <a:schemeClr val="lt1"/>
-                </a:solidFill>
-                <a:latin typeface="+mn-lt"/>
-                <a:ea typeface="+mn-ea"/>
-                <a:cs typeface="+mn-cs"/>
-              </a:defRPr>
-            </a:lvl4pPr>
-            <a:lvl5pPr>
-              <a:defRPr>
-                <a:solidFill>
-                  <a:schemeClr val="lt1"/>
-                </a:solidFill>
-                <a:latin typeface="+mn-lt"/>
-                <a:ea typeface="+mn-ea"/>
-                <a:cs typeface="+mn-cs"/>
-              </a:defRPr>
-            </a:lvl5pPr>
-            <a:lvl6pPr>
-              <a:defRPr>
-                <a:solidFill>
-                  <a:schemeClr val="lt1"/>
-                </a:solidFill>
-                <a:latin typeface="+mn-lt"/>
-                <a:ea typeface="+mn-ea"/>
-                <a:cs typeface="+mn-cs"/>
-              </a:defRPr>
-            </a:lvl6pPr>
-            <a:lvl7pPr>
-              <a:defRPr>
-                <a:solidFill>
-                  <a:schemeClr val="lt1"/>
-                </a:solidFill>
-                <a:latin typeface="+mn-lt"/>
-                <a:ea typeface="+mn-ea"/>
-                <a:cs typeface="+mn-cs"/>
-              </a:defRPr>
-            </a:lvl7pPr>
-            <a:lvl8pPr>
-              <a:defRPr>
-                <a:solidFill>
-                  <a:schemeClr val="lt1"/>
-                </a:solidFill>
-                <a:latin typeface="+mn-lt"/>
-                <a:ea typeface="+mn-ea"/>
-                <a:cs typeface="+mn-cs"/>
-              </a:defRPr>
-            </a:lvl8pPr>
-            <a:lvl9pPr>
-              <a:defRPr>
-                <a:solidFill>
-                  <a:schemeClr val="lt1"/>
-                </a:solidFill>
-                <a:latin typeface="+mn-lt"/>
-                <a:ea typeface="+mn-ea"/>
-                <a:cs typeface="+mn-cs"/>
-              </a:defRPr>
-            </a:lvl9pPr>
-          </a:lstStyle>
-          <a:p>
-            <a:pPr algn="ctr"/>
-            <a:r>
-              <a:rPr lang="zh-CN" altLang="en-US" sz="3200" b="1" dirty="0"/>
-              <a:t>猫舍</a:t>
-            </a:r>
-            <a:endParaRPr lang="en-US" altLang="zh-CN" sz="3200" b="1" dirty="0"/>
-          </a:p>
-          <a:p>
-            <a:pPr algn="ctr"/>
-            <a:r>
-              <a:rPr lang="zh-CN" altLang="en-US" sz="3200" b="1" dirty="0"/>
-              <a:t>舍弃</a:t>
-            </a:r>
-          </a:p>
-        </p:txBody>
-      </p:sp>
-      <p:sp>
-        <p:nvSpPr>
-          <p:cNvPr id="18" name="箭头: 右 17">
-            <a:extLst>
-              <a:ext uri="{FF2B5EF4-FFF2-40B4-BE49-F238E27FC236}">
-                <a16:creationId xmlns:a16="http://schemas.microsoft.com/office/drawing/2014/main" id="{46EF267F-376F-4FF2-AB1C-B713466211E6}"/>
-              </a:ext>
-            </a:extLst>
-          </p:cNvPr>
-          <p:cNvSpPr/>
-          <p:nvPr/>
-        </p:nvSpPr>
-        <p:spPr>
-          <a:xfrm rot="10800000">
-            <a:off x="6242179" y="5110651"/>
-            <a:ext cx="1670505" cy="456024"/>
-          </a:xfrm>
-          <a:prstGeom prst="rightArrow">
-            <a:avLst>
-              <a:gd name="adj1" fmla="val 60238"/>
-              <a:gd name="adj2" fmla="val 50000"/>
-            </a:avLst>
-          </a:prstGeom>
-          <a:solidFill>
-            <a:schemeClr val="tx1"/>
-          </a:solidFill>
-        </p:spPr>
-        <p:style>
-          <a:lnRef idx="2">
-            <a:schemeClr val="accent1">
-              <a:shade val="50000"/>
-            </a:schemeClr>
-          </a:lnRef>
-          <a:fillRef idx="1">
-            <a:schemeClr val="accent1"/>
-          </a:fillRef>
-          <a:effectRef idx="0">
-            <a:schemeClr val="accent1"/>
-          </a:effectRef>
-          <a:fontRef idx="minor">
-            <a:schemeClr val="lt1"/>
-          </a:fontRef>
-        </p:style>
-        <p:txBody>
-          <a:bodyPr rtlCol="0" anchor="ctr"/>
-          <a:lstStyle/>
-          <a:p>
-            <a:pPr algn="ctr"/>
-            <a:endParaRPr lang="zh-CN" altLang="en-US"/>
-          </a:p>
-        </p:txBody>
-      </p:sp>
-      <p:sp>
-        <p:nvSpPr>
-          <p:cNvPr id="19" name="箭头: 右 18">
-            <a:extLst>
-              <a:ext uri="{FF2B5EF4-FFF2-40B4-BE49-F238E27FC236}">
-                <a16:creationId xmlns:a16="http://schemas.microsoft.com/office/drawing/2014/main" id="{F7149DD9-A292-487C-A5CA-C370E9EDD42A}"/>
-              </a:ext>
-            </a:extLst>
-          </p:cNvPr>
-          <p:cNvSpPr/>
-          <p:nvPr/>
-        </p:nvSpPr>
-        <p:spPr>
-          <a:xfrm rot="14113265">
-            <a:off x="931464" y="4360003"/>
-            <a:ext cx="1937353" cy="456024"/>
-          </a:xfrm>
-          <a:prstGeom prst="rightArrow">
-            <a:avLst>
-              <a:gd name="adj1" fmla="val 60238"/>
-              <a:gd name="adj2" fmla="val 50000"/>
-            </a:avLst>
-          </a:prstGeom>
-          <a:solidFill>
-            <a:schemeClr val="tx1"/>
-          </a:solidFill>
-        </p:spPr>
-        <p:style>
-          <a:lnRef idx="2">
-            <a:schemeClr val="accent1">
-              <a:shade val="50000"/>
-            </a:schemeClr>
-          </a:lnRef>
-          <a:fillRef idx="1">
-            <a:schemeClr val="accent1"/>
-          </a:fillRef>
-          <a:effectRef idx="0">
-            <a:schemeClr val="accent1"/>
-          </a:effectRef>
-          <a:fontRef idx="minor">
-            <a:schemeClr val="lt1"/>
-          </a:fontRef>
-        </p:style>
-        <p:txBody>
-          <a:bodyPr rtlCol="0" anchor="ctr"/>
-          <a:lstStyle/>
-          <a:p>
-            <a:pPr algn="ctr"/>
-            <a:endParaRPr lang="zh-CN" altLang="en-US"/>
-          </a:p>
-        </p:txBody>
-      </p:sp>
-      <p:pic>
-        <p:nvPicPr>
-          <p:cNvPr id="22" name="图形 21" descr="帮助">
-            <a:extLst>
-              <a:ext uri="{FF2B5EF4-FFF2-40B4-BE49-F238E27FC236}">
-                <a16:creationId xmlns:a16="http://schemas.microsoft.com/office/drawing/2014/main" id="{68E93A9B-D3BE-426B-9B38-CB05B6EB5B16}"/>
-              </a:ext>
-            </a:extLst>
-          </p:cNvPr>
-          <p:cNvPicPr>
-            <a:picLocks noChangeAspect="1"/>
-          </p:cNvPicPr>
-          <p:nvPr/>
-        </p:nvPicPr>
-        <p:blipFill>
-          <a:blip r:embed="rId5">
-            <a:extLst>
-              <a:ext uri="{28A0092B-C50C-407E-A947-70E740481C1C}">
-                <a14:useLocalDpi xmlns:a14="http://schemas.microsoft.com/office/drawing/2010/main" val="0"/>
-              </a:ext>
-              <a:ext uri="{96DAC541-7B7A-43D3-8B79-37D633B846F1}">
-                <asvg:svgBlip xmlns:asvg="http://schemas.microsoft.com/office/drawing/2016/SVG/main" r:embed="rId6"/>
-              </a:ext>
-            </a:extLst>
-          </a:blip>
-          <a:stretch>
-            <a:fillRect/>
-          </a:stretch>
-        </p:blipFill>
-        <p:spPr>
-          <a:xfrm>
-            <a:off x="987668" y="4580314"/>
-            <a:ext cx="807572" cy="807572"/>
-          </a:xfrm>
-          <a:prstGeom prst="rect">
-            <a:avLst/>
-          </a:prstGeom>
-        </p:spPr>
-      </p:pic>
-      <p:pic>
-        <p:nvPicPr>
-          <p:cNvPr id="23" name="图形 22" descr="帮助">
-            <a:extLst>
-              <a:ext uri="{FF2B5EF4-FFF2-40B4-BE49-F238E27FC236}">
-                <a16:creationId xmlns:a16="http://schemas.microsoft.com/office/drawing/2014/main" id="{2E198693-7CC0-4B81-87F6-FB20A1CA0FF3}"/>
-              </a:ext>
-            </a:extLst>
-          </p:cNvPr>
-          <p:cNvPicPr>
-            <a:picLocks noChangeAspect="1"/>
-          </p:cNvPicPr>
-          <p:nvPr/>
-        </p:nvPicPr>
-        <p:blipFill>
-          <a:blip r:embed="rId5">
-            <a:extLst>
-              <a:ext uri="{28A0092B-C50C-407E-A947-70E740481C1C}">
-                <a14:useLocalDpi xmlns:a14="http://schemas.microsoft.com/office/drawing/2010/main" val="0"/>
-              </a:ext>
-              <a:ext uri="{96DAC541-7B7A-43D3-8B79-37D633B846F1}">
-                <asvg:svgBlip xmlns:asvg="http://schemas.microsoft.com/office/drawing/2016/SVG/main" r:embed="rId6"/>
-              </a:ext>
-            </a:extLst>
-          </a:blip>
-          <a:stretch>
-            <a:fillRect/>
-          </a:stretch>
-        </p:blipFill>
-        <p:spPr>
-          <a:xfrm>
-            <a:off x="7598324" y="3020307"/>
-            <a:ext cx="807572" cy="807572"/>
-          </a:xfrm>
-          <a:prstGeom prst="rect">
-            <a:avLst/>
-          </a:prstGeom>
-        </p:spPr>
-      </p:pic>
-      <p:pic>
-        <p:nvPicPr>
-          <p:cNvPr id="24" name="图形 23" descr="帮助">
-            <a:extLst>
-              <a:ext uri="{FF2B5EF4-FFF2-40B4-BE49-F238E27FC236}">
-                <a16:creationId xmlns:a16="http://schemas.microsoft.com/office/drawing/2014/main" id="{F23E6127-6F77-46C3-87D1-0C5FF3C62CEE}"/>
-              </a:ext>
-            </a:extLst>
-          </p:cNvPr>
-          <p:cNvPicPr>
-            <a:picLocks noChangeAspect="1"/>
-          </p:cNvPicPr>
-          <p:nvPr/>
-        </p:nvPicPr>
-        <p:blipFill>
-          <a:blip r:embed="rId5">
-            <a:extLst>
-              <a:ext uri="{28A0092B-C50C-407E-A947-70E740481C1C}">
-                <a14:useLocalDpi xmlns:a14="http://schemas.microsoft.com/office/drawing/2010/main" val="0"/>
-              </a:ext>
-              <a:ext uri="{96DAC541-7B7A-43D3-8B79-37D633B846F1}">
-                <asvg:svgBlip xmlns:asvg="http://schemas.microsoft.com/office/drawing/2016/SVG/main" r:embed="rId6"/>
-              </a:ext>
-            </a:extLst>
-          </a:blip>
-          <a:stretch>
-            <a:fillRect/>
-          </a:stretch>
-        </p:blipFill>
-        <p:spPr>
-          <a:xfrm>
-            <a:off x="3999896" y="5786541"/>
-            <a:ext cx="807572" cy="807572"/>
-          </a:xfrm>
-          <a:prstGeom prst="rect">
-            <a:avLst/>
-          </a:prstGeom>
-        </p:spPr>
-      </p:pic>
+            <a:r>
+              <a:rPr lang="zh-CN" altLang="en-US" sz="4000" b="1" dirty="0"/>
+              <a:t>智能提醒业主</a:t>
+            </a:r>
+          </a:p>
+        </p:txBody>
+      </p:sp>
     </p:spTree>
     <p:extLst>
       <p:ext uri="{BB962C8B-B14F-4D97-AF65-F5344CB8AC3E}">
-        <p14:creationId xmlns:p14="http://schemas.microsoft.com/office/powerpoint/2010/main" val="4116336521"/>
+        <p14:creationId xmlns:p14="http://schemas.microsoft.com/office/powerpoint/2010/main" val="415383444"/>
       </p:ext>
     </p:extLst>
   </p:cSld>
@@ -5655,15 +6173,15 @@
       </p:grpSpPr>
       <p:pic>
         <p:nvPicPr>
-          <p:cNvPr id="1026" name="Picture 2" descr="监控系统软件下载_监控系统软件哪个好_监控系统软件大全【最新】-太平洋下载中心">
-            <a:extLst>
-              <a:ext uri="{FF2B5EF4-FFF2-40B4-BE49-F238E27FC236}">
-                <a16:creationId xmlns:a16="http://schemas.microsoft.com/office/drawing/2014/main" id="{B8FFA258-38C9-4CEC-A4BB-7A5C76BFE242}"/>
+          <p:cNvPr id="5" name="内容占位符 4" descr="图片包含 建筑, 看着, 小, 门&#10;&#10;描述已自动生成">
+            <a:extLst>
+              <a:ext uri="{FF2B5EF4-FFF2-40B4-BE49-F238E27FC236}">
+                <a16:creationId xmlns:a16="http://schemas.microsoft.com/office/drawing/2014/main" id="{2349A471-4028-4171-A089-ABC1402D91AE}"/>
               </a:ext>
             </a:extLst>
           </p:cNvPr>
           <p:cNvPicPr>
-            <a:picLocks noGrp="1" noChangeAspect="1" noChangeArrowheads="1"/>
+            <a:picLocks noGrp="1" noChangeAspect="1"/>
           </p:cNvPicPr>
           <p:nvPr>
             <p:ph idx="1"/>
@@ -5677,37 +6195,23 @@
               </a:ext>
             </a:extLst>
           </a:blip>
-          <a:srcRect/>
           <a:stretch>
             <a:fillRect/>
           </a:stretch>
         </p:blipFill>
-        <p:spPr bwMode="auto">
+        <p:spPr>
           <a:xfrm>
-            <a:off x="1458739" y="2259468"/>
-            <a:ext cx="4414669" cy="2741742"/>
-          </a:xfrm>
-          <a:prstGeom prst="rect">
-            <a:avLst/>
-          </a:prstGeom>
-          <a:noFill/>
-          <a:extLst>
-            <a:ext uri="{909E8E84-426E-40DD-AFC4-6F175D3DCCD1}">
-              <a14:hiddenFill xmlns:a14="http://schemas.microsoft.com/office/drawing/2010/main">
-                <a:solidFill>
-                  <a:srgbClr val="FFFFFF"/>
-                </a:solidFill>
-              </a14:hiddenFill>
-            </a:ext>
-          </a:extLst>
+            <a:off x="971161" y="2152471"/>
+            <a:ext cx="5715000" cy="3790950"/>
+          </a:xfrm>
         </p:spPr>
       </p:pic>
       <p:sp>
         <p:nvSpPr>
-          <p:cNvPr id="5" name="标题 3">
-            <a:extLst>
-              <a:ext uri="{FF2B5EF4-FFF2-40B4-BE49-F238E27FC236}">
-                <a16:creationId xmlns:a16="http://schemas.microsoft.com/office/drawing/2014/main" id="{38725362-4BAA-4B57-82D5-5CC08C504350}"/>
+          <p:cNvPr id="6" name="标题 3">
+            <a:extLst>
+              <a:ext uri="{FF2B5EF4-FFF2-40B4-BE49-F238E27FC236}">
+                <a16:creationId xmlns:a16="http://schemas.microsoft.com/office/drawing/2014/main" id="{CF6FB820-5C9D-41D1-A214-73A94020CB4E}"/>
               </a:ext>
             </a:extLst>
           </p:cNvPr>
@@ -5718,7 +6222,163 @@
         </p:nvSpPr>
         <p:spPr>
           <a:xfrm>
-            <a:off x="838200" y="365126"/>
+            <a:off x="287694" y="425337"/>
+            <a:ext cx="3920412" cy="1146434"/>
+          </a:xfrm>
+          <a:prstGeom prst="rect">
+            <a:avLst/>
+          </a:prstGeom>
+          <a:solidFill>
+            <a:schemeClr val="tx1">
+              <a:lumMod val="75000"/>
+              <a:lumOff val="25000"/>
+            </a:schemeClr>
+          </a:solidFill>
+        </p:spPr>
+        <p:style>
+          <a:lnRef idx="2">
+            <a:schemeClr val="accent1">
+              <a:shade val="50000"/>
+            </a:schemeClr>
+          </a:lnRef>
+          <a:fillRef idx="1">
+            <a:schemeClr val="accent1"/>
+          </a:fillRef>
+          <a:effectRef idx="0">
+            <a:schemeClr val="accent1"/>
+          </a:effectRef>
+          <a:fontRef idx="minor">
+            <a:schemeClr val="lt1"/>
+          </a:fontRef>
+        </p:style>
+        <p:txBody>
+          <a:bodyPr vert="horz" lIns="91440" tIns="45720" rIns="91440" bIns="45720" rtlCol="0" anchor="ctr">
+            <a:normAutofit fontScale="77500" lnSpcReduction="20000"/>
+          </a:bodyPr>
+          <a:lstStyle>
+            <a:lvl1pPr algn="ctr" defTabSz="914400" rtl="0" eaLnBrk="1" latinLnBrk="0" hangingPunct="1">
+              <a:lnSpc>
+                <a:spcPct val="90000"/>
+              </a:lnSpc>
+              <a:spcBef>
+                <a:spcPct val="0"/>
+              </a:spcBef>
+              <a:buNone/>
+              <a:defRPr sz="6000" kern="1200">
+                <a:solidFill>
+                  <a:schemeClr val="lt1"/>
+                </a:solidFill>
+                <a:latin typeface="+mn-lt"/>
+                <a:ea typeface="+mn-ea"/>
+                <a:cs typeface="+mn-cs"/>
+              </a:defRPr>
+            </a:lvl1pPr>
+            <a:lvl2pPr>
+              <a:defRPr>
+                <a:solidFill>
+                  <a:schemeClr val="lt1"/>
+                </a:solidFill>
+                <a:latin typeface="+mn-lt"/>
+                <a:ea typeface="+mn-ea"/>
+                <a:cs typeface="+mn-cs"/>
+              </a:defRPr>
+            </a:lvl2pPr>
+            <a:lvl3pPr>
+              <a:defRPr>
+                <a:solidFill>
+                  <a:schemeClr val="lt1"/>
+                </a:solidFill>
+                <a:latin typeface="+mn-lt"/>
+                <a:ea typeface="+mn-ea"/>
+                <a:cs typeface="+mn-cs"/>
+              </a:defRPr>
+            </a:lvl3pPr>
+            <a:lvl4pPr>
+              <a:defRPr>
+                <a:solidFill>
+                  <a:schemeClr val="lt1"/>
+                </a:solidFill>
+                <a:latin typeface="+mn-lt"/>
+                <a:ea typeface="+mn-ea"/>
+                <a:cs typeface="+mn-cs"/>
+              </a:defRPr>
+            </a:lvl4pPr>
+            <a:lvl5pPr>
+              <a:defRPr>
+                <a:solidFill>
+                  <a:schemeClr val="lt1"/>
+                </a:solidFill>
+                <a:latin typeface="+mn-lt"/>
+                <a:ea typeface="+mn-ea"/>
+                <a:cs typeface="+mn-cs"/>
+              </a:defRPr>
+            </a:lvl5pPr>
+            <a:lvl6pPr>
+              <a:defRPr>
+                <a:solidFill>
+                  <a:schemeClr val="lt1"/>
+                </a:solidFill>
+                <a:latin typeface="+mn-lt"/>
+                <a:ea typeface="+mn-ea"/>
+                <a:cs typeface="+mn-cs"/>
+              </a:defRPr>
+            </a:lvl6pPr>
+            <a:lvl7pPr>
+              <a:defRPr>
+                <a:solidFill>
+                  <a:schemeClr val="lt1"/>
+                </a:solidFill>
+                <a:latin typeface="+mn-lt"/>
+                <a:ea typeface="+mn-ea"/>
+                <a:cs typeface="+mn-cs"/>
+              </a:defRPr>
+            </a:lvl7pPr>
+            <a:lvl8pPr>
+              <a:defRPr>
+                <a:solidFill>
+                  <a:schemeClr val="lt1"/>
+                </a:solidFill>
+                <a:latin typeface="+mn-lt"/>
+                <a:ea typeface="+mn-ea"/>
+                <a:cs typeface="+mn-cs"/>
+              </a:defRPr>
+            </a:lvl8pPr>
+            <a:lvl9pPr>
+              <a:defRPr>
+                <a:solidFill>
+                  <a:schemeClr val="lt1"/>
+                </a:solidFill>
+                <a:latin typeface="+mn-lt"/>
+                <a:ea typeface="+mn-ea"/>
+                <a:cs typeface="+mn-cs"/>
+              </a:defRPr>
+            </a:lvl9pPr>
+          </a:lstStyle>
+          <a:p>
+            <a:r>
+              <a:rPr lang="zh-CN" altLang="en-US" b="1" dirty="0"/>
+              <a:t>宠物收容中心</a:t>
+            </a:r>
+          </a:p>
+        </p:txBody>
+      </p:sp>
+      <p:sp>
+        <p:nvSpPr>
+          <p:cNvPr id="7" name="标题 3">
+            <a:extLst>
+              <a:ext uri="{FF2B5EF4-FFF2-40B4-BE49-F238E27FC236}">
+                <a16:creationId xmlns:a16="http://schemas.microsoft.com/office/drawing/2014/main" id="{B606FD40-5CCA-4EC1-9917-13898DDAA58A}"/>
+              </a:ext>
+            </a:extLst>
+          </p:cNvPr>
+          <p:cNvSpPr txBox="1">
+            <a:spLocks/>
+          </p:cNvSpPr>
+          <p:nvPr/>
+        </p:nvSpPr>
+        <p:spPr>
+          <a:xfrm>
+            <a:off x="7167466" y="1280986"/>
             <a:ext cx="3304592" cy="978482"/>
           </a:xfrm>
           <a:prstGeom prst="rect">
@@ -5852,18 +6512,67 @@
           </a:lstStyle>
           <a:p>
             <a:r>
-              <a:rPr lang="zh-CN" altLang="en-US" b="1" dirty="0"/>
-              <a:t>智能监控</a:t>
-            </a:r>
-          </a:p>
-        </p:txBody>
-      </p:sp>
-      <p:sp>
-        <p:nvSpPr>
-          <p:cNvPr id="6" name="标题 3">
-            <a:extLst>
-              <a:ext uri="{FF2B5EF4-FFF2-40B4-BE49-F238E27FC236}">
-                <a16:creationId xmlns:a16="http://schemas.microsoft.com/office/drawing/2014/main" id="{481F642C-B4FC-4DB0-9B3B-6EF8D9B5505E}"/>
+              <a:rPr lang="zh-CN" altLang="en-US" sz="4800" b="1" dirty="0"/>
+              <a:t>动物登记</a:t>
+            </a:r>
+          </a:p>
+        </p:txBody>
+      </p:sp>
+      <p:sp>
+        <p:nvSpPr>
+          <p:cNvPr id="8" name="箭头: 右 7">
+            <a:extLst>
+              <a:ext uri="{FF2B5EF4-FFF2-40B4-BE49-F238E27FC236}">
+                <a16:creationId xmlns:a16="http://schemas.microsoft.com/office/drawing/2014/main" id="{DEB0A3A8-8645-4079-B4F6-9A53F7802A06}"/>
+              </a:ext>
+            </a:extLst>
+          </p:cNvPr>
+          <p:cNvSpPr/>
+          <p:nvPr/>
+        </p:nvSpPr>
+        <p:spPr>
+          <a:xfrm rot="5400000">
+            <a:off x="8430857" y="2503586"/>
+            <a:ext cx="777809" cy="522515"/>
+          </a:xfrm>
+          <a:prstGeom prst="rightArrow">
+            <a:avLst/>
+          </a:prstGeom>
+          <a:solidFill>
+            <a:schemeClr val="tx1"/>
+          </a:solidFill>
+        </p:spPr>
+        <p:style>
+          <a:lnRef idx="2">
+            <a:schemeClr val="accent1">
+              <a:shade val="50000"/>
+            </a:schemeClr>
+          </a:lnRef>
+          <a:fillRef idx="1">
+            <a:schemeClr val="accent1"/>
+          </a:fillRef>
+          <a:effectRef idx="0">
+            <a:schemeClr val="accent1"/>
+          </a:effectRef>
+          <a:fontRef idx="minor">
+            <a:schemeClr val="lt1"/>
+          </a:fontRef>
+        </p:style>
+        <p:txBody>
+          <a:bodyPr rtlCol="0" anchor="ctr"/>
+          <a:lstStyle/>
+          <a:p>
+            <a:pPr algn="ctr"/>
+            <a:endParaRPr lang="zh-CN" altLang="en-US"/>
+          </a:p>
+        </p:txBody>
+      </p:sp>
+      <p:sp>
+        <p:nvSpPr>
+          <p:cNvPr id="9" name="标题 3">
+            <a:extLst>
+              <a:ext uri="{FF2B5EF4-FFF2-40B4-BE49-F238E27FC236}">
+                <a16:creationId xmlns:a16="http://schemas.microsoft.com/office/drawing/2014/main" id="{8D08E5A7-9C24-4293-8A9D-4F964BA926FB}"/>
               </a:ext>
             </a:extLst>
           </p:cNvPr>
@@ -5874,7 +6583,7 @@
         </p:nvSpPr>
         <p:spPr>
           <a:xfrm>
-            <a:off x="7167466" y="1280986"/>
+            <a:off x="7167466" y="3270219"/>
             <a:ext cx="3304592" cy="978482"/>
           </a:xfrm>
           <a:prstGeom prst="rect">
@@ -6008,18 +6717,18 @@
           </a:lstStyle>
           <a:p>
             <a:r>
-              <a:rPr lang="zh-CN" altLang="en-US" sz="4800" b="1" dirty="0"/>
-              <a:t>业主登记</a:t>
-            </a:r>
-          </a:p>
-        </p:txBody>
-      </p:sp>
-      <p:sp>
-        <p:nvSpPr>
-          <p:cNvPr id="4" name="箭头: 右 3">
-            <a:extLst>
-              <a:ext uri="{FF2B5EF4-FFF2-40B4-BE49-F238E27FC236}">
-                <a16:creationId xmlns:a16="http://schemas.microsoft.com/office/drawing/2014/main" id="{6438EC8B-14DE-40A8-9BBE-1DD879844181}"/>
+              <a:rPr lang="zh-CN" altLang="en-US" sz="4000" b="1" dirty="0"/>
+              <a:t>丢失动物比对</a:t>
+            </a:r>
+          </a:p>
+        </p:txBody>
+      </p:sp>
+      <p:sp>
+        <p:nvSpPr>
+          <p:cNvPr id="10" name="箭头: 右 9">
+            <a:extLst>
+              <a:ext uri="{FF2B5EF4-FFF2-40B4-BE49-F238E27FC236}">
+                <a16:creationId xmlns:a16="http://schemas.microsoft.com/office/drawing/2014/main" id="{AA5B974D-2A6E-49ED-B72C-51E27ADCF7D4}"/>
               </a:ext>
             </a:extLst>
           </p:cNvPr>
@@ -6028,7 +6737,7 @@
         </p:nvSpPr>
         <p:spPr>
           <a:xfrm rot="5400000">
-            <a:off x="8430857" y="2503586"/>
+            <a:off x="8430857" y="4488519"/>
             <a:ext cx="777809" cy="522515"/>
           </a:xfrm>
           <a:prstGeom prst="rightArrow">
@@ -6065,10 +6774,10 @@
       </p:sp>
       <p:sp>
         <p:nvSpPr>
-          <p:cNvPr id="8" name="标题 3">
-            <a:extLst>
-              <a:ext uri="{FF2B5EF4-FFF2-40B4-BE49-F238E27FC236}">
-                <a16:creationId xmlns:a16="http://schemas.microsoft.com/office/drawing/2014/main" id="{7856E870-A49D-4A59-97D7-81598C05CB33}"/>
+          <p:cNvPr id="11" name="标题 3">
+            <a:extLst>
+              <a:ext uri="{FF2B5EF4-FFF2-40B4-BE49-F238E27FC236}">
+                <a16:creationId xmlns:a16="http://schemas.microsoft.com/office/drawing/2014/main" id="{B818ADF7-E9EE-434F-9680-DABBBF8C0A04}"/>
               </a:ext>
             </a:extLst>
           </p:cNvPr>
@@ -6079,7 +6788,7 @@
         </p:nvSpPr>
         <p:spPr>
           <a:xfrm>
-            <a:off x="7167466" y="3270219"/>
+            <a:off x="7167466" y="5250852"/>
             <a:ext cx="3304592" cy="978482"/>
           </a:xfrm>
           <a:prstGeom prst="rect">
@@ -6214,212 +6923,7 @@
           <a:p>
             <a:r>
               <a:rPr lang="zh-CN" altLang="en-US" sz="4000" b="1" dirty="0"/>
-              <a:t>监控检测</a:t>
-            </a:r>
-          </a:p>
-        </p:txBody>
-      </p:sp>
-      <p:sp>
-        <p:nvSpPr>
-          <p:cNvPr id="9" name="箭头: 右 8">
-            <a:extLst>
-              <a:ext uri="{FF2B5EF4-FFF2-40B4-BE49-F238E27FC236}">
-                <a16:creationId xmlns:a16="http://schemas.microsoft.com/office/drawing/2014/main" id="{DA916EF0-40FD-498D-AF47-77EAD276DF68}"/>
-              </a:ext>
-            </a:extLst>
-          </p:cNvPr>
-          <p:cNvSpPr/>
-          <p:nvPr/>
-        </p:nvSpPr>
-        <p:spPr>
-          <a:xfrm rot="5400000">
-            <a:off x="8430857" y="4484219"/>
-            <a:ext cx="777809" cy="522515"/>
-          </a:xfrm>
-          <a:prstGeom prst="rightArrow">
-            <a:avLst/>
-          </a:prstGeom>
-          <a:solidFill>
-            <a:schemeClr val="tx1"/>
-          </a:solidFill>
-        </p:spPr>
-        <p:style>
-          <a:lnRef idx="2">
-            <a:schemeClr val="accent1">
-              <a:shade val="50000"/>
-            </a:schemeClr>
-          </a:lnRef>
-          <a:fillRef idx="1">
-            <a:schemeClr val="accent1"/>
-          </a:fillRef>
-          <a:effectRef idx="0">
-            <a:schemeClr val="accent1"/>
-          </a:effectRef>
-          <a:fontRef idx="minor">
-            <a:schemeClr val="lt1"/>
-          </a:fontRef>
-        </p:style>
-        <p:txBody>
-          <a:bodyPr rtlCol="0" anchor="ctr"/>
-          <a:lstStyle/>
-          <a:p>
-            <a:pPr algn="ctr"/>
-            <a:endParaRPr lang="zh-CN" altLang="en-US"/>
-          </a:p>
-        </p:txBody>
-      </p:sp>
-      <p:sp>
-        <p:nvSpPr>
-          <p:cNvPr id="10" name="标题 3">
-            <a:extLst>
-              <a:ext uri="{FF2B5EF4-FFF2-40B4-BE49-F238E27FC236}">
-                <a16:creationId xmlns:a16="http://schemas.microsoft.com/office/drawing/2014/main" id="{5D9532D5-389C-44AD-A262-664CB38EF8CB}"/>
-              </a:ext>
-            </a:extLst>
-          </p:cNvPr>
-          <p:cNvSpPr txBox="1">
-            <a:spLocks/>
-          </p:cNvSpPr>
-          <p:nvPr/>
-        </p:nvSpPr>
-        <p:spPr>
-          <a:xfrm>
-            <a:off x="7167466" y="5250852"/>
-            <a:ext cx="3304592" cy="978482"/>
-          </a:xfrm>
-          <a:prstGeom prst="rect">
-            <a:avLst/>
-          </a:prstGeom>
-          <a:solidFill>
-            <a:schemeClr val="tx1">
-              <a:lumMod val="75000"/>
-              <a:lumOff val="25000"/>
-            </a:schemeClr>
-          </a:solidFill>
-        </p:spPr>
-        <p:style>
-          <a:lnRef idx="2">
-            <a:schemeClr val="accent1">
-              <a:shade val="50000"/>
-            </a:schemeClr>
-          </a:lnRef>
-          <a:fillRef idx="1">
-            <a:schemeClr val="accent1"/>
-          </a:fillRef>
-          <a:effectRef idx="0">
-            <a:schemeClr val="accent1"/>
-          </a:effectRef>
-          <a:fontRef idx="minor">
-            <a:schemeClr val="lt1"/>
-          </a:fontRef>
-        </p:style>
-        <p:txBody>
-          <a:bodyPr vert="horz" lIns="91440" tIns="45720" rIns="91440" bIns="45720" rtlCol="0" anchor="ctr">
-            <a:normAutofit/>
-          </a:bodyPr>
-          <a:lstStyle>
-            <a:lvl1pPr algn="ctr" defTabSz="914400" rtl="0" eaLnBrk="1" latinLnBrk="0" hangingPunct="1">
-              <a:lnSpc>
-                <a:spcPct val="90000"/>
-              </a:lnSpc>
-              <a:spcBef>
-                <a:spcPct val="0"/>
-              </a:spcBef>
-              <a:buNone/>
-              <a:defRPr sz="6000" kern="1200">
-                <a:solidFill>
-                  <a:schemeClr val="lt1"/>
-                </a:solidFill>
-                <a:latin typeface="+mn-lt"/>
-                <a:ea typeface="+mn-ea"/>
-                <a:cs typeface="+mn-cs"/>
-              </a:defRPr>
-            </a:lvl1pPr>
-            <a:lvl2pPr>
-              <a:defRPr>
-                <a:solidFill>
-                  <a:schemeClr val="lt1"/>
-                </a:solidFill>
-                <a:latin typeface="+mn-lt"/>
-                <a:ea typeface="+mn-ea"/>
-                <a:cs typeface="+mn-cs"/>
-              </a:defRPr>
-            </a:lvl2pPr>
-            <a:lvl3pPr>
-              <a:defRPr>
-                <a:solidFill>
-                  <a:schemeClr val="lt1"/>
-                </a:solidFill>
-                <a:latin typeface="+mn-lt"/>
-                <a:ea typeface="+mn-ea"/>
-                <a:cs typeface="+mn-cs"/>
-              </a:defRPr>
-            </a:lvl3pPr>
-            <a:lvl4pPr>
-              <a:defRPr>
-                <a:solidFill>
-                  <a:schemeClr val="lt1"/>
-                </a:solidFill>
-                <a:latin typeface="+mn-lt"/>
-                <a:ea typeface="+mn-ea"/>
-                <a:cs typeface="+mn-cs"/>
-              </a:defRPr>
-            </a:lvl4pPr>
-            <a:lvl5pPr>
-              <a:defRPr>
-                <a:solidFill>
-                  <a:schemeClr val="lt1"/>
-                </a:solidFill>
-                <a:latin typeface="+mn-lt"/>
-                <a:ea typeface="+mn-ea"/>
-                <a:cs typeface="+mn-cs"/>
-              </a:defRPr>
-            </a:lvl5pPr>
-            <a:lvl6pPr>
-              <a:defRPr>
-                <a:solidFill>
-                  <a:schemeClr val="lt1"/>
-                </a:solidFill>
-                <a:latin typeface="+mn-lt"/>
-                <a:ea typeface="+mn-ea"/>
-                <a:cs typeface="+mn-cs"/>
-              </a:defRPr>
-            </a:lvl6pPr>
-            <a:lvl7pPr>
-              <a:defRPr>
-                <a:solidFill>
-                  <a:schemeClr val="lt1"/>
-                </a:solidFill>
-                <a:latin typeface="+mn-lt"/>
-                <a:ea typeface="+mn-ea"/>
-                <a:cs typeface="+mn-cs"/>
-              </a:defRPr>
-            </a:lvl7pPr>
-            <a:lvl8pPr>
-              <a:defRPr>
-                <a:solidFill>
-                  <a:schemeClr val="lt1"/>
-                </a:solidFill>
-                <a:latin typeface="+mn-lt"/>
-                <a:ea typeface="+mn-ea"/>
-                <a:cs typeface="+mn-cs"/>
-              </a:defRPr>
-            </a:lvl8pPr>
-            <a:lvl9pPr>
-              <a:defRPr>
-                <a:solidFill>
-                  <a:schemeClr val="lt1"/>
-                </a:solidFill>
-                <a:latin typeface="+mn-lt"/>
-                <a:ea typeface="+mn-ea"/>
-                <a:cs typeface="+mn-cs"/>
-              </a:defRPr>
-            </a:lvl9pPr>
-          </a:lstStyle>
-          <a:p>
-            <a:r>
-              <a:rPr lang="zh-CN" altLang="en-US" sz="4000" b="1" dirty="0"/>
-              <a:t>智能提醒业主</a:t>
+              <a:t>召回或者领养</a:t>
             </a:r>
           </a:p>
         </p:txBody>
@@ -6427,7 +6931,7 @@
     </p:spTree>
     <p:extLst>
       <p:ext uri="{BB962C8B-B14F-4D97-AF65-F5344CB8AC3E}">
-        <p14:creationId xmlns:p14="http://schemas.microsoft.com/office/powerpoint/2010/main" val="415383444"/>
+        <p14:creationId xmlns:p14="http://schemas.microsoft.com/office/powerpoint/2010/main" val="4280757339"/>
       </p:ext>
     </p:extLst>
   </p:cSld>
@@ -6456,57 +6960,50 @@
       </p:grpSpPr>
       <p:pic>
         <p:nvPicPr>
-          <p:cNvPr id="5" name="内容占位符 4" descr="图片包含 建筑, 看着, 小, 门&#10;&#10;描述已自动生成">
-            <a:extLst>
-              <a:ext uri="{FF2B5EF4-FFF2-40B4-BE49-F238E27FC236}">
-                <a16:creationId xmlns:a16="http://schemas.microsoft.com/office/drawing/2014/main" id="{2349A471-4028-4171-A089-ABC1402D91AE}"/>
+          <p:cNvPr id="12" name="图片 11">
+            <a:extLst>
+              <a:ext uri="{FF2B5EF4-FFF2-40B4-BE49-F238E27FC236}">
+                <a16:creationId xmlns:a16="http://schemas.microsoft.com/office/drawing/2014/main" id="{4505A541-3AA6-4FE6-8CB2-BCA4726A0810}"/>
               </a:ext>
             </a:extLst>
           </p:cNvPr>
           <p:cNvPicPr>
-            <a:picLocks noGrp="1" noChangeAspect="1"/>
+            <a:picLocks noChangeAspect="1"/>
           </p:cNvPicPr>
-          <p:nvPr>
-            <p:ph idx="1"/>
-          </p:nvPr>
+          <p:nvPr/>
         </p:nvPicPr>
         <p:blipFill>
-          <a:blip r:embed="rId2">
-            <a:extLst>
-              <a:ext uri="{28A0092B-C50C-407E-A947-70E740481C1C}">
-                <a14:useLocalDpi xmlns:a14="http://schemas.microsoft.com/office/drawing/2010/main" val="0"/>
-              </a:ext>
-            </a:extLst>
-          </a:blip>
+          <a:blip r:embed="rId2"/>
           <a:stretch>
             <a:fillRect/>
           </a:stretch>
         </p:blipFill>
         <p:spPr>
           <a:xfrm>
-            <a:off x="971161" y="2152471"/>
-            <a:ext cx="5715000" cy="3790950"/>
-          </a:xfrm>
+            <a:off x="4962883" y="5190354"/>
+            <a:ext cx="594412" cy="495343"/>
+          </a:xfrm>
+          <a:prstGeom prst="rect">
+            <a:avLst/>
+          </a:prstGeom>
         </p:spPr>
       </p:pic>
       <p:sp>
         <p:nvSpPr>
-          <p:cNvPr id="6" name="标题 3">
-            <a:extLst>
-              <a:ext uri="{FF2B5EF4-FFF2-40B4-BE49-F238E27FC236}">
-                <a16:creationId xmlns:a16="http://schemas.microsoft.com/office/drawing/2014/main" id="{CF6FB820-5C9D-41D1-A214-73A94020CB4E}"/>
-              </a:ext>
-            </a:extLst>
-          </p:cNvPr>
-          <p:cNvSpPr txBox="1">
-            <a:spLocks/>
-          </p:cNvSpPr>
+          <p:cNvPr id="8" name="矩形 7">
+            <a:extLst>
+              <a:ext uri="{FF2B5EF4-FFF2-40B4-BE49-F238E27FC236}">
+                <a16:creationId xmlns:a16="http://schemas.microsoft.com/office/drawing/2014/main" id="{585A5DB9-A4D4-405B-A412-E3AF9BCEEEDF}"/>
+              </a:ext>
+            </a:extLst>
+          </p:cNvPr>
+          <p:cNvSpPr/>
           <p:nvPr/>
         </p:nvSpPr>
         <p:spPr>
           <a:xfrm>
-            <a:off x="287694" y="425337"/>
-            <a:ext cx="3920412" cy="1146434"/>
+            <a:off x="8381145" y="4954153"/>
+            <a:ext cx="2142315" cy="914400"/>
           </a:xfrm>
           <a:prstGeom prst="rect">
             <a:avLst/>
@@ -6535,122 +7032,1363 @@
           </a:fontRef>
         </p:style>
         <p:txBody>
-          <a:bodyPr vert="horz" lIns="91440" tIns="45720" rIns="91440" bIns="45720" rtlCol="0" anchor="ctr">
-            <a:normAutofit fontScale="77500" lnSpcReduction="20000"/>
+          <a:bodyPr rtlCol="0" anchor="ctr"/>
+          <a:lstStyle/>
+          <a:p>
+            <a:pPr algn="ctr"/>
+            <a:r>
+              <a:rPr lang="en-US" altLang="zh-CN" b="1" dirty="0"/>
+              <a:t>AWS IoT</a:t>
+            </a:r>
+          </a:p>
+        </p:txBody>
+      </p:sp>
+      <p:pic>
+        <p:nvPicPr>
+          <p:cNvPr id="11" name="图片 10">
+            <a:extLst>
+              <a:ext uri="{FF2B5EF4-FFF2-40B4-BE49-F238E27FC236}">
+                <a16:creationId xmlns:a16="http://schemas.microsoft.com/office/drawing/2014/main" id="{0ABAA317-9A0E-4B4F-A79C-1A51F51FFC3F}"/>
+              </a:ext>
+            </a:extLst>
+          </p:cNvPr>
+          <p:cNvPicPr>
+            <a:picLocks noChangeAspect="1"/>
+          </p:cNvPicPr>
+          <p:nvPr/>
+        </p:nvPicPr>
+        <p:blipFill>
+          <a:blip r:embed="rId3"/>
+          <a:stretch>
+            <a:fillRect/>
+          </a:stretch>
+        </p:blipFill>
+        <p:spPr>
+          <a:xfrm>
+            <a:off x="7748630" y="5159871"/>
+            <a:ext cx="632515" cy="502964"/>
+          </a:xfrm>
+          <a:prstGeom prst="rect">
+            <a:avLst/>
+          </a:prstGeom>
+        </p:spPr>
+      </p:pic>
+      <p:sp>
+        <p:nvSpPr>
+          <p:cNvPr id="17" name="矩形 16">
+            <a:extLst>
+              <a:ext uri="{FF2B5EF4-FFF2-40B4-BE49-F238E27FC236}">
+                <a16:creationId xmlns:a16="http://schemas.microsoft.com/office/drawing/2014/main" id="{8B03C210-4A6C-4F64-89A0-71D9B02C4E01}"/>
+              </a:ext>
+            </a:extLst>
+          </p:cNvPr>
+          <p:cNvSpPr/>
+          <p:nvPr/>
+        </p:nvSpPr>
+        <p:spPr>
+          <a:xfrm>
+            <a:off x="7777623" y="3991236"/>
+            <a:ext cx="2742983" cy="914400"/>
+          </a:xfrm>
+          <a:prstGeom prst="rect">
+            <a:avLst/>
+          </a:prstGeom>
+          <a:solidFill>
+            <a:schemeClr val="tx1">
+              <a:lumMod val="75000"/>
+              <a:lumOff val="25000"/>
+            </a:schemeClr>
+          </a:solidFill>
+        </p:spPr>
+        <p:style>
+          <a:lnRef idx="2">
+            <a:schemeClr val="accent1">
+              <a:shade val="50000"/>
+            </a:schemeClr>
+          </a:lnRef>
+          <a:fillRef idx="1">
+            <a:schemeClr val="accent1"/>
+          </a:fillRef>
+          <a:effectRef idx="0">
+            <a:schemeClr val="accent1"/>
+          </a:effectRef>
+          <a:fontRef idx="minor">
+            <a:schemeClr val="lt1"/>
+          </a:fontRef>
+        </p:style>
+        <p:txBody>
+          <a:bodyPr rtlCol="0" anchor="ctr"/>
+          <a:lstStyle/>
+          <a:p>
+            <a:pPr algn="ctr"/>
+            <a:r>
+              <a:rPr lang="en-US" altLang="zh-CN" b="1" dirty="0"/>
+              <a:t>GPS wristband </a:t>
+            </a:r>
+            <a:endParaRPr lang="zh-CN" altLang="en-US" b="1" dirty="0"/>
+          </a:p>
+        </p:txBody>
+      </p:sp>
+      <p:pic>
+        <p:nvPicPr>
+          <p:cNvPr id="5" name="图形 4" descr="监控摄像头">
+            <a:extLst>
+              <a:ext uri="{FF2B5EF4-FFF2-40B4-BE49-F238E27FC236}">
+                <a16:creationId xmlns:a16="http://schemas.microsoft.com/office/drawing/2014/main" id="{CC0D0F6F-E57A-4AA9-8AE8-FCA88D989F9F}"/>
+              </a:ext>
+            </a:extLst>
+          </p:cNvPr>
+          <p:cNvPicPr>
+            <a:picLocks noChangeAspect="1"/>
+          </p:cNvPicPr>
+          <p:nvPr/>
+        </p:nvPicPr>
+        <p:blipFill>
+          <a:blip r:embed="rId4">
+            <a:extLst>
+              <a:ext uri="{28A0092B-C50C-407E-A947-70E740481C1C}">
+                <a14:useLocalDpi xmlns:a14="http://schemas.microsoft.com/office/drawing/2010/main" val="0"/>
+              </a:ext>
+              <a:ext uri="{96DAC541-7B7A-43D3-8B79-37D633B846F1}">
+                <asvg:svgBlip xmlns:asvg="http://schemas.microsoft.com/office/drawing/2016/SVG/main" r:embed="rId5"/>
+              </a:ext>
+            </a:extLst>
+          </a:blip>
+          <a:stretch>
+            <a:fillRect/>
+          </a:stretch>
+        </p:blipFill>
+        <p:spPr>
+          <a:xfrm>
+            <a:off x="771262" y="1647650"/>
+            <a:ext cx="914400" cy="914400"/>
+          </a:xfrm>
+          <a:prstGeom prst="rect">
+            <a:avLst/>
+          </a:prstGeom>
+        </p:spPr>
+      </p:pic>
+      <p:sp>
+        <p:nvSpPr>
+          <p:cNvPr id="6" name="矩形 5">
+            <a:extLst>
+              <a:ext uri="{FF2B5EF4-FFF2-40B4-BE49-F238E27FC236}">
+                <a16:creationId xmlns:a16="http://schemas.microsoft.com/office/drawing/2014/main" id="{47AC14FC-6683-401B-B5B0-36C876FB8C13}"/>
+              </a:ext>
+            </a:extLst>
+          </p:cNvPr>
+          <p:cNvSpPr/>
+          <p:nvPr/>
+        </p:nvSpPr>
+        <p:spPr>
+          <a:xfrm>
+            <a:off x="2322321" y="4954153"/>
+            <a:ext cx="2683111" cy="914400"/>
+          </a:xfrm>
+          <a:prstGeom prst="rect">
+            <a:avLst/>
+          </a:prstGeom>
+          <a:solidFill>
+            <a:schemeClr val="tx1">
+              <a:lumMod val="75000"/>
+              <a:lumOff val="25000"/>
+            </a:schemeClr>
+          </a:solidFill>
+        </p:spPr>
+        <p:style>
+          <a:lnRef idx="2">
+            <a:schemeClr val="accent1">
+              <a:shade val="50000"/>
+            </a:schemeClr>
+          </a:lnRef>
+          <a:fillRef idx="1">
+            <a:schemeClr val="accent1"/>
+          </a:fillRef>
+          <a:effectRef idx="0">
+            <a:schemeClr val="accent1"/>
+          </a:effectRef>
+          <a:fontRef idx="minor">
+            <a:schemeClr val="lt1"/>
+          </a:fontRef>
+        </p:style>
+        <p:txBody>
+          <a:bodyPr rtlCol="0" anchor="ctr"/>
+          <a:lstStyle/>
+          <a:p>
+            <a:pPr algn="ctr"/>
+            <a:r>
+              <a:rPr lang="en-US" altLang="zh-CN" b="1" dirty="0"/>
+              <a:t>Amazon SageMaker</a:t>
+            </a:r>
+            <a:endParaRPr lang="zh-CN" altLang="en-US" dirty="0"/>
+          </a:p>
+        </p:txBody>
+      </p:sp>
+      <p:sp>
+        <p:nvSpPr>
+          <p:cNvPr id="7" name="矩形 6">
+            <a:extLst>
+              <a:ext uri="{FF2B5EF4-FFF2-40B4-BE49-F238E27FC236}">
+                <a16:creationId xmlns:a16="http://schemas.microsoft.com/office/drawing/2014/main" id="{97A840A4-A0B0-4930-BC1F-5F5016B9B28F}"/>
+              </a:ext>
+            </a:extLst>
+          </p:cNvPr>
+          <p:cNvSpPr/>
+          <p:nvPr/>
+        </p:nvSpPr>
+        <p:spPr>
+          <a:xfrm>
+            <a:off x="5551659" y="3813501"/>
+            <a:ext cx="184730" cy="369332"/>
+          </a:xfrm>
+          <a:prstGeom prst="rect">
+            <a:avLst/>
+          </a:prstGeom>
+        </p:spPr>
+        <p:txBody>
+          <a:bodyPr wrap="square">
+            <a:spAutoFit/>
           </a:bodyPr>
-          <a:lstStyle>
-            <a:lvl1pPr algn="ctr" defTabSz="914400" rtl="0" eaLnBrk="1" latinLnBrk="0" hangingPunct="1">
-              <a:lnSpc>
-                <a:spcPct val="90000"/>
-              </a:lnSpc>
-              <a:spcBef>
-                <a:spcPct val="0"/>
-              </a:spcBef>
-              <a:buNone/>
-              <a:defRPr sz="6000" kern="1200">
-                <a:solidFill>
-                  <a:schemeClr val="lt1"/>
-                </a:solidFill>
-                <a:latin typeface="+mn-lt"/>
-                <a:ea typeface="+mn-ea"/>
-                <a:cs typeface="+mn-cs"/>
-              </a:defRPr>
-            </a:lvl1pPr>
-            <a:lvl2pPr>
-              <a:defRPr>
-                <a:solidFill>
-                  <a:schemeClr val="lt1"/>
-                </a:solidFill>
-                <a:latin typeface="+mn-lt"/>
-                <a:ea typeface="+mn-ea"/>
-                <a:cs typeface="+mn-cs"/>
-              </a:defRPr>
-            </a:lvl2pPr>
-            <a:lvl3pPr>
-              <a:defRPr>
-                <a:solidFill>
-                  <a:schemeClr val="lt1"/>
-                </a:solidFill>
-                <a:latin typeface="+mn-lt"/>
-                <a:ea typeface="+mn-ea"/>
-                <a:cs typeface="+mn-cs"/>
-              </a:defRPr>
-            </a:lvl3pPr>
-            <a:lvl4pPr>
-              <a:defRPr>
-                <a:solidFill>
-                  <a:schemeClr val="lt1"/>
-                </a:solidFill>
-                <a:latin typeface="+mn-lt"/>
-                <a:ea typeface="+mn-ea"/>
-                <a:cs typeface="+mn-cs"/>
-              </a:defRPr>
-            </a:lvl4pPr>
-            <a:lvl5pPr>
-              <a:defRPr>
-                <a:solidFill>
-                  <a:schemeClr val="lt1"/>
-                </a:solidFill>
-                <a:latin typeface="+mn-lt"/>
-                <a:ea typeface="+mn-ea"/>
-                <a:cs typeface="+mn-cs"/>
-              </a:defRPr>
-            </a:lvl5pPr>
-            <a:lvl6pPr>
-              <a:defRPr>
-                <a:solidFill>
-                  <a:schemeClr val="lt1"/>
-                </a:solidFill>
-                <a:latin typeface="+mn-lt"/>
-                <a:ea typeface="+mn-ea"/>
-                <a:cs typeface="+mn-cs"/>
-              </a:defRPr>
-            </a:lvl6pPr>
-            <a:lvl7pPr>
-              <a:defRPr>
-                <a:solidFill>
-                  <a:schemeClr val="lt1"/>
-                </a:solidFill>
-                <a:latin typeface="+mn-lt"/>
-                <a:ea typeface="+mn-ea"/>
-                <a:cs typeface="+mn-cs"/>
-              </a:defRPr>
-            </a:lvl7pPr>
-            <a:lvl8pPr>
-              <a:defRPr>
-                <a:solidFill>
-                  <a:schemeClr val="lt1"/>
-                </a:solidFill>
-                <a:latin typeface="+mn-lt"/>
-                <a:ea typeface="+mn-ea"/>
-                <a:cs typeface="+mn-cs"/>
-              </a:defRPr>
-            </a:lvl8pPr>
-            <a:lvl9pPr>
-              <a:defRPr>
-                <a:solidFill>
-                  <a:schemeClr val="lt1"/>
-                </a:solidFill>
-                <a:latin typeface="+mn-lt"/>
-                <a:ea typeface="+mn-ea"/>
-                <a:cs typeface="+mn-cs"/>
-              </a:defRPr>
-            </a:lvl9pPr>
-          </a:lstStyle>
-          <a:p>
+          <a:lstStyle/>
+          <a:p>
+            <a:pPr algn="ctr"/>
+            <a:endParaRPr lang="en-US" altLang="zh-CN" b="0" i="0" dirty="0">
+              <a:solidFill>
+                <a:srgbClr val="002630"/>
+              </a:solidFill>
+              <a:effectLst/>
+              <a:latin typeface="ember"/>
+            </a:endParaRPr>
+          </a:p>
+        </p:txBody>
+      </p:sp>
+      <p:sp>
+        <p:nvSpPr>
+          <p:cNvPr id="9" name="矩形 8">
+            <a:extLst>
+              <a:ext uri="{FF2B5EF4-FFF2-40B4-BE49-F238E27FC236}">
+                <a16:creationId xmlns:a16="http://schemas.microsoft.com/office/drawing/2014/main" id="{FB4112E2-D795-4162-BB66-3A943B3F60DA}"/>
+              </a:ext>
+            </a:extLst>
+          </p:cNvPr>
+          <p:cNvSpPr/>
+          <p:nvPr/>
+        </p:nvSpPr>
+        <p:spPr>
+          <a:xfrm>
+            <a:off x="5585475" y="4954153"/>
+            <a:ext cx="2260569" cy="914400"/>
+          </a:xfrm>
+          <a:prstGeom prst="rect">
+            <a:avLst/>
+          </a:prstGeom>
+          <a:solidFill>
+            <a:schemeClr val="tx1">
+              <a:lumMod val="75000"/>
+              <a:lumOff val="25000"/>
+            </a:schemeClr>
+          </a:solidFill>
+        </p:spPr>
+        <p:style>
+          <a:lnRef idx="2">
+            <a:schemeClr val="accent1">
+              <a:shade val="50000"/>
+            </a:schemeClr>
+          </a:lnRef>
+          <a:fillRef idx="1">
+            <a:schemeClr val="accent1"/>
+          </a:fillRef>
+          <a:effectRef idx="0">
+            <a:schemeClr val="accent1"/>
+          </a:effectRef>
+          <a:fontRef idx="minor">
+            <a:schemeClr val="lt1"/>
+          </a:fontRef>
+        </p:style>
+        <p:txBody>
+          <a:bodyPr rtlCol="0" anchor="ctr"/>
+          <a:lstStyle/>
+          <a:p>
+            <a:pPr algn="ctr"/>
+            <a:r>
+              <a:rPr lang="en-US" altLang="zh-CN" b="1" dirty="0"/>
+              <a:t>Database</a:t>
+            </a:r>
+          </a:p>
+        </p:txBody>
+      </p:sp>
+      <p:pic>
+        <p:nvPicPr>
+          <p:cNvPr id="10" name="图片 9">
+            <a:extLst>
+              <a:ext uri="{FF2B5EF4-FFF2-40B4-BE49-F238E27FC236}">
+                <a16:creationId xmlns:a16="http://schemas.microsoft.com/office/drawing/2014/main" id="{3A90D699-22A4-4914-A0E5-7F4EA9F94EEA}"/>
+              </a:ext>
+            </a:extLst>
+          </p:cNvPr>
+          <p:cNvPicPr>
+            <a:picLocks noChangeAspect="1"/>
+          </p:cNvPicPr>
+          <p:nvPr/>
+        </p:nvPicPr>
+        <p:blipFill>
+          <a:blip r:embed="rId6"/>
+          <a:stretch>
+            <a:fillRect/>
+          </a:stretch>
+        </p:blipFill>
+        <p:spPr>
+          <a:xfrm>
+            <a:off x="1625880" y="5137009"/>
+            <a:ext cx="670618" cy="548688"/>
+          </a:xfrm>
+          <a:prstGeom prst="rect">
+            <a:avLst/>
+          </a:prstGeom>
+        </p:spPr>
+      </p:pic>
+      <p:sp>
+        <p:nvSpPr>
+          <p:cNvPr id="15" name="矩形 14">
+            <a:extLst>
+              <a:ext uri="{FF2B5EF4-FFF2-40B4-BE49-F238E27FC236}">
+                <a16:creationId xmlns:a16="http://schemas.microsoft.com/office/drawing/2014/main" id="{D1BBD1DC-9B24-487B-89F1-1AA021D934E7}"/>
+              </a:ext>
+            </a:extLst>
+          </p:cNvPr>
+          <p:cNvSpPr/>
+          <p:nvPr/>
+        </p:nvSpPr>
+        <p:spPr>
+          <a:xfrm>
+            <a:off x="1838130" y="3998167"/>
+            <a:ext cx="1474237" cy="914400"/>
+          </a:xfrm>
+          <a:prstGeom prst="rect">
+            <a:avLst/>
+          </a:prstGeom>
+          <a:solidFill>
+            <a:schemeClr val="tx1">
+              <a:lumMod val="75000"/>
+              <a:lumOff val="25000"/>
+            </a:schemeClr>
+          </a:solidFill>
+        </p:spPr>
+        <p:style>
+          <a:lnRef idx="2">
+            <a:schemeClr val="accent1">
+              <a:shade val="50000"/>
+            </a:schemeClr>
+          </a:lnRef>
+          <a:fillRef idx="1">
+            <a:schemeClr val="accent1"/>
+          </a:fillRef>
+          <a:effectRef idx="0">
+            <a:schemeClr val="accent1"/>
+          </a:effectRef>
+          <a:fontRef idx="minor">
+            <a:schemeClr val="lt1"/>
+          </a:fontRef>
+        </p:style>
+        <p:txBody>
+          <a:bodyPr rtlCol="0" anchor="ctr"/>
+          <a:lstStyle/>
+          <a:p>
+            <a:pPr algn="ctr"/>
+            <a:r>
+              <a:rPr lang="en-US" altLang="zh-CN" b="1" dirty="0"/>
+              <a:t>Yolov3</a:t>
+            </a:r>
+            <a:endParaRPr lang="zh-CN" altLang="en-US" b="1" dirty="0"/>
+          </a:p>
+        </p:txBody>
+      </p:sp>
+      <p:sp>
+        <p:nvSpPr>
+          <p:cNvPr id="16" name="矩形 15">
+            <a:extLst>
+              <a:ext uri="{FF2B5EF4-FFF2-40B4-BE49-F238E27FC236}">
+                <a16:creationId xmlns:a16="http://schemas.microsoft.com/office/drawing/2014/main" id="{10BF346A-A74B-4D4F-980F-DCE3DB4A87E0}"/>
+              </a:ext>
+            </a:extLst>
+          </p:cNvPr>
+          <p:cNvSpPr/>
+          <p:nvPr/>
+        </p:nvSpPr>
+        <p:spPr>
+          <a:xfrm>
+            <a:off x="3415003" y="3998167"/>
+            <a:ext cx="1474237" cy="914400"/>
+          </a:xfrm>
+          <a:prstGeom prst="rect">
+            <a:avLst/>
+          </a:prstGeom>
+          <a:solidFill>
+            <a:schemeClr val="tx1">
+              <a:lumMod val="75000"/>
+              <a:lumOff val="25000"/>
+            </a:schemeClr>
+          </a:solidFill>
+        </p:spPr>
+        <p:style>
+          <a:lnRef idx="2">
+            <a:schemeClr val="accent1">
+              <a:shade val="50000"/>
+            </a:schemeClr>
+          </a:lnRef>
+          <a:fillRef idx="1">
+            <a:schemeClr val="accent1"/>
+          </a:fillRef>
+          <a:effectRef idx="0">
+            <a:schemeClr val="accent1"/>
+          </a:effectRef>
+          <a:fontRef idx="minor">
+            <a:schemeClr val="lt1"/>
+          </a:fontRef>
+        </p:style>
+        <p:txBody>
+          <a:bodyPr rtlCol="0" anchor="ctr"/>
+          <a:lstStyle/>
+          <a:p>
+            <a:pPr algn="ctr"/>
+            <a:r>
+              <a:rPr lang="en-US" altLang="zh-CN" b="1" dirty="0"/>
+              <a:t>ArcFace </a:t>
+            </a:r>
+            <a:endParaRPr lang="zh-CN" altLang="en-US" b="1" dirty="0"/>
+          </a:p>
+        </p:txBody>
+      </p:sp>
+      <p:sp>
+        <p:nvSpPr>
+          <p:cNvPr id="18" name="矩形 17">
+            <a:extLst>
+              <a:ext uri="{FF2B5EF4-FFF2-40B4-BE49-F238E27FC236}">
+                <a16:creationId xmlns:a16="http://schemas.microsoft.com/office/drawing/2014/main" id="{6F52F97D-021F-4AC8-96DB-A7D34673BBC0}"/>
+              </a:ext>
+            </a:extLst>
+          </p:cNvPr>
+          <p:cNvSpPr/>
+          <p:nvPr/>
+        </p:nvSpPr>
+        <p:spPr>
+          <a:xfrm>
+            <a:off x="4991876" y="3991236"/>
+            <a:ext cx="2683111" cy="914400"/>
+          </a:xfrm>
+          <a:prstGeom prst="rect">
+            <a:avLst/>
+          </a:prstGeom>
+          <a:solidFill>
+            <a:schemeClr val="tx1">
+              <a:lumMod val="75000"/>
+              <a:lumOff val="25000"/>
+            </a:schemeClr>
+          </a:solidFill>
+        </p:spPr>
+        <p:style>
+          <a:lnRef idx="2">
+            <a:schemeClr val="accent1">
+              <a:shade val="50000"/>
+            </a:schemeClr>
+          </a:lnRef>
+          <a:fillRef idx="1">
+            <a:schemeClr val="accent1"/>
+          </a:fillRef>
+          <a:effectRef idx="0">
+            <a:schemeClr val="accent1"/>
+          </a:effectRef>
+          <a:fontRef idx="minor">
+            <a:schemeClr val="lt1"/>
+          </a:fontRef>
+        </p:style>
+        <p:txBody>
+          <a:bodyPr rtlCol="0" anchor="ctr"/>
+          <a:lstStyle/>
+          <a:p>
+            <a:pPr algn="ctr"/>
+            <a:r>
+              <a:rPr lang="en-US" altLang="zh-CN" b="1" dirty="0"/>
+              <a:t>Record&amp;Query </a:t>
+            </a:r>
+            <a:endParaRPr lang="zh-CN" altLang="en-US" b="1" dirty="0"/>
+          </a:p>
+        </p:txBody>
+      </p:sp>
+      <p:sp>
+        <p:nvSpPr>
+          <p:cNvPr id="19" name="矩形 18">
+            <a:extLst>
+              <a:ext uri="{FF2B5EF4-FFF2-40B4-BE49-F238E27FC236}">
+                <a16:creationId xmlns:a16="http://schemas.microsoft.com/office/drawing/2014/main" id="{989EEBFB-01CC-4C4A-8242-B3F42E7D49B9}"/>
+              </a:ext>
+            </a:extLst>
+          </p:cNvPr>
+          <p:cNvSpPr/>
+          <p:nvPr/>
+        </p:nvSpPr>
+        <p:spPr>
+          <a:xfrm>
+            <a:off x="1838129" y="1912828"/>
+            <a:ext cx="1917364" cy="649222"/>
+          </a:xfrm>
+          <a:prstGeom prst="rect">
+            <a:avLst/>
+          </a:prstGeom>
+          <a:solidFill>
+            <a:schemeClr val="accent3">
+              <a:lumMod val="20000"/>
+              <a:lumOff val="80000"/>
+            </a:schemeClr>
+          </a:solidFill>
+        </p:spPr>
+        <p:style>
+          <a:lnRef idx="2">
+            <a:schemeClr val="accent1">
+              <a:shade val="50000"/>
+            </a:schemeClr>
+          </a:lnRef>
+          <a:fillRef idx="1">
+            <a:schemeClr val="accent1"/>
+          </a:fillRef>
+          <a:effectRef idx="0">
+            <a:schemeClr val="accent1"/>
+          </a:effectRef>
+          <a:fontRef idx="minor">
+            <a:schemeClr val="lt1"/>
+          </a:fontRef>
+        </p:style>
+        <p:txBody>
+          <a:bodyPr rtlCol="0" anchor="ctr"/>
+          <a:lstStyle/>
+          <a:p>
+            <a:pPr algn="ctr"/>
+            <a:r>
+              <a:rPr lang="zh-CN" altLang="en-US" b="1" dirty="0">
+                <a:solidFill>
+                  <a:schemeClr val="tx1"/>
+                </a:solidFill>
+              </a:rPr>
+              <a:t>宠物进出记录</a:t>
+            </a:r>
+          </a:p>
+        </p:txBody>
+      </p:sp>
+      <p:sp>
+        <p:nvSpPr>
+          <p:cNvPr id="20" name="矩形 19">
+            <a:extLst>
+              <a:ext uri="{FF2B5EF4-FFF2-40B4-BE49-F238E27FC236}">
+                <a16:creationId xmlns:a16="http://schemas.microsoft.com/office/drawing/2014/main" id="{A4A72E7E-C293-4677-B674-EF1DB1B08255}"/>
+              </a:ext>
+            </a:extLst>
+          </p:cNvPr>
+          <p:cNvSpPr/>
+          <p:nvPr/>
+        </p:nvSpPr>
+        <p:spPr>
+          <a:xfrm>
+            <a:off x="1838129" y="2615689"/>
+            <a:ext cx="2043406" cy="649222"/>
+          </a:xfrm>
+          <a:prstGeom prst="rect">
+            <a:avLst/>
+          </a:prstGeom>
+          <a:solidFill>
+            <a:schemeClr val="bg1">
+              <a:lumMod val="95000"/>
+            </a:schemeClr>
+          </a:solidFill>
+          <a:ln>
+            <a:solidFill>
+              <a:schemeClr val="tx2"/>
+            </a:solidFill>
+          </a:ln>
+        </p:spPr>
+        <p:style>
+          <a:lnRef idx="2">
+            <a:schemeClr val="accent1">
+              <a:shade val="50000"/>
+            </a:schemeClr>
+          </a:lnRef>
+          <a:fillRef idx="1">
+            <a:schemeClr val="accent1"/>
+          </a:fillRef>
+          <a:effectRef idx="0">
+            <a:schemeClr val="accent1"/>
+          </a:effectRef>
+          <a:fontRef idx="minor">
+            <a:schemeClr val="lt1"/>
+          </a:fontRef>
+        </p:style>
+        <p:txBody>
+          <a:bodyPr rtlCol="0" anchor="ctr"/>
+          <a:lstStyle/>
+          <a:p>
+            <a:pPr algn="ctr"/>
+            <a:r>
+              <a:rPr lang="zh-CN" altLang="en-US" b="1" dirty="0">
+                <a:solidFill>
+                  <a:schemeClr val="tx1"/>
+                </a:solidFill>
+              </a:rPr>
+              <a:t>流浪动物进出记录</a:t>
+            </a:r>
+          </a:p>
+        </p:txBody>
+      </p:sp>
+      <p:sp>
+        <p:nvSpPr>
+          <p:cNvPr id="21" name="矩形 20">
+            <a:extLst>
+              <a:ext uri="{FF2B5EF4-FFF2-40B4-BE49-F238E27FC236}">
+                <a16:creationId xmlns:a16="http://schemas.microsoft.com/office/drawing/2014/main" id="{2CDB487F-7C92-4507-A906-AFE6C04F8D14}"/>
+              </a:ext>
+            </a:extLst>
+          </p:cNvPr>
+          <p:cNvSpPr/>
+          <p:nvPr/>
+        </p:nvSpPr>
+        <p:spPr>
+          <a:xfrm>
+            <a:off x="1838129" y="3306928"/>
+            <a:ext cx="2043406" cy="649222"/>
+          </a:xfrm>
+          <a:prstGeom prst="rect">
+            <a:avLst/>
+          </a:prstGeom>
+          <a:solidFill>
+            <a:schemeClr val="bg2"/>
+          </a:solidFill>
+        </p:spPr>
+        <p:style>
+          <a:lnRef idx="2">
+            <a:schemeClr val="accent1">
+              <a:shade val="50000"/>
+            </a:schemeClr>
+          </a:lnRef>
+          <a:fillRef idx="1">
+            <a:schemeClr val="accent1"/>
+          </a:fillRef>
+          <a:effectRef idx="0">
+            <a:schemeClr val="accent1"/>
+          </a:effectRef>
+          <a:fontRef idx="minor">
+            <a:schemeClr val="lt1"/>
+          </a:fontRef>
+        </p:style>
+        <p:txBody>
+          <a:bodyPr rtlCol="0" anchor="ctr"/>
+          <a:lstStyle/>
+          <a:p>
+            <a:pPr algn="ctr"/>
+            <a:r>
+              <a:rPr lang="zh-CN" altLang="en-US" b="1" dirty="0">
+                <a:solidFill>
+                  <a:schemeClr val="tx1"/>
+                </a:solidFill>
+              </a:rPr>
+              <a:t>宝贝宠物回家计划</a:t>
+            </a:r>
+          </a:p>
+        </p:txBody>
+      </p:sp>
+      <p:sp>
+        <p:nvSpPr>
+          <p:cNvPr id="22" name="矩形 21">
+            <a:extLst>
+              <a:ext uri="{FF2B5EF4-FFF2-40B4-BE49-F238E27FC236}">
+                <a16:creationId xmlns:a16="http://schemas.microsoft.com/office/drawing/2014/main" id="{B05BF548-B9BB-4533-841B-E445AEC7247B}"/>
+              </a:ext>
+            </a:extLst>
+          </p:cNvPr>
+          <p:cNvSpPr/>
+          <p:nvPr/>
+        </p:nvSpPr>
+        <p:spPr>
+          <a:xfrm>
+            <a:off x="3795060" y="1945459"/>
+            <a:ext cx="2261373" cy="649222"/>
+          </a:xfrm>
+          <a:prstGeom prst="rect">
+            <a:avLst/>
+          </a:prstGeom>
+          <a:solidFill>
+            <a:schemeClr val="tx1">
+              <a:lumMod val="75000"/>
+              <a:lumOff val="25000"/>
+            </a:schemeClr>
+          </a:solidFill>
+        </p:spPr>
+        <p:style>
+          <a:lnRef idx="2">
+            <a:schemeClr val="accent1">
+              <a:shade val="50000"/>
+            </a:schemeClr>
+          </a:lnRef>
+          <a:fillRef idx="1">
+            <a:schemeClr val="accent1"/>
+          </a:fillRef>
+          <a:effectRef idx="0">
+            <a:schemeClr val="accent1"/>
+          </a:effectRef>
+          <a:fontRef idx="minor">
+            <a:schemeClr val="lt1"/>
+          </a:fontRef>
+        </p:style>
+        <p:txBody>
+          <a:bodyPr rtlCol="0" anchor="ctr"/>
+          <a:lstStyle/>
+          <a:p>
+            <a:pPr algn="ctr"/>
             <a:r>
               <a:rPr lang="zh-CN" altLang="en-US" b="1" dirty="0"/>
-              <a:t>宠物收容中心</a:t>
-            </a:r>
-          </a:p>
-        </p:txBody>
-      </p:sp>
-      <p:sp>
-        <p:nvSpPr>
-          <p:cNvPr id="7" name="标题 3">
-            <a:extLst>
-              <a:ext uri="{FF2B5EF4-FFF2-40B4-BE49-F238E27FC236}">
-                <a16:creationId xmlns:a16="http://schemas.microsoft.com/office/drawing/2014/main" id="{B606FD40-5CCA-4EC1-9917-13898DDAA58A}"/>
+              <a:t>业主登记宠物信息</a:t>
+            </a:r>
+          </a:p>
+        </p:txBody>
+      </p:sp>
+      <p:sp>
+        <p:nvSpPr>
+          <p:cNvPr id="23" name="矩形 22">
+            <a:extLst>
+              <a:ext uri="{FF2B5EF4-FFF2-40B4-BE49-F238E27FC236}">
+                <a16:creationId xmlns:a16="http://schemas.microsoft.com/office/drawing/2014/main" id="{A2D64326-7DB6-44BE-81CC-D44459B9FD17}"/>
+              </a:ext>
+            </a:extLst>
+          </p:cNvPr>
+          <p:cNvSpPr/>
+          <p:nvPr/>
+        </p:nvSpPr>
+        <p:spPr>
+          <a:xfrm>
+            <a:off x="6096000" y="1945459"/>
+            <a:ext cx="2181135" cy="649222"/>
+          </a:xfrm>
+          <a:prstGeom prst="rect">
+            <a:avLst/>
+          </a:prstGeom>
+          <a:solidFill>
+            <a:schemeClr val="tx1">
+              <a:lumMod val="75000"/>
+              <a:lumOff val="25000"/>
+            </a:schemeClr>
+          </a:solidFill>
+        </p:spPr>
+        <p:style>
+          <a:lnRef idx="2">
+            <a:schemeClr val="accent1">
+              <a:shade val="50000"/>
+            </a:schemeClr>
+          </a:lnRef>
+          <a:fillRef idx="1">
+            <a:schemeClr val="accent1"/>
+          </a:fillRef>
+          <a:effectRef idx="0">
+            <a:schemeClr val="accent1"/>
+          </a:effectRef>
+          <a:fontRef idx="minor">
+            <a:schemeClr val="lt1"/>
+          </a:fontRef>
+        </p:style>
+        <p:txBody>
+          <a:bodyPr rtlCol="0" anchor="ctr"/>
+          <a:lstStyle/>
+          <a:p>
+            <a:pPr algn="ctr"/>
+            <a:r>
+              <a:rPr lang="zh-CN" altLang="en-US" b="1" dirty="0"/>
+              <a:t>宠物进出智能通知</a:t>
+            </a:r>
+          </a:p>
+        </p:txBody>
+      </p:sp>
+      <p:sp>
+        <p:nvSpPr>
+          <p:cNvPr id="24" name="矩形 23">
+            <a:extLst>
+              <a:ext uri="{FF2B5EF4-FFF2-40B4-BE49-F238E27FC236}">
+                <a16:creationId xmlns:a16="http://schemas.microsoft.com/office/drawing/2014/main" id="{E63FE50C-A178-4E49-9F62-417934FF5EC8}"/>
+              </a:ext>
+            </a:extLst>
+          </p:cNvPr>
+          <p:cNvSpPr/>
+          <p:nvPr/>
+        </p:nvSpPr>
+        <p:spPr>
+          <a:xfrm>
+            <a:off x="8316702" y="1945459"/>
+            <a:ext cx="2516139" cy="649222"/>
+          </a:xfrm>
+          <a:prstGeom prst="rect">
+            <a:avLst/>
+          </a:prstGeom>
+          <a:solidFill>
+            <a:schemeClr val="tx1">
+              <a:lumMod val="75000"/>
+              <a:lumOff val="25000"/>
+            </a:schemeClr>
+          </a:solidFill>
+        </p:spPr>
+        <p:style>
+          <a:lnRef idx="2">
+            <a:schemeClr val="accent1">
+              <a:shade val="50000"/>
+            </a:schemeClr>
+          </a:lnRef>
+          <a:fillRef idx="1">
+            <a:schemeClr val="accent1"/>
+          </a:fillRef>
+          <a:effectRef idx="0">
+            <a:schemeClr val="accent1"/>
+          </a:effectRef>
+          <a:fontRef idx="minor">
+            <a:schemeClr val="lt1"/>
+          </a:fontRef>
+        </p:style>
+        <p:txBody>
+          <a:bodyPr rtlCol="0" anchor="ctr"/>
+          <a:lstStyle/>
+          <a:p>
+            <a:pPr algn="ctr"/>
+            <a:r>
+              <a:rPr lang="zh-CN" altLang="en-US" b="1" dirty="0"/>
+              <a:t>宠物进出记录快速定位</a:t>
+            </a:r>
+          </a:p>
+        </p:txBody>
+      </p:sp>
+      <p:sp>
+        <p:nvSpPr>
+          <p:cNvPr id="25" name="矩形 24">
+            <a:extLst>
+              <a:ext uri="{FF2B5EF4-FFF2-40B4-BE49-F238E27FC236}">
+                <a16:creationId xmlns:a16="http://schemas.microsoft.com/office/drawing/2014/main" id="{FB677E64-9812-43F6-A208-03BDB9497145}"/>
+              </a:ext>
+            </a:extLst>
+          </p:cNvPr>
+          <p:cNvSpPr/>
+          <p:nvPr/>
+        </p:nvSpPr>
+        <p:spPr>
+          <a:xfrm>
+            <a:off x="3914865" y="2619477"/>
+            <a:ext cx="2181135" cy="649222"/>
+          </a:xfrm>
+          <a:prstGeom prst="rect">
+            <a:avLst/>
+          </a:prstGeom>
+          <a:solidFill>
+            <a:schemeClr val="tx1">
+              <a:lumMod val="75000"/>
+              <a:lumOff val="25000"/>
+            </a:schemeClr>
+          </a:solidFill>
+        </p:spPr>
+        <p:style>
+          <a:lnRef idx="2">
+            <a:schemeClr val="accent1">
+              <a:shade val="50000"/>
+            </a:schemeClr>
+          </a:lnRef>
+          <a:fillRef idx="1">
+            <a:schemeClr val="accent1"/>
+          </a:fillRef>
+          <a:effectRef idx="0">
+            <a:schemeClr val="accent1"/>
+          </a:effectRef>
+          <a:fontRef idx="minor">
+            <a:schemeClr val="lt1"/>
+          </a:fontRef>
+        </p:style>
+        <p:txBody>
+          <a:bodyPr rtlCol="0" anchor="ctr"/>
+          <a:lstStyle/>
+          <a:p>
+            <a:pPr algn="ctr"/>
+            <a:r>
+              <a:rPr lang="zh-CN" altLang="en-US" b="1" dirty="0"/>
+              <a:t>丢失宠物验证</a:t>
+            </a:r>
+          </a:p>
+        </p:txBody>
+      </p:sp>
+      <p:sp>
+        <p:nvSpPr>
+          <p:cNvPr id="26" name="矩形 25">
+            <a:extLst>
+              <a:ext uri="{FF2B5EF4-FFF2-40B4-BE49-F238E27FC236}">
+                <a16:creationId xmlns:a16="http://schemas.microsoft.com/office/drawing/2014/main" id="{9A860BAB-7610-4B29-8C34-8EAAA6109817}"/>
+              </a:ext>
+            </a:extLst>
+          </p:cNvPr>
+          <p:cNvSpPr/>
+          <p:nvPr/>
+        </p:nvSpPr>
+        <p:spPr>
+          <a:xfrm>
+            <a:off x="6149569" y="2636616"/>
+            <a:ext cx="2260569" cy="649222"/>
+          </a:xfrm>
+          <a:prstGeom prst="rect">
+            <a:avLst/>
+          </a:prstGeom>
+          <a:solidFill>
+            <a:schemeClr val="tx1">
+              <a:lumMod val="75000"/>
+              <a:lumOff val="25000"/>
+            </a:schemeClr>
+          </a:solidFill>
+        </p:spPr>
+        <p:style>
+          <a:lnRef idx="2">
+            <a:schemeClr val="accent1">
+              <a:shade val="50000"/>
+            </a:schemeClr>
+          </a:lnRef>
+          <a:fillRef idx="1">
+            <a:schemeClr val="accent1"/>
+          </a:fillRef>
+          <a:effectRef idx="0">
+            <a:schemeClr val="accent1"/>
+          </a:effectRef>
+          <a:fontRef idx="minor">
+            <a:schemeClr val="lt1"/>
+          </a:fontRef>
+        </p:style>
+        <p:txBody>
+          <a:bodyPr rtlCol="0" anchor="ctr"/>
+          <a:lstStyle/>
+          <a:p>
+            <a:pPr algn="ctr"/>
+            <a:r>
+              <a:rPr lang="zh-CN" altLang="en-US" b="1" dirty="0"/>
+              <a:t>物业统一管理</a:t>
+            </a:r>
+          </a:p>
+        </p:txBody>
+      </p:sp>
+      <p:sp>
+        <p:nvSpPr>
+          <p:cNvPr id="27" name="矩形 26">
+            <a:extLst>
+              <a:ext uri="{FF2B5EF4-FFF2-40B4-BE49-F238E27FC236}">
+                <a16:creationId xmlns:a16="http://schemas.microsoft.com/office/drawing/2014/main" id="{68D3588E-0E94-4041-8A23-9A93F0F541B6}"/>
+              </a:ext>
+            </a:extLst>
+          </p:cNvPr>
+          <p:cNvSpPr/>
+          <p:nvPr/>
+        </p:nvSpPr>
+        <p:spPr>
+          <a:xfrm>
+            <a:off x="8463707" y="2636616"/>
+            <a:ext cx="2369134" cy="649222"/>
+          </a:xfrm>
+          <a:prstGeom prst="rect">
+            <a:avLst/>
+          </a:prstGeom>
+          <a:solidFill>
+            <a:schemeClr val="tx1">
+              <a:lumMod val="75000"/>
+              <a:lumOff val="25000"/>
+            </a:schemeClr>
+          </a:solidFill>
+        </p:spPr>
+        <p:style>
+          <a:lnRef idx="2">
+            <a:schemeClr val="accent1">
+              <a:shade val="50000"/>
+            </a:schemeClr>
+          </a:lnRef>
+          <a:fillRef idx="1">
+            <a:schemeClr val="accent1"/>
+          </a:fillRef>
+          <a:effectRef idx="0">
+            <a:schemeClr val="accent1"/>
+          </a:effectRef>
+          <a:fontRef idx="minor">
+            <a:schemeClr val="lt1"/>
+          </a:fontRef>
+        </p:style>
+        <p:txBody>
+          <a:bodyPr rtlCol="0" anchor="ctr"/>
+          <a:lstStyle/>
+          <a:p>
+            <a:pPr algn="ctr"/>
+            <a:r>
+              <a:rPr lang="zh-CN" altLang="en-US" b="1" dirty="0"/>
+              <a:t>关护行动</a:t>
+            </a:r>
+          </a:p>
+        </p:txBody>
+      </p:sp>
+      <p:sp>
+        <p:nvSpPr>
+          <p:cNvPr id="28" name="矩形 27">
+            <a:extLst>
+              <a:ext uri="{FF2B5EF4-FFF2-40B4-BE49-F238E27FC236}">
+                <a16:creationId xmlns:a16="http://schemas.microsoft.com/office/drawing/2014/main" id="{554DAC9F-2A1B-40C7-914A-1A8036B81317}"/>
+              </a:ext>
+            </a:extLst>
+          </p:cNvPr>
+          <p:cNvSpPr/>
+          <p:nvPr/>
+        </p:nvSpPr>
+        <p:spPr>
+          <a:xfrm>
+            <a:off x="3941379" y="3300428"/>
+            <a:ext cx="2516139" cy="649222"/>
+          </a:xfrm>
+          <a:prstGeom prst="rect">
+            <a:avLst/>
+          </a:prstGeom>
+          <a:solidFill>
+            <a:schemeClr val="tx1">
+              <a:lumMod val="75000"/>
+              <a:lumOff val="25000"/>
+            </a:schemeClr>
+          </a:solidFill>
+        </p:spPr>
+        <p:style>
+          <a:lnRef idx="2">
+            <a:schemeClr val="accent1">
+              <a:shade val="50000"/>
+            </a:schemeClr>
+          </a:lnRef>
+          <a:fillRef idx="1">
+            <a:schemeClr val="accent1"/>
+          </a:fillRef>
+          <a:effectRef idx="0">
+            <a:schemeClr val="accent1"/>
+          </a:effectRef>
+          <a:fontRef idx="minor">
+            <a:schemeClr val="lt1"/>
+          </a:fontRef>
+        </p:style>
+        <p:txBody>
+          <a:bodyPr rtlCol="0" anchor="ctr"/>
+          <a:lstStyle/>
+          <a:p>
+            <a:pPr algn="ctr"/>
+            <a:r>
+              <a:rPr lang="zh-CN" altLang="en-US" b="1" dirty="0"/>
+              <a:t>宠物进出记录快速定位</a:t>
+            </a:r>
+          </a:p>
+        </p:txBody>
+      </p:sp>
+      <p:sp>
+        <p:nvSpPr>
+          <p:cNvPr id="29" name="矩形 28">
+            <a:extLst>
+              <a:ext uri="{FF2B5EF4-FFF2-40B4-BE49-F238E27FC236}">
+                <a16:creationId xmlns:a16="http://schemas.microsoft.com/office/drawing/2014/main" id="{0F19C59E-905F-4DB7-A275-F09A3977526F}"/>
+              </a:ext>
+            </a:extLst>
+          </p:cNvPr>
+          <p:cNvSpPr/>
+          <p:nvPr/>
+        </p:nvSpPr>
+        <p:spPr>
+          <a:xfrm>
+            <a:off x="6517362" y="3306928"/>
+            <a:ext cx="2181135" cy="649222"/>
+          </a:xfrm>
+          <a:prstGeom prst="rect">
+            <a:avLst/>
+          </a:prstGeom>
+          <a:solidFill>
+            <a:schemeClr val="tx1">
+              <a:lumMod val="75000"/>
+              <a:lumOff val="25000"/>
+            </a:schemeClr>
+          </a:solidFill>
+        </p:spPr>
+        <p:style>
+          <a:lnRef idx="2">
+            <a:schemeClr val="accent1">
+              <a:shade val="50000"/>
+            </a:schemeClr>
+          </a:lnRef>
+          <a:fillRef idx="1">
+            <a:schemeClr val="accent1"/>
+          </a:fillRef>
+          <a:effectRef idx="0">
+            <a:schemeClr val="accent1"/>
+          </a:effectRef>
+          <a:fontRef idx="minor">
+            <a:schemeClr val="lt1"/>
+          </a:fontRef>
+        </p:style>
+        <p:txBody>
+          <a:bodyPr rtlCol="0" anchor="ctr"/>
+          <a:lstStyle/>
+          <a:p>
+            <a:pPr algn="ctr"/>
+            <a:r>
+              <a:rPr lang="zh-CN" altLang="en-US" b="1" dirty="0"/>
+              <a:t>流浪宠物比对</a:t>
+            </a:r>
+          </a:p>
+        </p:txBody>
+      </p:sp>
+      <p:sp>
+        <p:nvSpPr>
+          <p:cNvPr id="30" name="矩形 29">
+            <a:extLst>
+              <a:ext uri="{FF2B5EF4-FFF2-40B4-BE49-F238E27FC236}">
+                <a16:creationId xmlns:a16="http://schemas.microsoft.com/office/drawing/2014/main" id="{BDD32F05-1A21-474C-BE3A-D8BC252017B7}"/>
+              </a:ext>
+            </a:extLst>
+          </p:cNvPr>
+          <p:cNvSpPr/>
+          <p:nvPr/>
+        </p:nvSpPr>
+        <p:spPr>
+          <a:xfrm>
+            <a:off x="8752066" y="3311689"/>
+            <a:ext cx="2080775" cy="649222"/>
+          </a:xfrm>
+          <a:prstGeom prst="rect">
+            <a:avLst/>
+          </a:prstGeom>
+          <a:solidFill>
+            <a:schemeClr val="tx1">
+              <a:lumMod val="75000"/>
+              <a:lumOff val="25000"/>
+            </a:schemeClr>
+          </a:solidFill>
+        </p:spPr>
+        <p:style>
+          <a:lnRef idx="2">
+            <a:schemeClr val="accent1">
+              <a:shade val="50000"/>
+            </a:schemeClr>
+          </a:lnRef>
+          <a:fillRef idx="1">
+            <a:schemeClr val="accent1"/>
+          </a:fillRef>
+          <a:effectRef idx="0">
+            <a:schemeClr val="accent1"/>
+          </a:effectRef>
+          <a:fontRef idx="minor">
+            <a:schemeClr val="lt1"/>
+          </a:fontRef>
+        </p:style>
+        <p:txBody>
+          <a:bodyPr rtlCol="0" anchor="ctr"/>
+          <a:lstStyle/>
+          <a:p>
+            <a:pPr algn="ctr"/>
+            <a:r>
+              <a:rPr lang="zh-CN" altLang="en-US" b="1" dirty="0"/>
+              <a:t>手环定位</a:t>
+            </a:r>
+          </a:p>
+        </p:txBody>
+      </p:sp>
+      <p:pic>
+        <p:nvPicPr>
+          <p:cNvPr id="32" name="图形 31" descr="比心">
+            <a:extLst>
+              <a:ext uri="{FF2B5EF4-FFF2-40B4-BE49-F238E27FC236}">
+                <a16:creationId xmlns:a16="http://schemas.microsoft.com/office/drawing/2014/main" id="{16DA1C27-B66D-4282-A18B-7C135CF0FB51}"/>
+              </a:ext>
+            </a:extLst>
+          </p:cNvPr>
+          <p:cNvPicPr>
+            <a:picLocks noChangeAspect="1"/>
+          </p:cNvPicPr>
+          <p:nvPr/>
+        </p:nvPicPr>
+        <p:blipFill>
+          <a:blip r:embed="rId7">
+            <a:extLst>
+              <a:ext uri="{28A0092B-C50C-407E-A947-70E740481C1C}">
+                <a14:useLocalDpi xmlns:a14="http://schemas.microsoft.com/office/drawing/2010/main" val="0"/>
+              </a:ext>
+              <a:ext uri="{96DAC541-7B7A-43D3-8B79-37D633B846F1}">
+                <asvg:svgBlip xmlns:asvg="http://schemas.microsoft.com/office/drawing/2016/SVG/main" r:embed="rId8"/>
+              </a:ext>
+            </a:extLst>
+          </a:blip>
+          <a:stretch>
+            <a:fillRect/>
+          </a:stretch>
+        </p:blipFill>
+        <p:spPr>
+          <a:xfrm>
+            <a:off x="599956" y="3268433"/>
+            <a:ext cx="914400" cy="914400"/>
+          </a:xfrm>
+          <a:prstGeom prst="rect">
+            <a:avLst/>
+          </a:prstGeom>
+        </p:spPr>
+      </p:pic>
+      <p:pic>
+        <p:nvPicPr>
+          <p:cNvPr id="34" name="图形 33" descr="猫">
+            <a:extLst>
+              <a:ext uri="{FF2B5EF4-FFF2-40B4-BE49-F238E27FC236}">
+                <a16:creationId xmlns:a16="http://schemas.microsoft.com/office/drawing/2014/main" id="{E39678C8-4363-4F7F-909F-057C9ACE4AE7}"/>
+              </a:ext>
+            </a:extLst>
+          </p:cNvPr>
+          <p:cNvPicPr>
+            <a:picLocks noChangeAspect="1"/>
+          </p:cNvPicPr>
+          <p:nvPr/>
+        </p:nvPicPr>
+        <p:blipFill>
+          <a:blip r:embed="rId9">
+            <a:extLst>
+              <a:ext uri="{28A0092B-C50C-407E-A947-70E740481C1C}">
+                <a14:useLocalDpi xmlns:a14="http://schemas.microsoft.com/office/drawing/2010/main" val="0"/>
+              </a:ext>
+              <a:ext uri="{96DAC541-7B7A-43D3-8B79-37D633B846F1}">
+                <asvg:svgBlip xmlns:asvg="http://schemas.microsoft.com/office/drawing/2016/SVG/main" r:embed="rId10"/>
+              </a:ext>
+            </a:extLst>
+          </a:blip>
+          <a:stretch>
+            <a:fillRect/>
+          </a:stretch>
+        </p:blipFill>
+        <p:spPr>
+          <a:xfrm>
+            <a:off x="11198645" y="2594681"/>
+            <a:ext cx="914400" cy="914400"/>
+          </a:xfrm>
+          <a:prstGeom prst="rect">
+            <a:avLst/>
+          </a:prstGeom>
+        </p:spPr>
+      </p:pic>
+      <p:pic>
+        <p:nvPicPr>
+          <p:cNvPr id="36" name="图形 35" descr="爪印">
+            <a:extLst>
+              <a:ext uri="{FF2B5EF4-FFF2-40B4-BE49-F238E27FC236}">
+                <a16:creationId xmlns:a16="http://schemas.microsoft.com/office/drawing/2014/main" id="{C83FA6F4-D91E-4889-BDE3-314CD47E5265}"/>
+              </a:ext>
+            </a:extLst>
+          </p:cNvPr>
+          <p:cNvPicPr>
+            <a:picLocks noChangeAspect="1"/>
+          </p:cNvPicPr>
+          <p:nvPr/>
+        </p:nvPicPr>
+        <p:blipFill>
+          <a:blip r:embed="rId11">
+            <a:extLst>
+              <a:ext uri="{28A0092B-C50C-407E-A947-70E740481C1C}">
+                <a14:useLocalDpi xmlns:a14="http://schemas.microsoft.com/office/drawing/2010/main" val="0"/>
+              </a:ext>
+              <a:ext uri="{96DAC541-7B7A-43D3-8B79-37D633B846F1}">
+                <asvg:svgBlip xmlns:asvg="http://schemas.microsoft.com/office/drawing/2016/SVG/main" r:embed="rId12"/>
+              </a:ext>
+            </a:extLst>
+          </a:blip>
+          <a:stretch>
+            <a:fillRect/>
+          </a:stretch>
+        </p:blipFill>
+        <p:spPr>
+          <a:xfrm>
+            <a:off x="682859" y="2458042"/>
+            <a:ext cx="914400" cy="914400"/>
+          </a:xfrm>
+          <a:prstGeom prst="rect">
+            <a:avLst/>
+          </a:prstGeom>
+        </p:spPr>
+      </p:pic>
+      <p:pic>
+        <p:nvPicPr>
+          <p:cNvPr id="38" name="图形 37" descr="兔子">
+            <a:extLst>
+              <a:ext uri="{FF2B5EF4-FFF2-40B4-BE49-F238E27FC236}">
+                <a16:creationId xmlns:a16="http://schemas.microsoft.com/office/drawing/2014/main" id="{E6B9C03F-2B81-4AF6-9D60-07A2883ED187}"/>
+              </a:ext>
+            </a:extLst>
+          </p:cNvPr>
+          <p:cNvPicPr>
+            <a:picLocks noChangeAspect="1"/>
+          </p:cNvPicPr>
+          <p:nvPr/>
+        </p:nvPicPr>
+        <p:blipFill>
+          <a:blip r:embed="rId13">
+            <a:extLst>
+              <a:ext uri="{28A0092B-C50C-407E-A947-70E740481C1C}">
+                <a14:useLocalDpi xmlns:a14="http://schemas.microsoft.com/office/drawing/2010/main" val="0"/>
+              </a:ext>
+              <a:ext uri="{96DAC541-7B7A-43D3-8B79-37D633B846F1}">
+                <asvg:svgBlip xmlns:asvg="http://schemas.microsoft.com/office/drawing/2016/SVG/main" r:embed="rId14"/>
+              </a:ext>
+            </a:extLst>
+          </a:blip>
+          <a:stretch>
+            <a:fillRect/>
+          </a:stretch>
+        </p:blipFill>
+        <p:spPr>
+          <a:xfrm>
+            <a:off x="10846113" y="1861247"/>
+            <a:ext cx="914400" cy="914400"/>
+          </a:xfrm>
+          <a:prstGeom prst="rect">
+            <a:avLst/>
+          </a:prstGeom>
+        </p:spPr>
+      </p:pic>
+      <p:pic>
+        <p:nvPicPr>
+          <p:cNvPr id="40" name="图形 39" descr="狗">
+            <a:extLst>
+              <a:ext uri="{FF2B5EF4-FFF2-40B4-BE49-F238E27FC236}">
+                <a16:creationId xmlns:a16="http://schemas.microsoft.com/office/drawing/2014/main" id="{358DF85B-7579-4D10-BE62-68BF3FD8FBD0}"/>
+              </a:ext>
+            </a:extLst>
+          </p:cNvPr>
+          <p:cNvPicPr>
+            <a:picLocks noChangeAspect="1"/>
+          </p:cNvPicPr>
+          <p:nvPr/>
+        </p:nvPicPr>
+        <p:blipFill>
+          <a:blip r:embed="rId15">
+            <a:extLst>
+              <a:ext uri="{28A0092B-C50C-407E-A947-70E740481C1C}">
+                <a14:useLocalDpi xmlns:a14="http://schemas.microsoft.com/office/drawing/2010/main" val="0"/>
+              </a:ext>
+              <a:ext uri="{96DAC541-7B7A-43D3-8B79-37D633B846F1}">
+                <asvg:svgBlip xmlns:asvg="http://schemas.microsoft.com/office/drawing/2016/SVG/main" r:embed="rId16"/>
+              </a:ext>
+            </a:extLst>
+          </a:blip>
+          <a:stretch>
+            <a:fillRect/>
+          </a:stretch>
+        </p:blipFill>
+        <p:spPr>
+          <a:xfrm>
+            <a:off x="10846113" y="3241584"/>
+            <a:ext cx="914400" cy="914400"/>
+          </a:xfrm>
+          <a:prstGeom prst="rect">
+            <a:avLst/>
+          </a:prstGeom>
+        </p:spPr>
+      </p:pic>
+      <p:sp>
+        <p:nvSpPr>
+          <p:cNvPr id="31" name="标题 3">
+            <a:extLst>
+              <a:ext uri="{FF2B5EF4-FFF2-40B4-BE49-F238E27FC236}">
+                <a16:creationId xmlns:a16="http://schemas.microsoft.com/office/drawing/2014/main" id="{6A4CD78C-0876-4DCF-A2EF-A46E96496A6E}"/>
               </a:ext>
             </a:extLst>
           </p:cNvPr>
@@ -6661,8 +8399,8 @@
         </p:nvSpPr>
         <p:spPr>
           <a:xfrm>
-            <a:off x="7167466" y="1280986"/>
-            <a:ext cx="3304592" cy="978482"/>
+            <a:off x="838200" y="365126"/>
+            <a:ext cx="3304592" cy="1146434"/>
           </a:xfrm>
           <a:prstGeom prst="rect">
             <a:avLst/>
@@ -6795,418 +8533,8 @@
           </a:lstStyle>
           <a:p>
             <a:r>
-              <a:rPr lang="zh-CN" altLang="en-US" sz="4800" b="1" dirty="0"/>
-              <a:t>动物登记</a:t>
-            </a:r>
-          </a:p>
-        </p:txBody>
-      </p:sp>
-      <p:sp>
-        <p:nvSpPr>
-          <p:cNvPr id="8" name="箭头: 右 7">
-            <a:extLst>
-              <a:ext uri="{FF2B5EF4-FFF2-40B4-BE49-F238E27FC236}">
-                <a16:creationId xmlns:a16="http://schemas.microsoft.com/office/drawing/2014/main" id="{DEB0A3A8-8645-4079-B4F6-9A53F7802A06}"/>
-              </a:ext>
-            </a:extLst>
-          </p:cNvPr>
-          <p:cNvSpPr/>
-          <p:nvPr/>
-        </p:nvSpPr>
-        <p:spPr>
-          <a:xfrm rot="5400000">
-            <a:off x="8430857" y="2503586"/>
-            <a:ext cx="777809" cy="522515"/>
-          </a:xfrm>
-          <a:prstGeom prst="rightArrow">
-            <a:avLst/>
-          </a:prstGeom>
-          <a:solidFill>
-            <a:schemeClr val="tx1"/>
-          </a:solidFill>
-        </p:spPr>
-        <p:style>
-          <a:lnRef idx="2">
-            <a:schemeClr val="accent1">
-              <a:shade val="50000"/>
-            </a:schemeClr>
-          </a:lnRef>
-          <a:fillRef idx="1">
-            <a:schemeClr val="accent1"/>
-          </a:fillRef>
-          <a:effectRef idx="0">
-            <a:schemeClr val="accent1"/>
-          </a:effectRef>
-          <a:fontRef idx="minor">
-            <a:schemeClr val="lt1"/>
-          </a:fontRef>
-        </p:style>
-        <p:txBody>
-          <a:bodyPr rtlCol="0" anchor="ctr"/>
-          <a:lstStyle/>
-          <a:p>
-            <a:pPr algn="ctr"/>
-            <a:endParaRPr lang="zh-CN" altLang="en-US"/>
-          </a:p>
-        </p:txBody>
-      </p:sp>
-      <p:sp>
-        <p:nvSpPr>
-          <p:cNvPr id="9" name="标题 3">
-            <a:extLst>
-              <a:ext uri="{FF2B5EF4-FFF2-40B4-BE49-F238E27FC236}">
-                <a16:creationId xmlns:a16="http://schemas.microsoft.com/office/drawing/2014/main" id="{8D08E5A7-9C24-4293-8A9D-4F964BA926FB}"/>
-              </a:ext>
-            </a:extLst>
-          </p:cNvPr>
-          <p:cNvSpPr txBox="1">
-            <a:spLocks/>
-          </p:cNvSpPr>
-          <p:nvPr/>
-        </p:nvSpPr>
-        <p:spPr>
-          <a:xfrm>
-            <a:off x="7167466" y="3270219"/>
-            <a:ext cx="3304592" cy="978482"/>
-          </a:xfrm>
-          <a:prstGeom prst="rect">
-            <a:avLst/>
-          </a:prstGeom>
-          <a:solidFill>
-            <a:schemeClr val="tx1">
-              <a:lumMod val="75000"/>
-              <a:lumOff val="25000"/>
-            </a:schemeClr>
-          </a:solidFill>
-        </p:spPr>
-        <p:style>
-          <a:lnRef idx="2">
-            <a:schemeClr val="accent1">
-              <a:shade val="50000"/>
-            </a:schemeClr>
-          </a:lnRef>
-          <a:fillRef idx="1">
-            <a:schemeClr val="accent1"/>
-          </a:fillRef>
-          <a:effectRef idx="0">
-            <a:schemeClr val="accent1"/>
-          </a:effectRef>
-          <a:fontRef idx="minor">
-            <a:schemeClr val="lt1"/>
-          </a:fontRef>
-        </p:style>
-        <p:txBody>
-          <a:bodyPr vert="horz" lIns="91440" tIns="45720" rIns="91440" bIns="45720" rtlCol="0" anchor="ctr">
-            <a:normAutofit/>
-          </a:bodyPr>
-          <a:lstStyle>
-            <a:lvl1pPr algn="ctr" defTabSz="914400" rtl="0" eaLnBrk="1" latinLnBrk="0" hangingPunct="1">
-              <a:lnSpc>
-                <a:spcPct val="90000"/>
-              </a:lnSpc>
-              <a:spcBef>
-                <a:spcPct val="0"/>
-              </a:spcBef>
-              <a:buNone/>
-              <a:defRPr sz="6000" kern="1200">
-                <a:solidFill>
-                  <a:schemeClr val="lt1"/>
-                </a:solidFill>
-                <a:latin typeface="+mn-lt"/>
-                <a:ea typeface="+mn-ea"/>
-                <a:cs typeface="+mn-cs"/>
-              </a:defRPr>
-            </a:lvl1pPr>
-            <a:lvl2pPr>
-              <a:defRPr>
-                <a:solidFill>
-                  <a:schemeClr val="lt1"/>
-                </a:solidFill>
-                <a:latin typeface="+mn-lt"/>
-                <a:ea typeface="+mn-ea"/>
-                <a:cs typeface="+mn-cs"/>
-              </a:defRPr>
-            </a:lvl2pPr>
-            <a:lvl3pPr>
-              <a:defRPr>
-                <a:solidFill>
-                  <a:schemeClr val="lt1"/>
-                </a:solidFill>
-                <a:latin typeface="+mn-lt"/>
-                <a:ea typeface="+mn-ea"/>
-                <a:cs typeface="+mn-cs"/>
-              </a:defRPr>
-            </a:lvl3pPr>
-            <a:lvl4pPr>
-              <a:defRPr>
-                <a:solidFill>
-                  <a:schemeClr val="lt1"/>
-                </a:solidFill>
-                <a:latin typeface="+mn-lt"/>
-                <a:ea typeface="+mn-ea"/>
-                <a:cs typeface="+mn-cs"/>
-              </a:defRPr>
-            </a:lvl4pPr>
-            <a:lvl5pPr>
-              <a:defRPr>
-                <a:solidFill>
-                  <a:schemeClr val="lt1"/>
-                </a:solidFill>
-                <a:latin typeface="+mn-lt"/>
-                <a:ea typeface="+mn-ea"/>
-                <a:cs typeface="+mn-cs"/>
-              </a:defRPr>
-            </a:lvl5pPr>
-            <a:lvl6pPr>
-              <a:defRPr>
-                <a:solidFill>
-                  <a:schemeClr val="lt1"/>
-                </a:solidFill>
-                <a:latin typeface="+mn-lt"/>
-                <a:ea typeface="+mn-ea"/>
-                <a:cs typeface="+mn-cs"/>
-              </a:defRPr>
-            </a:lvl6pPr>
-            <a:lvl7pPr>
-              <a:defRPr>
-                <a:solidFill>
-                  <a:schemeClr val="lt1"/>
-                </a:solidFill>
-                <a:latin typeface="+mn-lt"/>
-                <a:ea typeface="+mn-ea"/>
-                <a:cs typeface="+mn-cs"/>
-              </a:defRPr>
-            </a:lvl7pPr>
-            <a:lvl8pPr>
-              <a:defRPr>
-                <a:solidFill>
-                  <a:schemeClr val="lt1"/>
-                </a:solidFill>
-                <a:latin typeface="+mn-lt"/>
-                <a:ea typeface="+mn-ea"/>
-                <a:cs typeface="+mn-cs"/>
-              </a:defRPr>
-            </a:lvl8pPr>
-            <a:lvl9pPr>
-              <a:defRPr>
-                <a:solidFill>
-                  <a:schemeClr val="lt1"/>
-                </a:solidFill>
-                <a:latin typeface="+mn-lt"/>
-                <a:ea typeface="+mn-ea"/>
-                <a:cs typeface="+mn-cs"/>
-              </a:defRPr>
-            </a:lvl9pPr>
-          </a:lstStyle>
-          <a:p>
-            <a:r>
-              <a:rPr lang="zh-CN" altLang="en-US" sz="4000" b="1" dirty="0"/>
-              <a:t>丢失动物比对</a:t>
-            </a:r>
-          </a:p>
-        </p:txBody>
-      </p:sp>
-      <p:sp>
-        <p:nvSpPr>
-          <p:cNvPr id="10" name="箭头: 右 9">
-            <a:extLst>
-              <a:ext uri="{FF2B5EF4-FFF2-40B4-BE49-F238E27FC236}">
-                <a16:creationId xmlns:a16="http://schemas.microsoft.com/office/drawing/2014/main" id="{AA5B974D-2A6E-49ED-B72C-51E27ADCF7D4}"/>
-              </a:ext>
-            </a:extLst>
-          </p:cNvPr>
-          <p:cNvSpPr/>
-          <p:nvPr/>
-        </p:nvSpPr>
-        <p:spPr>
-          <a:xfrm rot="5400000">
-            <a:off x="8430857" y="4488519"/>
-            <a:ext cx="777809" cy="522515"/>
-          </a:xfrm>
-          <a:prstGeom prst="rightArrow">
-            <a:avLst/>
-          </a:prstGeom>
-          <a:solidFill>
-            <a:schemeClr val="tx1"/>
-          </a:solidFill>
-        </p:spPr>
-        <p:style>
-          <a:lnRef idx="2">
-            <a:schemeClr val="accent1">
-              <a:shade val="50000"/>
-            </a:schemeClr>
-          </a:lnRef>
-          <a:fillRef idx="1">
-            <a:schemeClr val="accent1"/>
-          </a:fillRef>
-          <a:effectRef idx="0">
-            <a:schemeClr val="accent1"/>
-          </a:effectRef>
-          <a:fontRef idx="minor">
-            <a:schemeClr val="lt1"/>
-          </a:fontRef>
-        </p:style>
-        <p:txBody>
-          <a:bodyPr rtlCol="0" anchor="ctr"/>
-          <a:lstStyle/>
-          <a:p>
-            <a:pPr algn="ctr"/>
-            <a:endParaRPr lang="zh-CN" altLang="en-US"/>
-          </a:p>
-        </p:txBody>
-      </p:sp>
-      <p:sp>
-        <p:nvSpPr>
-          <p:cNvPr id="11" name="标题 3">
-            <a:extLst>
-              <a:ext uri="{FF2B5EF4-FFF2-40B4-BE49-F238E27FC236}">
-                <a16:creationId xmlns:a16="http://schemas.microsoft.com/office/drawing/2014/main" id="{B818ADF7-E9EE-434F-9680-DABBBF8C0A04}"/>
-              </a:ext>
-            </a:extLst>
-          </p:cNvPr>
-          <p:cNvSpPr txBox="1">
-            <a:spLocks/>
-          </p:cNvSpPr>
-          <p:nvPr/>
-        </p:nvSpPr>
-        <p:spPr>
-          <a:xfrm>
-            <a:off x="7167466" y="5250852"/>
-            <a:ext cx="3304592" cy="978482"/>
-          </a:xfrm>
-          <a:prstGeom prst="rect">
-            <a:avLst/>
-          </a:prstGeom>
-          <a:solidFill>
-            <a:schemeClr val="tx1">
-              <a:lumMod val="75000"/>
-              <a:lumOff val="25000"/>
-            </a:schemeClr>
-          </a:solidFill>
-        </p:spPr>
-        <p:style>
-          <a:lnRef idx="2">
-            <a:schemeClr val="accent1">
-              <a:shade val="50000"/>
-            </a:schemeClr>
-          </a:lnRef>
-          <a:fillRef idx="1">
-            <a:schemeClr val="accent1"/>
-          </a:fillRef>
-          <a:effectRef idx="0">
-            <a:schemeClr val="accent1"/>
-          </a:effectRef>
-          <a:fontRef idx="minor">
-            <a:schemeClr val="lt1"/>
-          </a:fontRef>
-        </p:style>
-        <p:txBody>
-          <a:bodyPr vert="horz" lIns="91440" tIns="45720" rIns="91440" bIns="45720" rtlCol="0" anchor="ctr">
-            <a:normAutofit/>
-          </a:bodyPr>
-          <a:lstStyle>
-            <a:lvl1pPr algn="ctr" defTabSz="914400" rtl="0" eaLnBrk="1" latinLnBrk="0" hangingPunct="1">
-              <a:lnSpc>
-                <a:spcPct val="90000"/>
-              </a:lnSpc>
-              <a:spcBef>
-                <a:spcPct val="0"/>
-              </a:spcBef>
-              <a:buNone/>
-              <a:defRPr sz="6000" kern="1200">
-                <a:solidFill>
-                  <a:schemeClr val="lt1"/>
-                </a:solidFill>
-                <a:latin typeface="+mn-lt"/>
-                <a:ea typeface="+mn-ea"/>
-                <a:cs typeface="+mn-cs"/>
-              </a:defRPr>
-            </a:lvl1pPr>
-            <a:lvl2pPr>
-              <a:defRPr>
-                <a:solidFill>
-                  <a:schemeClr val="lt1"/>
-                </a:solidFill>
-                <a:latin typeface="+mn-lt"/>
-                <a:ea typeface="+mn-ea"/>
-                <a:cs typeface="+mn-cs"/>
-              </a:defRPr>
-            </a:lvl2pPr>
-            <a:lvl3pPr>
-              <a:defRPr>
-                <a:solidFill>
-                  <a:schemeClr val="lt1"/>
-                </a:solidFill>
-                <a:latin typeface="+mn-lt"/>
-                <a:ea typeface="+mn-ea"/>
-                <a:cs typeface="+mn-cs"/>
-              </a:defRPr>
-            </a:lvl3pPr>
-            <a:lvl4pPr>
-              <a:defRPr>
-                <a:solidFill>
-                  <a:schemeClr val="lt1"/>
-                </a:solidFill>
-                <a:latin typeface="+mn-lt"/>
-                <a:ea typeface="+mn-ea"/>
-                <a:cs typeface="+mn-cs"/>
-              </a:defRPr>
-            </a:lvl4pPr>
-            <a:lvl5pPr>
-              <a:defRPr>
-                <a:solidFill>
-                  <a:schemeClr val="lt1"/>
-                </a:solidFill>
-                <a:latin typeface="+mn-lt"/>
-                <a:ea typeface="+mn-ea"/>
-                <a:cs typeface="+mn-cs"/>
-              </a:defRPr>
-            </a:lvl5pPr>
-            <a:lvl6pPr>
-              <a:defRPr>
-                <a:solidFill>
-                  <a:schemeClr val="lt1"/>
-                </a:solidFill>
-                <a:latin typeface="+mn-lt"/>
-                <a:ea typeface="+mn-ea"/>
-                <a:cs typeface="+mn-cs"/>
-              </a:defRPr>
-            </a:lvl6pPr>
-            <a:lvl7pPr>
-              <a:defRPr>
-                <a:solidFill>
-                  <a:schemeClr val="lt1"/>
-                </a:solidFill>
-                <a:latin typeface="+mn-lt"/>
-                <a:ea typeface="+mn-ea"/>
-                <a:cs typeface="+mn-cs"/>
-              </a:defRPr>
-            </a:lvl7pPr>
-            <a:lvl8pPr>
-              <a:defRPr>
-                <a:solidFill>
-                  <a:schemeClr val="lt1"/>
-                </a:solidFill>
-                <a:latin typeface="+mn-lt"/>
-                <a:ea typeface="+mn-ea"/>
-                <a:cs typeface="+mn-cs"/>
-              </a:defRPr>
-            </a:lvl8pPr>
-            <a:lvl9pPr>
-              <a:defRPr>
-                <a:solidFill>
-                  <a:schemeClr val="lt1"/>
-                </a:solidFill>
-                <a:latin typeface="+mn-lt"/>
-                <a:ea typeface="+mn-ea"/>
-                <a:cs typeface="+mn-cs"/>
-              </a:defRPr>
-            </a:lvl9pPr>
-          </a:lstStyle>
-          <a:p>
-            <a:r>
-              <a:rPr lang="zh-CN" altLang="en-US" sz="4000" b="1" dirty="0"/>
-              <a:t>召回或者领养</a:t>
+              <a:rPr lang="zh-CN" altLang="en-US" b="1" dirty="0"/>
+              <a:t>项目构想</a:t>
             </a:r>
           </a:p>
         </p:txBody>
@@ -7214,7 +8542,7 @@
     </p:spTree>
     <p:extLst>
       <p:ext uri="{BB962C8B-B14F-4D97-AF65-F5344CB8AC3E}">
-        <p14:creationId xmlns:p14="http://schemas.microsoft.com/office/powerpoint/2010/main" val="4280757339"/>
+        <p14:creationId xmlns:p14="http://schemas.microsoft.com/office/powerpoint/2010/main" val="48038017"/>
       </p:ext>
     </p:extLst>
   </p:cSld>
@@ -7243,197 +8571,25 @@
       </p:grpSpPr>
       <p:pic>
         <p:nvPicPr>
-          <p:cNvPr id="12" name="图片 11">
-            <a:extLst>
-              <a:ext uri="{FF2B5EF4-FFF2-40B4-BE49-F238E27FC236}">
-                <a16:creationId xmlns:a16="http://schemas.microsoft.com/office/drawing/2014/main" id="{4505A541-3AA6-4FE6-8CB2-BCA4726A0810}"/>
+          <p:cNvPr id="6" name="内容占位符 5" descr="图片包含 游戏机, 画&#10;&#10;描述已自动生成">
+            <a:extLst>
+              <a:ext uri="{FF2B5EF4-FFF2-40B4-BE49-F238E27FC236}">
+                <a16:creationId xmlns:a16="http://schemas.microsoft.com/office/drawing/2014/main" id="{D45BB90D-6BA8-453B-8EBA-DF2E32B8FC29}"/>
               </a:ext>
             </a:extLst>
           </p:cNvPr>
           <p:cNvPicPr>
-            <a:picLocks noChangeAspect="1"/>
+            <a:picLocks noGrp="1" noChangeAspect="1"/>
           </p:cNvPicPr>
-          <p:nvPr/>
+          <p:nvPr>
+            <p:ph idx="1"/>
+          </p:nvPr>
         </p:nvPicPr>
         <p:blipFill>
-          <a:blip r:embed="rId2"/>
-          <a:stretch>
-            <a:fillRect/>
-          </a:stretch>
-        </p:blipFill>
-        <p:spPr>
-          <a:xfrm>
-            <a:off x="4962883" y="5190354"/>
-            <a:ext cx="594412" cy="495343"/>
-          </a:xfrm>
-          <a:prstGeom prst="rect">
-            <a:avLst/>
-          </a:prstGeom>
-        </p:spPr>
-      </p:pic>
-      <p:sp>
-        <p:nvSpPr>
-          <p:cNvPr id="8" name="矩形 7">
-            <a:extLst>
-              <a:ext uri="{FF2B5EF4-FFF2-40B4-BE49-F238E27FC236}">
-                <a16:creationId xmlns:a16="http://schemas.microsoft.com/office/drawing/2014/main" id="{585A5DB9-A4D4-405B-A412-E3AF9BCEEEDF}"/>
-              </a:ext>
-            </a:extLst>
-          </p:cNvPr>
-          <p:cNvSpPr/>
-          <p:nvPr/>
-        </p:nvSpPr>
-        <p:spPr>
-          <a:xfrm>
-            <a:off x="8381145" y="4954153"/>
-            <a:ext cx="2142315" cy="914400"/>
-          </a:xfrm>
-          <a:prstGeom prst="rect">
-            <a:avLst/>
-          </a:prstGeom>
-          <a:solidFill>
-            <a:schemeClr val="tx1">
-              <a:lumMod val="75000"/>
-              <a:lumOff val="25000"/>
-            </a:schemeClr>
-          </a:solidFill>
-        </p:spPr>
-        <p:style>
-          <a:lnRef idx="2">
-            <a:schemeClr val="accent1">
-              <a:shade val="50000"/>
-            </a:schemeClr>
-          </a:lnRef>
-          <a:fillRef idx="1">
-            <a:schemeClr val="accent1"/>
-          </a:fillRef>
-          <a:effectRef idx="0">
-            <a:schemeClr val="accent1"/>
-          </a:effectRef>
-          <a:fontRef idx="minor">
-            <a:schemeClr val="lt1"/>
-          </a:fontRef>
-        </p:style>
-        <p:txBody>
-          <a:bodyPr rtlCol="0" anchor="ctr"/>
-          <a:lstStyle/>
-          <a:p>
-            <a:pPr algn="ctr"/>
-            <a:r>
-              <a:rPr lang="en-US" altLang="zh-CN" b="1" dirty="0"/>
-              <a:t>AWS IoT</a:t>
-            </a:r>
-          </a:p>
-        </p:txBody>
-      </p:sp>
-      <p:pic>
-        <p:nvPicPr>
-          <p:cNvPr id="11" name="图片 10">
-            <a:extLst>
-              <a:ext uri="{FF2B5EF4-FFF2-40B4-BE49-F238E27FC236}">
-                <a16:creationId xmlns:a16="http://schemas.microsoft.com/office/drawing/2014/main" id="{0ABAA317-9A0E-4B4F-A79C-1A51F51FFC3F}"/>
-              </a:ext>
-            </a:extLst>
-          </p:cNvPr>
-          <p:cNvPicPr>
-            <a:picLocks noChangeAspect="1"/>
-          </p:cNvPicPr>
-          <p:nvPr/>
-        </p:nvPicPr>
-        <p:blipFill>
-          <a:blip r:embed="rId3"/>
-          <a:stretch>
-            <a:fillRect/>
-          </a:stretch>
-        </p:blipFill>
-        <p:spPr>
-          <a:xfrm>
-            <a:off x="7748630" y="5159871"/>
-            <a:ext cx="632515" cy="502964"/>
-          </a:xfrm>
-          <a:prstGeom prst="rect">
-            <a:avLst/>
-          </a:prstGeom>
-        </p:spPr>
-      </p:pic>
-      <p:sp>
-        <p:nvSpPr>
-          <p:cNvPr id="17" name="矩形 16">
-            <a:extLst>
-              <a:ext uri="{FF2B5EF4-FFF2-40B4-BE49-F238E27FC236}">
-                <a16:creationId xmlns:a16="http://schemas.microsoft.com/office/drawing/2014/main" id="{8B03C210-4A6C-4F64-89A0-71D9B02C4E01}"/>
-              </a:ext>
-            </a:extLst>
-          </p:cNvPr>
-          <p:cNvSpPr/>
-          <p:nvPr/>
-        </p:nvSpPr>
-        <p:spPr>
-          <a:xfrm>
-            <a:off x="7777623" y="3991236"/>
-            <a:ext cx="2742983" cy="914400"/>
-          </a:xfrm>
-          <a:prstGeom prst="rect">
-            <a:avLst/>
-          </a:prstGeom>
-          <a:solidFill>
-            <a:schemeClr val="tx1">
-              <a:lumMod val="75000"/>
-              <a:lumOff val="25000"/>
-            </a:schemeClr>
-          </a:solidFill>
-        </p:spPr>
-        <p:style>
-          <a:lnRef idx="2">
-            <a:schemeClr val="accent1">
-              <a:shade val="50000"/>
-            </a:schemeClr>
-          </a:lnRef>
-          <a:fillRef idx="1">
-            <a:schemeClr val="accent1"/>
-          </a:fillRef>
-          <a:effectRef idx="0">
-            <a:schemeClr val="accent1"/>
-          </a:effectRef>
-          <a:fontRef idx="minor">
-            <a:schemeClr val="lt1"/>
-          </a:fontRef>
-        </p:style>
-        <p:txBody>
-          <a:bodyPr rtlCol="0" anchor="ctr"/>
-          <a:lstStyle/>
-          <a:p>
-            <a:pPr algn="ctr"/>
-            <a:r>
-              <a:rPr lang="en-US" altLang="zh-CN" b="1" dirty="0"/>
-              <a:t>GPS wristband </a:t>
-            </a:r>
-            <a:endParaRPr lang="zh-CN" altLang="en-US" b="1" dirty="0"/>
-          </a:p>
-        </p:txBody>
-      </p:sp>
-      <p:pic>
-        <p:nvPicPr>
-          <p:cNvPr id="5" name="图形 4" descr="监控摄像头">
-            <a:extLst>
-              <a:ext uri="{FF2B5EF4-FFF2-40B4-BE49-F238E27FC236}">
-                <a16:creationId xmlns:a16="http://schemas.microsoft.com/office/drawing/2014/main" id="{CC0D0F6F-E57A-4AA9-8AE8-FCA88D989F9F}"/>
-              </a:ext>
-            </a:extLst>
-          </p:cNvPr>
-          <p:cNvPicPr>
-            <a:picLocks noChangeAspect="1"/>
-          </p:cNvPicPr>
-          <p:nvPr/>
-        </p:nvPicPr>
-        <p:blipFill>
-          <a:blip r:embed="rId4">
+          <a:blip r:embed="rId2">
             <a:extLst>
               <a:ext uri="{28A0092B-C50C-407E-A947-70E740481C1C}">
                 <a14:useLocalDpi xmlns:a14="http://schemas.microsoft.com/office/drawing/2010/main" val="0"/>
-              </a:ext>
-              <a:ext uri="{96DAC541-7B7A-43D3-8B79-37D633B846F1}">
-                <asvg:svgBlip xmlns:asvg="http://schemas.microsoft.com/office/drawing/2016/SVG/main" r:embed="rId5"/>
               </a:ext>
             </a:extLst>
           </a:blip>
@@ -7443,1235 +8599,17 @@
         </p:blipFill>
         <p:spPr>
           <a:xfrm>
-            <a:off x="771262" y="1647650"/>
-            <a:ext cx="914400" cy="914400"/>
-          </a:xfrm>
-          <a:prstGeom prst="rect">
-            <a:avLst/>
-          </a:prstGeom>
+            <a:off x="1907916" y="2906486"/>
+            <a:ext cx="2981325" cy="1533525"/>
+          </a:xfrm>
         </p:spPr>
       </p:pic>
       <p:sp>
         <p:nvSpPr>
-          <p:cNvPr id="6" name="矩形 5">
-            <a:extLst>
-              <a:ext uri="{FF2B5EF4-FFF2-40B4-BE49-F238E27FC236}">
-                <a16:creationId xmlns:a16="http://schemas.microsoft.com/office/drawing/2014/main" id="{47AC14FC-6683-401B-B5B0-36C876FB8C13}"/>
-              </a:ext>
-            </a:extLst>
-          </p:cNvPr>
-          <p:cNvSpPr/>
-          <p:nvPr/>
-        </p:nvSpPr>
-        <p:spPr>
-          <a:xfrm>
-            <a:off x="2322321" y="4954153"/>
-            <a:ext cx="2683111" cy="914400"/>
-          </a:xfrm>
-          <a:prstGeom prst="rect">
-            <a:avLst/>
-          </a:prstGeom>
-          <a:solidFill>
-            <a:schemeClr val="tx1">
-              <a:lumMod val="75000"/>
-              <a:lumOff val="25000"/>
-            </a:schemeClr>
-          </a:solidFill>
-        </p:spPr>
-        <p:style>
-          <a:lnRef idx="2">
-            <a:schemeClr val="accent1">
-              <a:shade val="50000"/>
-            </a:schemeClr>
-          </a:lnRef>
-          <a:fillRef idx="1">
-            <a:schemeClr val="accent1"/>
-          </a:fillRef>
-          <a:effectRef idx="0">
-            <a:schemeClr val="accent1"/>
-          </a:effectRef>
-          <a:fontRef idx="minor">
-            <a:schemeClr val="lt1"/>
-          </a:fontRef>
-        </p:style>
-        <p:txBody>
-          <a:bodyPr rtlCol="0" anchor="ctr"/>
-          <a:lstStyle/>
-          <a:p>
-            <a:pPr algn="ctr"/>
-            <a:r>
-              <a:rPr lang="en-US" altLang="zh-CN" b="1" dirty="0"/>
-              <a:t>Amazon SageMaker</a:t>
-            </a:r>
-            <a:endParaRPr lang="zh-CN" altLang="en-US" dirty="0"/>
-          </a:p>
-        </p:txBody>
-      </p:sp>
-      <p:sp>
-        <p:nvSpPr>
-          <p:cNvPr id="7" name="矩形 6">
-            <a:extLst>
-              <a:ext uri="{FF2B5EF4-FFF2-40B4-BE49-F238E27FC236}">
-                <a16:creationId xmlns:a16="http://schemas.microsoft.com/office/drawing/2014/main" id="{97A840A4-A0B0-4930-BC1F-5F5016B9B28F}"/>
-              </a:ext>
-            </a:extLst>
-          </p:cNvPr>
-          <p:cNvSpPr/>
-          <p:nvPr/>
-        </p:nvSpPr>
-        <p:spPr>
-          <a:xfrm>
-            <a:off x="5551659" y="3813501"/>
-            <a:ext cx="184730" cy="369332"/>
-          </a:xfrm>
-          <a:prstGeom prst="rect">
-            <a:avLst/>
-          </a:prstGeom>
-        </p:spPr>
-        <p:txBody>
-          <a:bodyPr wrap="square">
-            <a:spAutoFit/>
-          </a:bodyPr>
-          <a:lstStyle/>
-          <a:p>
-            <a:pPr algn="ctr"/>
-            <a:endParaRPr lang="en-US" altLang="zh-CN" b="0" i="0" dirty="0">
-              <a:solidFill>
-                <a:srgbClr val="002630"/>
-              </a:solidFill>
-              <a:effectLst/>
-              <a:latin typeface="ember"/>
-            </a:endParaRPr>
-          </a:p>
-        </p:txBody>
-      </p:sp>
-      <p:sp>
-        <p:nvSpPr>
-          <p:cNvPr id="9" name="矩形 8">
-            <a:extLst>
-              <a:ext uri="{FF2B5EF4-FFF2-40B4-BE49-F238E27FC236}">
-                <a16:creationId xmlns:a16="http://schemas.microsoft.com/office/drawing/2014/main" id="{FB4112E2-D795-4162-BB66-3A943B3F60DA}"/>
-              </a:ext>
-            </a:extLst>
-          </p:cNvPr>
-          <p:cNvSpPr/>
-          <p:nvPr/>
-        </p:nvSpPr>
-        <p:spPr>
-          <a:xfrm>
-            <a:off x="5585475" y="4954153"/>
-            <a:ext cx="2260569" cy="914400"/>
-          </a:xfrm>
-          <a:prstGeom prst="rect">
-            <a:avLst/>
-          </a:prstGeom>
-          <a:solidFill>
-            <a:schemeClr val="tx1">
-              <a:lumMod val="75000"/>
-              <a:lumOff val="25000"/>
-            </a:schemeClr>
-          </a:solidFill>
-        </p:spPr>
-        <p:style>
-          <a:lnRef idx="2">
-            <a:schemeClr val="accent1">
-              <a:shade val="50000"/>
-            </a:schemeClr>
-          </a:lnRef>
-          <a:fillRef idx="1">
-            <a:schemeClr val="accent1"/>
-          </a:fillRef>
-          <a:effectRef idx="0">
-            <a:schemeClr val="accent1"/>
-          </a:effectRef>
-          <a:fontRef idx="minor">
-            <a:schemeClr val="lt1"/>
-          </a:fontRef>
-        </p:style>
-        <p:txBody>
-          <a:bodyPr rtlCol="0" anchor="ctr"/>
-          <a:lstStyle/>
-          <a:p>
-            <a:pPr algn="ctr"/>
-            <a:r>
-              <a:rPr lang="en-US" altLang="zh-CN" b="1" dirty="0"/>
-              <a:t>Database</a:t>
-            </a:r>
-          </a:p>
-        </p:txBody>
-      </p:sp>
-      <p:pic>
-        <p:nvPicPr>
-          <p:cNvPr id="10" name="图片 9">
-            <a:extLst>
-              <a:ext uri="{FF2B5EF4-FFF2-40B4-BE49-F238E27FC236}">
-                <a16:creationId xmlns:a16="http://schemas.microsoft.com/office/drawing/2014/main" id="{3A90D699-22A4-4914-A0E5-7F4EA9F94EEA}"/>
-              </a:ext>
-            </a:extLst>
-          </p:cNvPr>
-          <p:cNvPicPr>
-            <a:picLocks noChangeAspect="1"/>
-          </p:cNvPicPr>
-          <p:nvPr/>
-        </p:nvPicPr>
-        <p:blipFill>
-          <a:blip r:embed="rId6"/>
-          <a:stretch>
-            <a:fillRect/>
-          </a:stretch>
-        </p:blipFill>
-        <p:spPr>
-          <a:xfrm>
-            <a:off x="1625880" y="5137009"/>
-            <a:ext cx="670618" cy="548688"/>
-          </a:xfrm>
-          <a:prstGeom prst="rect">
-            <a:avLst/>
-          </a:prstGeom>
-        </p:spPr>
-      </p:pic>
-      <p:sp>
-        <p:nvSpPr>
-          <p:cNvPr id="15" name="矩形 14">
-            <a:extLst>
-              <a:ext uri="{FF2B5EF4-FFF2-40B4-BE49-F238E27FC236}">
-                <a16:creationId xmlns:a16="http://schemas.microsoft.com/office/drawing/2014/main" id="{D1BBD1DC-9B24-487B-89F1-1AA021D934E7}"/>
-              </a:ext>
-            </a:extLst>
-          </p:cNvPr>
-          <p:cNvSpPr/>
-          <p:nvPr/>
-        </p:nvSpPr>
-        <p:spPr>
-          <a:xfrm>
-            <a:off x="1838130" y="3998167"/>
-            <a:ext cx="1474237" cy="914400"/>
-          </a:xfrm>
-          <a:prstGeom prst="rect">
-            <a:avLst/>
-          </a:prstGeom>
-          <a:solidFill>
-            <a:schemeClr val="tx1">
-              <a:lumMod val="75000"/>
-              <a:lumOff val="25000"/>
-            </a:schemeClr>
-          </a:solidFill>
-        </p:spPr>
-        <p:style>
-          <a:lnRef idx="2">
-            <a:schemeClr val="accent1">
-              <a:shade val="50000"/>
-            </a:schemeClr>
-          </a:lnRef>
-          <a:fillRef idx="1">
-            <a:schemeClr val="accent1"/>
-          </a:fillRef>
-          <a:effectRef idx="0">
-            <a:schemeClr val="accent1"/>
-          </a:effectRef>
-          <a:fontRef idx="minor">
-            <a:schemeClr val="lt1"/>
-          </a:fontRef>
-        </p:style>
-        <p:txBody>
-          <a:bodyPr rtlCol="0" anchor="ctr"/>
-          <a:lstStyle/>
-          <a:p>
-            <a:pPr algn="ctr"/>
-            <a:r>
-              <a:rPr lang="en-US" altLang="zh-CN" b="1" dirty="0"/>
-              <a:t>Yolov3</a:t>
-            </a:r>
-            <a:endParaRPr lang="zh-CN" altLang="en-US" b="1" dirty="0"/>
-          </a:p>
-        </p:txBody>
-      </p:sp>
-      <p:sp>
-        <p:nvSpPr>
-          <p:cNvPr id="16" name="矩形 15">
-            <a:extLst>
-              <a:ext uri="{FF2B5EF4-FFF2-40B4-BE49-F238E27FC236}">
-                <a16:creationId xmlns:a16="http://schemas.microsoft.com/office/drawing/2014/main" id="{10BF346A-A74B-4D4F-980F-DCE3DB4A87E0}"/>
-              </a:ext>
-            </a:extLst>
-          </p:cNvPr>
-          <p:cNvSpPr/>
-          <p:nvPr/>
-        </p:nvSpPr>
-        <p:spPr>
-          <a:xfrm>
-            <a:off x="3415003" y="3998167"/>
-            <a:ext cx="1474237" cy="914400"/>
-          </a:xfrm>
-          <a:prstGeom prst="rect">
-            <a:avLst/>
-          </a:prstGeom>
-          <a:solidFill>
-            <a:schemeClr val="tx1">
-              <a:lumMod val="75000"/>
-              <a:lumOff val="25000"/>
-            </a:schemeClr>
-          </a:solidFill>
-        </p:spPr>
-        <p:style>
-          <a:lnRef idx="2">
-            <a:schemeClr val="accent1">
-              <a:shade val="50000"/>
-            </a:schemeClr>
-          </a:lnRef>
-          <a:fillRef idx="1">
-            <a:schemeClr val="accent1"/>
-          </a:fillRef>
-          <a:effectRef idx="0">
-            <a:schemeClr val="accent1"/>
-          </a:effectRef>
-          <a:fontRef idx="minor">
-            <a:schemeClr val="lt1"/>
-          </a:fontRef>
-        </p:style>
-        <p:txBody>
-          <a:bodyPr rtlCol="0" anchor="ctr"/>
-          <a:lstStyle/>
-          <a:p>
-            <a:pPr algn="ctr"/>
-            <a:r>
-              <a:rPr lang="en-US" altLang="zh-CN" b="1" dirty="0"/>
-              <a:t>ArcFace </a:t>
-            </a:r>
-            <a:endParaRPr lang="zh-CN" altLang="en-US" b="1" dirty="0"/>
-          </a:p>
-        </p:txBody>
-      </p:sp>
-      <p:sp>
-        <p:nvSpPr>
-          <p:cNvPr id="18" name="矩形 17">
-            <a:extLst>
-              <a:ext uri="{FF2B5EF4-FFF2-40B4-BE49-F238E27FC236}">
-                <a16:creationId xmlns:a16="http://schemas.microsoft.com/office/drawing/2014/main" id="{6F52F97D-021F-4AC8-96DB-A7D34673BBC0}"/>
-              </a:ext>
-            </a:extLst>
-          </p:cNvPr>
-          <p:cNvSpPr/>
-          <p:nvPr/>
-        </p:nvSpPr>
-        <p:spPr>
-          <a:xfrm>
-            <a:off x="4991876" y="3991236"/>
-            <a:ext cx="2683111" cy="914400"/>
-          </a:xfrm>
-          <a:prstGeom prst="rect">
-            <a:avLst/>
-          </a:prstGeom>
-          <a:solidFill>
-            <a:schemeClr val="tx1">
-              <a:lumMod val="75000"/>
-              <a:lumOff val="25000"/>
-            </a:schemeClr>
-          </a:solidFill>
-        </p:spPr>
-        <p:style>
-          <a:lnRef idx="2">
-            <a:schemeClr val="accent1">
-              <a:shade val="50000"/>
-            </a:schemeClr>
-          </a:lnRef>
-          <a:fillRef idx="1">
-            <a:schemeClr val="accent1"/>
-          </a:fillRef>
-          <a:effectRef idx="0">
-            <a:schemeClr val="accent1"/>
-          </a:effectRef>
-          <a:fontRef idx="minor">
-            <a:schemeClr val="lt1"/>
-          </a:fontRef>
-        </p:style>
-        <p:txBody>
-          <a:bodyPr rtlCol="0" anchor="ctr"/>
-          <a:lstStyle/>
-          <a:p>
-            <a:pPr algn="ctr"/>
-            <a:r>
-              <a:rPr lang="en-US" altLang="zh-CN" b="1" dirty="0"/>
-              <a:t>Record&amp;Query </a:t>
-            </a:r>
-            <a:endParaRPr lang="zh-CN" altLang="en-US" b="1" dirty="0"/>
-          </a:p>
-        </p:txBody>
-      </p:sp>
-      <p:sp>
-        <p:nvSpPr>
-          <p:cNvPr id="19" name="矩形 18">
-            <a:extLst>
-              <a:ext uri="{FF2B5EF4-FFF2-40B4-BE49-F238E27FC236}">
-                <a16:creationId xmlns:a16="http://schemas.microsoft.com/office/drawing/2014/main" id="{989EEBFB-01CC-4C4A-8242-B3F42E7D49B9}"/>
-              </a:ext>
-            </a:extLst>
-          </p:cNvPr>
-          <p:cNvSpPr/>
-          <p:nvPr/>
-        </p:nvSpPr>
-        <p:spPr>
-          <a:xfrm>
-            <a:off x="1838129" y="1912828"/>
-            <a:ext cx="1917364" cy="649222"/>
-          </a:xfrm>
-          <a:prstGeom prst="rect">
-            <a:avLst/>
-          </a:prstGeom>
-          <a:solidFill>
-            <a:schemeClr val="accent3">
-              <a:lumMod val="20000"/>
-              <a:lumOff val="80000"/>
-            </a:schemeClr>
-          </a:solidFill>
-        </p:spPr>
-        <p:style>
-          <a:lnRef idx="2">
-            <a:schemeClr val="accent1">
-              <a:shade val="50000"/>
-            </a:schemeClr>
-          </a:lnRef>
-          <a:fillRef idx="1">
-            <a:schemeClr val="accent1"/>
-          </a:fillRef>
-          <a:effectRef idx="0">
-            <a:schemeClr val="accent1"/>
-          </a:effectRef>
-          <a:fontRef idx="minor">
-            <a:schemeClr val="lt1"/>
-          </a:fontRef>
-        </p:style>
-        <p:txBody>
-          <a:bodyPr rtlCol="0" anchor="ctr"/>
-          <a:lstStyle/>
-          <a:p>
-            <a:pPr algn="ctr"/>
-            <a:r>
-              <a:rPr lang="zh-CN" altLang="en-US" b="1" dirty="0">
-                <a:solidFill>
-                  <a:schemeClr val="tx1"/>
-                </a:solidFill>
-              </a:rPr>
-              <a:t>宠物进出记录</a:t>
-            </a:r>
-          </a:p>
-        </p:txBody>
-      </p:sp>
-      <p:sp>
-        <p:nvSpPr>
-          <p:cNvPr id="20" name="矩形 19">
-            <a:extLst>
-              <a:ext uri="{FF2B5EF4-FFF2-40B4-BE49-F238E27FC236}">
-                <a16:creationId xmlns:a16="http://schemas.microsoft.com/office/drawing/2014/main" id="{A4A72E7E-C293-4677-B674-EF1DB1B08255}"/>
-              </a:ext>
-            </a:extLst>
-          </p:cNvPr>
-          <p:cNvSpPr/>
-          <p:nvPr/>
-        </p:nvSpPr>
-        <p:spPr>
-          <a:xfrm>
-            <a:off x="1838129" y="2615689"/>
-            <a:ext cx="2043406" cy="649222"/>
-          </a:xfrm>
-          <a:prstGeom prst="rect">
-            <a:avLst/>
-          </a:prstGeom>
-          <a:solidFill>
-            <a:schemeClr val="bg1">
-              <a:lumMod val="95000"/>
-            </a:schemeClr>
-          </a:solidFill>
-          <a:ln>
-            <a:solidFill>
-              <a:schemeClr val="tx2"/>
-            </a:solidFill>
-          </a:ln>
-        </p:spPr>
-        <p:style>
-          <a:lnRef idx="2">
-            <a:schemeClr val="accent1">
-              <a:shade val="50000"/>
-            </a:schemeClr>
-          </a:lnRef>
-          <a:fillRef idx="1">
-            <a:schemeClr val="accent1"/>
-          </a:fillRef>
-          <a:effectRef idx="0">
-            <a:schemeClr val="accent1"/>
-          </a:effectRef>
-          <a:fontRef idx="minor">
-            <a:schemeClr val="lt1"/>
-          </a:fontRef>
-        </p:style>
-        <p:txBody>
-          <a:bodyPr rtlCol="0" anchor="ctr"/>
-          <a:lstStyle/>
-          <a:p>
-            <a:pPr algn="ctr"/>
-            <a:r>
-              <a:rPr lang="zh-CN" altLang="en-US" b="1" dirty="0">
-                <a:solidFill>
-                  <a:schemeClr val="tx1"/>
-                </a:solidFill>
-              </a:rPr>
-              <a:t>流浪动物进出记录</a:t>
-            </a:r>
-          </a:p>
-        </p:txBody>
-      </p:sp>
-      <p:sp>
-        <p:nvSpPr>
-          <p:cNvPr id="21" name="矩形 20">
-            <a:extLst>
-              <a:ext uri="{FF2B5EF4-FFF2-40B4-BE49-F238E27FC236}">
-                <a16:creationId xmlns:a16="http://schemas.microsoft.com/office/drawing/2014/main" id="{2CDB487F-7C92-4507-A906-AFE6C04F8D14}"/>
-              </a:ext>
-            </a:extLst>
-          </p:cNvPr>
-          <p:cNvSpPr/>
-          <p:nvPr/>
-        </p:nvSpPr>
-        <p:spPr>
-          <a:xfrm>
-            <a:off x="1838129" y="3306928"/>
-            <a:ext cx="2043406" cy="649222"/>
-          </a:xfrm>
-          <a:prstGeom prst="rect">
-            <a:avLst/>
-          </a:prstGeom>
-          <a:solidFill>
-            <a:schemeClr val="bg2"/>
-          </a:solidFill>
-        </p:spPr>
-        <p:style>
-          <a:lnRef idx="2">
-            <a:schemeClr val="accent1">
-              <a:shade val="50000"/>
-            </a:schemeClr>
-          </a:lnRef>
-          <a:fillRef idx="1">
-            <a:schemeClr val="accent1"/>
-          </a:fillRef>
-          <a:effectRef idx="0">
-            <a:schemeClr val="accent1"/>
-          </a:effectRef>
-          <a:fontRef idx="minor">
-            <a:schemeClr val="lt1"/>
-          </a:fontRef>
-        </p:style>
-        <p:txBody>
-          <a:bodyPr rtlCol="0" anchor="ctr"/>
-          <a:lstStyle/>
-          <a:p>
-            <a:pPr algn="ctr"/>
-            <a:r>
-              <a:rPr lang="zh-CN" altLang="en-US" b="1" dirty="0">
-                <a:solidFill>
-                  <a:schemeClr val="tx1"/>
-                </a:solidFill>
-              </a:rPr>
-              <a:t>宝贝宠物回家计划</a:t>
-            </a:r>
-          </a:p>
-        </p:txBody>
-      </p:sp>
-      <p:sp>
-        <p:nvSpPr>
-          <p:cNvPr id="22" name="矩形 21">
-            <a:extLst>
-              <a:ext uri="{FF2B5EF4-FFF2-40B4-BE49-F238E27FC236}">
-                <a16:creationId xmlns:a16="http://schemas.microsoft.com/office/drawing/2014/main" id="{B05BF548-B9BB-4533-841B-E445AEC7247B}"/>
-              </a:ext>
-            </a:extLst>
-          </p:cNvPr>
-          <p:cNvSpPr/>
-          <p:nvPr/>
-        </p:nvSpPr>
-        <p:spPr>
-          <a:xfrm>
-            <a:off x="3795060" y="1945459"/>
-            <a:ext cx="2261373" cy="649222"/>
-          </a:xfrm>
-          <a:prstGeom prst="rect">
-            <a:avLst/>
-          </a:prstGeom>
-          <a:solidFill>
-            <a:schemeClr val="tx1">
-              <a:lumMod val="75000"/>
-              <a:lumOff val="25000"/>
-            </a:schemeClr>
-          </a:solidFill>
-        </p:spPr>
-        <p:style>
-          <a:lnRef idx="2">
-            <a:schemeClr val="accent1">
-              <a:shade val="50000"/>
-            </a:schemeClr>
-          </a:lnRef>
-          <a:fillRef idx="1">
-            <a:schemeClr val="accent1"/>
-          </a:fillRef>
-          <a:effectRef idx="0">
-            <a:schemeClr val="accent1"/>
-          </a:effectRef>
-          <a:fontRef idx="minor">
-            <a:schemeClr val="lt1"/>
-          </a:fontRef>
-        </p:style>
-        <p:txBody>
-          <a:bodyPr rtlCol="0" anchor="ctr"/>
-          <a:lstStyle/>
-          <a:p>
-            <a:pPr algn="ctr"/>
-            <a:r>
-              <a:rPr lang="zh-CN" altLang="en-US" b="1" dirty="0"/>
-              <a:t>业主登记宠物信息</a:t>
-            </a:r>
-          </a:p>
-        </p:txBody>
-      </p:sp>
-      <p:sp>
-        <p:nvSpPr>
-          <p:cNvPr id="23" name="矩形 22">
-            <a:extLst>
-              <a:ext uri="{FF2B5EF4-FFF2-40B4-BE49-F238E27FC236}">
-                <a16:creationId xmlns:a16="http://schemas.microsoft.com/office/drawing/2014/main" id="{A2D64326-7DB6-44BE-81CC-D44459B9FD17}"/>
-              </a:ext>
-            </a:extLst>
-          </p:cNvPr>
-          <p:cNvSpPr/>
-          <p:nvPr/>
-        </p:nvSpPr>
-        <p:spPr>
-          <a:xfrm>
-            <a:off x="6096000" y="1945459"/>
-            <a:ext cx="2181135" cy="649222"/>
-          </a:xfrm>
-          <a:prstGeom prst="rect">
-            <a:avLst/>
-          </a:prstGeom>
-          <a:solidFill>
-            <a:schemeClr val="tx1">
-              <a:lumMod val="75000"/>
-              <a:lumOff val="25000"/>
-            </a:schemeClr>
-          </a:solidFill>
-        </p:spPr>
-        <p:style>
-          <a:lnRef idx="2">
-            <a:schemeClr val="accent1">
-              <a:shade val="50000"/>
-            </a:schemeClr>
-          </a:lnRef>
-          <a:fillRef idx="1">
-            <a:schemeClr val="accent1"/>
-          </a:fillRef>
-          <a:effectRef idx="0">
-            <a:schemeClr val="accent1"/>
-          </a:effectRef>
-          <a:fontRef idx="minor">
-            <a:schemeClr val="lt1"/>
-          </a:fontRef>
-        </p:style>
-        <p:txBody>
-          <a:bodyPr rtlCol="0" anchor="ctr"/>
-          <a:lstStyle/>
-          <a:p>
-            <a:pPr algn="ctr"/>
-            <a:r>
-              <a:rPr lang="zh-CN" altLang="en-US" b="1" dirty="0"/>
-              <a:t>宠物进出智能通知</a:t>
-            </a:r>
-          </a:p>
-        </p:txBody>
-      </p:sp>
-      <p:sp>
-        <p:nvSpPr>
-          <p:cNvPr id="24" name="矩形 23">
-            <a:extLst>
-              <a:ext uri="{FF2B5EF4-FFF2-40B4-BE49-F238E27FC236}">
-                <a16:creationId xmlns:a16="http://schemas.microsoft.com/office/drawing/2014/main" id="{E63FE50C-A178-4E49-9F62-417934FF5EC8}"/>
-              </a:ext>
-            </a:extLst>
-          </p:cNvPr>
-          <p:cNvSpPr/>
-          <p:nvPr/>
-        </p:nvSpPr>
-        <p:spPr>
-          <a:xfrm>
-            <a:off x="8316702" y="1945459"/>
-            <a:ext cx="2516139" cy="649222"/>
-          </a:xfrm>
-          <a:prstGeom prst="rect">
-            <a:avLst/>
-          </a:prstGeom>
-          <a:solidFill>
-            <a:schemeClr val="tx1">
-              <a:lumMod val="75000"/>
-              <a:lumOff val="25000"/>
-            </a:schemeClr>
-          </a:solidFill>
-        </p:spPr>
-        <p:style>
-          <a:lnRef idx="2">
-            <a:schemeClr val="accent1">
-              <a:shade val="50000"/>
-            </a:schemeClr>
-          </a:lnRef>
-          <a:fillRef idx="1">
-            <a:schemeClr val="accent1"/>
-          </a:fillRef>
-          <a:effectRef idx="0">
-            <a:schemeClr val="accent1"/>
-          </a:effectRef>
-          <a:fontRef idx="minor">
-            <a:schemeClr val="lt1"/>
-          </a:fontRef>
-        </p:style>
-        <p:txBody>
-          <a:bodyPr rtlCol="0" anchor="ctr"/>
-          <a:lstStyle/>
-          <a:p>
-            <a:pPr algn="ctr"/>
-            <a:r>
-              <a:rPr lang="zh-CN" altLang="en-US" b="1" dirty="0"/>
-              <a:t>宠物进出记录快速定位</a:t>
-            </a:r>
-          </a:p>
-        </p:txBody>
-      </p:sp>
-      <p:sp>
-        <p:nvSpPr>
-          <p:cNvPr id="25" name="矩形 24">
-            <a:extLst>
-              <a:ext uri="{FF2B5EF4-FFF2-40B4-BE49-F238E27FC236}">
-                <a16:creationId xmlns:a16="http://schemas.microsoft.com/office/drawing/2014/main" id="{FB677E64-9812-43F6-A208-03BDB9497145}"/>
-              </a:ext>
-            </a:extLst>
-          </p:cNvPr>
-          <p:cNvSpPr/>
-          <p:nvPr/>
-        </p:nvSpPr>
-        <p:spPr>
-          <a:xfrm>
-            <a:off x="3914865" y="2619477"/>
-            <a:ext cx="2181135" cy="649222"/>
-          </a:xfrm>
-          <a:prstGeom prst="rect">
-            <a:avLst/>
-          </a:prstGeom>
-          <a:solidFill>
-            <a:schemeClr val="tx1">
-              <a:lumMod val="75000"/>
-              <a:lumOff val="25000"/>
-            </a:schemeClr>
-          </a:solidFill>
-        </p:spPr>
-        <p:style>
-          <a:lnRef idx="2">
-            <a:schemeClr val="accent1">
-              <a:shade val="50000"/>
-            </a:schemeClr>
-          </a:lnRef>
-          <a:fillRef idx="1">
-            <a:schemeClr val="accent1"/>
-          </a:fillRef>
-          <a:effectRef idx="0">
-            <a:schemeClr val="accent1"/>
-          </a:effectRef>
-          <a:fontRef idx="minor">
-            <a:schemeClr val="lt1"/>
-          </a:fontRef>
-        </p:style>
-        <p:txBody>
-          <a:bodyPr rtlCol="0" anchor="ctr"/>
-          <a:lstStyle/>
-          <a:p>
-            <a:pPr algn="ctr"/>
-            <a:r>
-              <a:rPr lang="zh-CN" altLang="en-US" b="1" dirty="0"/>
-              <a:t>丢失宠物验证</a:t>
-            </a:r>
-          </a:p>
-        </p:txBody>
-      </p:sp>
-      <p:sp>
-        <p:nvSpPr>
-          <p:cNvPr id="26" name="矩形 25">
-            <a:extLst>
-              <a:ext uri="{FF2B5EF4-FFF2-40B4-BE49-F238E27FC236}">
-                <a16:creationId xmlns:a16="http://schemas.microsoft.com/office/drawing/2014/main" id="{9A860BAB-7610-4B29-8C34-8EAAA6109817}"/>
-              </a:ext>
-            </a:extLst>
-          </p:cNvPr>
-          <p:cNvSpPr/>
-          <p:nvPr/>
-        </p:nvSpPr>
-        <p:spPr>
-          <a:xfrm>
-            <a:off x="6149569" y="2636616"/>
-            <a:ext cx="2260569" cy="649222"/>
-          </a:xfrm>
-          <a:prstGeom prst="rect">
-            <a:avLst/>
-          </a:prstGeom>
-          <a:solidFill>
-            <a:schemeClr val="tx1">
-              <a:lumMod val="75000"/>
-              <a:lumOff val="25000"/>
-            </a:schemeClr>
-          </a:solidFill>
-        </p:spPr>
-        <p:style>
-          <a:lnRef idx="2">
-            <a:schemeClr val="accent1">
-              <a:shade val="50000"/>
-            </a:schemeClr>
-          </a:lnRef>
-          <a:fillRef idx="1">
-            <a:schemeClr val="accent1"/>
-          </a:fillRef>
-          <a:effectRef idx="0">
-            <a:schemeClr val="accent1"/>
-          </a:effectRef>
-          <a:fontRef idx="minor">
-            <a:schemeClr val="lt1"/>
-          </a:fontRef>
-        </p:style>
-        <p:txBody>
-          <a:bodyPr rtlCol="0" anchor="ctr"/>
-          <a:lstStyle/>
-          <a:p>
-            <a:pPr algn="ctr"/>
-            <a:r>
-              <a:rPr lang="zh-CN" altLang="en-US" b="1" dirty="0"/>
-              <a:t>物业统一管理</a:t>
-            </a:r>
-          </a:p>
-        </p:txBody>
-      </p:sp>
-      <p:sp>
-        <p:nvSpPr>
-          <p:cNvPr id="27" name="矩形 26">
-            <a:extLst>
-              <a:ext uri="{FF2B5EF4-FFF2-40B4-BE49-F238E27FC236}">
-                <a16:creationId xmlns:a16="http://schemas.microsoft.com/office/drawing/2014/main" id="{68D3588E-0E94-4041-8A23-9A93F0F541B6}"/>
-              </a:ext>
-            </a:extLst>
-          </p:cNvPr>
-          <p:cNvSpPr/>
-          <p:nvPr/>
-        </p:nvSpPr>
-        <p:spPr>
-          <a:xfrm>
-            <a:off x="8463707" y="2636616"/>
-            <a:ext cx="2369134" cy="649222"/>
-          </a:xfrm>
-          <a:prstGeom prst="rect">
-            <a:avLst/>
-          </a:prstGeom>
-          <a:solidFill>
-            <a:schemeClr val="tx1">
-              <a:lumMod val="75000"/>
-              <a:lumOff val="25000"/>
-            </a:schemeClr>
-          </a:solidFill>
-        </p:spPr>
-        <p:style>
-          <a:lnRef idx="2">
-            <a:schemeClr val="accent1">
-              <a:shade val="50000"/>
-            </a:schemeClr>
-          </a:lnRef>
-          <a:fillRef idx="1">
-            <a:schemeClr val="accent1"/>
-          </a:fillRef>
-          <a:effectRef idx="0">
-            <a:schemeClr val="accent1"/>
-          </a:effectRef>
-          <a:fontRef idx="minor">
-            <a:schemeClr val="lt1"/>
-          </a:fontRef>
-        </p:style>
-        <p:txBody>
-          <a:bodyPr rtlCol="0" anchor="ctr"/>
-          <a:lstStyle/>
-          <a:p>
-            <a:pPr algn="ctr"/>
-            <a:r>
-              <a:rPr lang="zh-CN" altLang="en-US" b="1" dirty="0"/>
-              <a:t>关护行动</a:t>
-            </a:r>
-          </a:p>
-        </p:txBody>
-      </p:sp>
-      <p:sp>
-        <p:nvSpPr>
-          <p:cNvPr id="28" name="矩形 27">
-            <a:extLst>
-              <a:ext uri="{FF2B5EF4-FFF2-40B4-BE49-F238E27FC236}">
-                <a16:creationId xmlns:a16="http://schemas.microsoft.com/office/drawing/2014/main" id="{554DAC9F-2A1B-40C7-914A-1A8036B81317}"/>
-              </a:ext>
-            </a:extLst>
-          </p:cNvPr>
-          <p:cNvSpPr/>
-          <p:nvPr/>
-        </p:nvSpPr>
-        <p:spPr>
-          <a:xfrm>
-            <a:off x="3941379" y="3300428"/>
-            <a:ext cx="2516139" cy="649222"/>
-          </a:xfrm>
-          <a:prstGeom prst="rect">
-            <a:avLst/>
-          </a:prstGeom>
-          <a:solidFill>
-            <a:schemeClr val="tx1">
-              <a:lumMod val="75000"/>
-              <a:lumOff val="25000"/>
-            </a:schemeClr>
-          </a:solidFill>
-        </p:spPr>
-        <p:style>
-          <a:lnRef idx="2">
-            <a:schemeClr val="accent1">
-              <a:shade val="50000"/>
-            </a:schemeClr>
-          </a:lnRef>
-          <a:fillRef idx="1">
-            <a:schemeClr val="accent1"/>
-          </a:fillRef>
-          <a:effectRef idx="0">
-            <a:schemeClr val="accent1"/>
-          </a:effectRef>
-          <a:fontRef idx="minor">
-            <a:schemeClr val="lt1"/>
-          </a:fontRef>
-        </p:style>
-        <p:txBody>
-          <a:bodyPr rtlCol="0" anchor="ctr"/>
-          <a:lstStyle/>
-          <a:p>
-            <a:pPr algn="ctr"/>
-            <a:r>
-              <a:rPr lang="zh-CN" altLang="en-US" b="1" dirty="0"/>
-              <a:t>宠物进出记录快速定位</a:t>
-            </a:r>
-          </a:p>
-        </p:txBody>
-      </p:sp>
-      <p:sp>
-        <p:nvSpPr>
-          <p:cNvPr id="29" name="矩形 28">
-            <a:extLst>
-              <a:ext uri="{FF2B5EF4-FFF2-40B4-BE49-F238E27FC236}">
-                <a16:creationId xmlns:a16="http://schemas.microsoft.com/office/drawing/2014/main" id="{0F19C59E-905F-4DB7-A275-F09A3977526F}"/>
-              </a:ext>
-            </a:extLst>
-          </p:cNvPr>
-          <p:cNvSpPr/>
-          <p:nvPr/>
-        </p:nvSpPr>
-        <p:spPr>
-          <a:xfrm>
-            <a:off x="6517362" y="3306928"/>
-            <a:ext cx="2181135" cy="649222"/>
-          </a:xfrm>
-          <a:prstGeom prst="rect">
-            <a:avLst/>
-          </a:prstGeom>
-          <a:solidFill>
-            <a:schemeClr val="tx1">
-              <a:lumMod val="75000"/>
-              <a:lumOff val="25000"/>
-            </a:schemeClr>
-          </a:solidFill>
-        </p:spPr>
-        <p:style>
-          <a:lnRef idx="2">
-            <a:schemeClr val="accent1">
-              <a:shade val="50000"/>
-            </a:schemeClr>
-          </a:lnRef>
-          <a:fillRef idx="1">
-            <a:schemeClr val="accent1"/>
-          </a:fillRef>
-          <a:effectRef idx="0">
-            <a:schemeClr val="accent1"/>
-          </a:effectRef>
-          <a:fontRef idx="minor">
-            <a:schemeClr val="lt1"/>
-          </a:fontRef>
-        </p:style>
-        <p:txBody>
-          <a:bodyPr rtlCol="0" anchor="ctr"/>
-          <a:lstStyle/>
-          <a:p>
-            <a:pPr algn="ctr"/>
-            <a:r>
-              <a:rPr lang="zh-CN" altLang="en-US" b="1" dirty="0"/>
-              <a:t>流浪宠物比对</a:t>
-            </a:r>
-          </a:p>
-        </p:txBody>
-      </p:sp>
-      <p:sp>
-        <p:nvSpPr>
-          <p:cNvPr id="30" name="矩形 29">
-            <a:extLst>
-              <a:ext uri="{FF2B5EF4-FFF2-40B4-BE49-F238E27FC236}">
-                <a16:creationId xmlns:a16="http://schemas.microsoft.com/office/drawing/2014/main" id="{BDD32F05-1A21-474C-BE3A-D8BC252017B7}"/>
-              </a:ext>
-            </a:extLst>
-          </p:cNvPr>
-          <p:cNvSpPr/>
-          <p:nvPr/>
-        </p:nvSpPr>
-        <p:spPr>
-          <a:xfrm>
-            <a:off x="8752066" y="3311689"/>
-            <a:ext cx="2080775" cy="649222"/>
-          </a:xfrm>
-          <a:prstGeom prst="rect">
-            <a:avLst/>
-          </a:prstGeom>
-          <a:solidFill>
-            <a:schemeClr val="tx1">
-              <a:lumMod val="75000"/>
-              <a:lumOff val="25000"/>
-            </a:schemeClr>
-          </a:solidFill>
-        </p:spPr>
-        <p:style>
-          <a:lnRef idx="2">
-            <a:schemeClr val="accent1">
-              <a:shade val="50000"/>
-            </a:schemeClr>
-          </a:lnRef>
-          <a:fillRef idx="1">
-            <a:schemeClr val="accent1"/>
-          </a:fillRef>
-          <a:effectRef idx="0">
-            <a:schemeClr val="accent1"/>
-          </a:effectRef>
-          <a:fontRef idx="minor">
-            <a:schemeClr val="lt1"/>
-          </a:fontRef>
-        </p:style>
-        <p:txBody>
-          <a:bodyPr rtlCol="0" anchor="ctr"/>
-          <a:lstStyle/>
-          <a:p>
-            <a:pPr algn="ctr"/>
-            <a:r>
-              <a:rPr lang="zh-CN" altLang="en-US" b="1" dirty="0"/>
-              <a:t>手环定位</a:t>
-            </a:r>
-          </a:p>
-        </p:txBody>
-      </p:sp>
-      <p:pic>
-        <p:nvPicPr>
-          <p:cNvPr id="32" name="图形 31" descr="比心">
-            <a:extLst>
-              <a:ext uri="{FF2B5EF4-FFF2-40B4-BE49-F238E27FC236}">
-                <a16:creationId xmlns:a16="http://schemas.microsoft.com/office/drawing/2014/main" id="{16DA1C27-B66D-4282-A18B-7C135CF0FB51}"/>
-              </a:ext>
-            </a:extLst>
-          </p:cNvPr>
-          <p:cNvPicPr>
-            <a:picLocks noChangeAspect="1"/>
-          </p:cNvPicPr>
-          <p:nvPr/>
-        </p:nvPicPr>
-        <p:blipFill>
-          <a:blip r:embed="rId7">
-            <a:extLst>
-              <a:ext uri="{28A0092B-C50C-407E-A947-70E740481C1C}">
-                <a14:useLocalDpi xmlns:a14="http://schemas.microsoft.com/office/drawing/2010/main" val="0"/>
-              </a:ext>
-              <a:ext uri="{96DAC541-7B7A-43D3-8B79-37D633B846F1}">
-                <asvg:svgBlip xmlns:asvg="http://schemas.microsoft.com/office/drawing/2016/SVG/main" r:embed="rId8"/>
-              </a:ext>
-            </a:extLst>
-          </a:blip>
-          <a:stretch>
-            <a:fillRect/>
-          </a:stretch>
-        </p:blipFill>
-        <p:spPr>
-          <a:xfrm>
-            <a:off x="599956" y="3268433"/>
-            <a:ext cx="914400" cy="914400"/>
-          </a:xfrm>
-          <a:prstGeom prst="rect">
-            <a:avLst/>
-          </a:prstGeom>
-        </p:spPr>
-      </p:pic>
-      <p:pic>
-        <p:nvPicPr>
-          <p:cNvPr id="34" name="图形 33" descr="猫">
-            <a:extLst>
-              <a:ext uri="{FF2B5EF4-FFF2-40B4-BE49-F238E27FC236}">
-                <a16:creationId xmlns:a16="http://schemas.microsoft.com/office/drawing/2014/main" id="{E39678C8-4363-4F7F-909F-057C9ACE4AE7}"/>
-              </a:ext>
-            </a:extLst>
-          </p:cNvPr>
-          <p:cNvPicPr>
-            <a:picLocks noChangeAspect="1"/>
-          </p:cNvPicPr>
-          <p:nvPr/>
-        </p:nvPicPr>
-        <p:blipFill>
-          <a:blip r:embed="rId9">
-            <a:extLst>
-              <a:ext uri="{28A0092B-C50C-407E-A947-70E740481C1C}">
-                <a14:useLocalDpi xmlns:a14="http://schemas.microsoft.com/office/drawing/2010/main" val="0"/>
-              </a:ext>
-              <a:ext uri="{96DAC541-7B7A-43D3-8B79-37D633B846F1}">
-                <asvg:svgBlip xmlns:asvg="http://schemas.microsoft.com/office/drawing/2016/SVG/main" r:embed="rId10"/>
-              </a:ext>
-            </a:extLst>
-          </a:blip>
-          <a:stretch>
-            <a:fillRect/>
-          </a:stretch>
-        </p:blipFill>
-        <p:spPr>
-          <a:xfrm>
-            <a:off x="11198645" y="2594681"/>
-            <a:ext cx="914400" cy="914400"/>
-          </a:xfrm>
-          <a:prstGeom prst="rect">
-            <a:avLst/>
-          </a:prstGeom>
-        </p:spPr>
-      </p:pic>
-      <p:pic>
-        <p:nvPicPr>
-          <p:cNvPr id="36" name="图形 35" descr="爪印">
-            <a:extLst>
-              <a:ext uri="{FF2B5EF4-FFF2-40B4-BE49-F238E27FC236}">
-                <a16:creationId xmlns:a16="http://schemas.microsoft.com/office/drawing/2014/main" id="{C83FA6F4-D91E-4889-BDE3-314CD47E5265}"/>
-              </a:ext>
-            </a:extLst>
-          </p:cNvPr>
-          <p:cNvPicPr>
-            <a:picLocks noChangeAspect="1"/>
-          </p:cNvPicPr>
-          <p:nvPr/>
-        </p:nvPicPr>
-        <p:blipFill>
-          <a:blip r:embed="rId11">
-            <a:extLst>
-              <a:ext uri="{28A0092B-C50C-407E-A947-70E740481C1C}">
-                <a14:useLocalDpi xmlns:a14="http://schemas.microsoft.com/office/drawing/2010/main" val="0"/>
-              </a:ext>
-              <a:ext uri="{96DAC541-7B7A-43D3-8B79-37D633B846F1}">
-                <asvg:svgBlip xmlns:asvg="http://schemas.microsoft.com/office/drawing/2016/SVG/main" r:embed="rId12"/>
-              </a:ext>
-            </a:extLst>
-          </a:blip>
-          <a:stretch>
-            <a:fillRect/>
-          </a:stretch>
-        </p:blipFill>
-        <p:spPr>
-          <a:xfrm>
-            <a:off x="682859" y="2458042"/>
-            <a:ext cx="914400" cy="914400"/>
-          </a:xfrm>
-          <a:prstGeom prst="rect">
-            <a:avLst/>
-          </a:prstGeom>
-        </p:spPr>
-      </p:pic>
-      <p:pic>
-        <p:nvPicPr>
-          <p:cNvPr id="38" name="图形 37" descr="兔子">
-            <a:extLst>
-              <a:ext uri="{FF2B5EF4-FFF2-40B4-BE49-F238E27FC236}">
-                <a16:creationId xmlns:a16="http://schemas.microsoft.com/office/drawing/2014/main" id="{E6B9C03F-2B81-4AF6-9D60-07A2883ED187}"/>
-              </a:ext>
-            </a:extLst>
-          </p:cNvPr>
-          <p:cNvPicPr>
-            <a:picLocks noChangeAspect="1"/>
-          </p:cNvPicPr>
-          <p:nvPr/>
-        </p:nvPicPr>
-        <p:blipFill>
-          <a:blip r:embed="rId13">
-            <a:extLst>
-              <a:ext uri="{28A0092B-C50C-407E-A947-70E740481C1C}">
-                <a14:useLocalDpi xmlns:a14="http://schemas.microsoft.com/office/drawing/2010/main" val="0"/>
-              </a:ext>
-              <a:ext uri="{96DAC541-7B7A-43D3-8B79-37D633B846F1}">
-                <asvg:svgBlip xmlns:asvg="http://schemas.microsoft.com/office/drawing/2016/SVG/main" r:embed="rId14"/>
-              </a:ext>
-            </a:extLst>
-          </a:blip>
-          <a:stretch>
-            <a:fillRect/>
-          </a:stretch>
-        </p:blipFill>
-        <p:spPr>
-          <a:xfrm>
-            <a:off x="10846113" y="1861247"/>
-            <a:ext cx="914400" cy="914400"/>
-          </a:xfrm>
-          <a:prstGeom prst="rect">
-            <a:avLst/>
-          </a:prstGeom>
-        </p:spPr>
-      </p:pic>
-      <p:pic>
-        <p:nvPicPr>
-          <p:cNvPr id="40" name="图形 39" descr="狗">
-            <a:extLst>
-              <a:ext uri="{FF2B5EF4-FFF2-40B4-BE49-F238E27FC236}">
-                <a16:creationId xmlns:a16="http://schemas.microsoft.com/office/drawing/2014/main" id="{358DF85B-7579-4D10-BE62-68BF3FD8FBD0}"/>
-              </a:ext>
-            </a:extLst>
-          </p:cNvPr>
-          <p:cNvPicPr>
-            <a:picLocks noChangeAspect="1"/>
-          </p:cNvPicPr>
-          <p:nvPr/>
-        </p:nvPicPr>
-        <p:blipFill>
-          <a:blip r:embed="rId15">
-            <a:extLst>
-              <a:ext uri="{28A0092B-C50C-407E-A947-70E740481C1C}">
-                <a14:useLocalDpi xmlns:a14="http://schemas.microsoft.com/office/drawing/2010/main" val="0"/>
-              </a:ext>
-              <a:ext uri="{96DAC541-7B7A-43D3-8B79-37D633B846F1}">
-                <asvg:svgBlip xmlns:asvg="http://schemas.microsoft.com/office/drawing/2016/SVG/main" r:embed="rId16"/>
-              </a:ext>
-            </a:extLst>
-          </a:blip>
-          <a:stretch>
-            <a:fillRect/>
-          </a:stretch>
-        </p:blipFill>
-        <p:spPr>
-          <a:xfrm>
-            <a:off x="10846113" y="3241584"/>
-            <a:ext cx="914400" cy="914400"/>
-          </a:xfrm>
-          <a:prstGeom prst="rect">
-            <a:avLst/>
-          </a:prstGeom>
-        </p:spPr>
-      </p:pic>
-      <p:sp>
-        <p:nvSpPr>
-          <p:cNvPr id="31" name="标题 3">
-            <a:extLst>
-              <a:ext uri="{FF2B5EF4-FFF2-40B4-BE49-F238E27FC236}">
-                <a16:creationId xmlns:a16="http://schemas.microsoft.com/office/drawing/2014/main" id="{6A4CD78C-0876-4DCF-A2EF-A46E96496A6E}"/>
+          <p:cNvPr id="4" name="标题 3">
+            <a:extLst>
+              <a:ext uri="{FF2B5EF4-FFF2-40B4-BE49-F238E27FC236}">
+                <a16:creationId xmlns:a16="http://schemas.microsoft.com/office/drawing/2014/main" id="{01996B8D-CF61-4D43-8084-A4A03AB561DB}"/>
               </a:ext>
             </a:extLst>
           </p:cNvPr>
@@ -8817,227 +8755,6 @@
           <a:p>
             <a:r>
               <a:rPr lang="zh-CN" altLang="en-US" b="1" dirty="0"/>
-              <a:t>项目构想</a:t>
-            </a:r>
-          </a:p>
-        </p:txBody>
-      </p:sp>
-    </p:spTree>
-    <p:extLst>
-      <p:ext uri="{BB962C8B-B14F-4D97-AF65-F5344CB8AC3E}">
-        <p14:creationId xmlns:p14="http://schemas.microsoft.com/office/powerpoint/2010/main" val="48038017"/>
-      </p:ext>
-    </p:extLst>
-  </p:cSld>
-  <p:clrMapOvr>
-    <a:masterClrMapping/>
-  </p:clrMapOvr>
-</p:sld>
-</file>
-
-<file path=ppt/slides/slide8.xml><?xml version="1.0" encoding="utf-8"?>
-<p:sld xmlns:a="http://schemas.openxmlformats.org/drawingml/2006/main" xmlns:r="http://schemas.openxmlformats.org/officeDocument/2006/relationships" xmlns:p="http://schemas.openxmlformats.org/presentationml/2006/main">
-  <p:cSld>
-    <p:spTree>
-      <p:nvGrpSpPr>
-        <p:cNvPr id="1" name=""/>
-        <p:cNvGrpSpPr/>
-        <p:nvPr/>
-      </p:nvGrpSpPr>
-      <p:grpSpPr>
-        <a:xfrm>
-          <a:off x="0" y="0"/>
-          <a:ext cx="0" cy="0"/>
-          <a:chOff x="0" y="0"/>
-          <a:chExt cx="0" cy="0"/>
-        </a:xfrm>
-      </p:grpSpPr>
-      <p:pic>
-        <p:nvPicPr>
-          <p:cNvPr id="6" name="内容占位符 5" descr="图片包含 游戏机, 画&#10;&#10;描述已自动生成">
-            <a:extLst>
-              <a:ext uri="{FF2B5EF4-FFF2-40B4-BE49-F238E27FC236}">
-                <a16:creationId xmlns:a16="http://schemas.microsoft.com/office/drawing/2014/main" id="{D45BB90D-6BA8-453B-8EBA-DF2E32B8FC29}"/>
-              </a:ext>
-            </a:extLst>
-          </p:cNvPr>
-          <p:cNvPicPr>
-            <a:picLocks noGrp="1" noChangeAspect="1"/>
-          </p:cNvPicPr>
-          <p:nvPr>
-            <p:ph idx="1"/>
-          </p:nvPr>
-        </p:nvPicPr>
-        <p:blipFill>
-          <a:blip r:embed="rId2">
-            <a:extLst>
-              <a:ext uri="{28A0092B-C50C-407E-A947-70E740481C1C}">
-                <a14:useLocalDpi xmlns:a14="http://schemas.microsoft.com/office/drawing/2010/main" val="0"/>
-              </a:ext>
-            </a:extLst>
-          </a:blip>
-          <a:stretch>
-            <a:fillRect/>
-          </a:stretch>
-        </p:blipFill>
-        <p:spPr>
-          <a:xfrm>
-            <a:off x="1907916" y="2906486"/>
-            <a:ext cx="2981325" cy="1533525"/>
-          </a:xfrm>
-        </p:spPr>
-      </p:pic>
-      <p:sp>
-        <p:nvSpPr>
-          <p:cNvPr id="4" name="标题 3">
-            <a:extLst>
-              <a:ext uri="{FF2B5EF4-FFF2-40B4-BE49-F238E27FC236}">
-                <a16:creationId xmlns:a16="http://schemas.microsoft.com/office/drawing/2014/main" id="{01996B8D-CF61-4D43-8084-A4A03AB561DB}"/>
-              </a:ext>
-            </a:extLst>
-          </p:cNvPr>
-          <p:cNvSpPr txBox="1">
-            <a:spLocks/>
-          </p:cNvSpPr>
-          <p:nvPr/>
-        </p:nvSpPr>
-        <p:spPr>
-          <a:xfrm>
-            <a:off x="838200" y="365126"/>
-            <a:ext cx="3304592" cy="1146434"/>
-          </a:xfrm>
-          <a:prstGeom prst="rect">
-            <a:avLst/>
-          </a:prstGeom>
-          <a:solidFill>
-            <a:schemeClr val="tx1">
-              <a:lumMod val="75000"/>
-              <a:lumOff val="25000"/>
-            </a:schemeClr>
-          </a:solidFill>
-        </p:spPr>
-        <p:style>
-          <a:lnRef idx="2">
-            <a:schemeClr val="accent1">
-              <a:shade val="50000"/>
-            </a:schemeClr>
-          </a:lnRef>
-          <a:fillRef idx="1">
-            <a:schemeClr val="accent1"/>
-          </a:fillRef>
-          <a:effectRef idx="0">
-            <a:schemeClr val="accent1"/>
-          </a:effectRef>
-          <a:fontRef idx="minor">
-            <a:schemeClr val="lt1"/>
-          </a:fontRef>
-        </p:style>
-        <p:txBody>
-          <a:bodyPr vert="horz" lIns="91440" tIns="45720" rIns="91440" bIns="45720" rtlCol="0" anchor="ctr">
-            <a:normAutofit/>
-          </a:bodyPr>
-          <a:lstStyle>
-            <a:lvl1pPr algn="ctr" defTabSz="914400" rtl="0" eaLnBrk="1" latinLnBrk="0" hangingPunct="1">
-              <a:lnSpc>
-                <a:spcPct val="90000"/>
-              </a:lnSpc>
-              <a:spcBef>
-                <a:spcPct val="0"/>
-              </a:spcBef>
-              <a:buNone/>
-              <a:defRPr sz="6000" kern="1200">
-                <a:solidFill>
-                  <a:schemeClr val="lt1"/>
-                </a:solidFill>
-                <a:latin typeface="+mn-lt"/>
-                <a:ea typeface="+mn-ea"/>
-                <a:cs typeface="+mn-cs"/>
-              </a:defRPr>
-            </a:lvl1pPr>
-            <a:lvl2pPr>
-              <a:defRPr>
-                <a:solidFill>
-                  <a:schemeClr val="lt1"/>
-                </a:solidFill>
-                <a:latin typeface="+mn-lt"/>
-                <a:ea typeface="+mn-ea"/>
-                <a:cs typeface="+mn-cs"/>
-              </a:defRPr>
-            </a:lvl2pPr>
-            <a:lvl3pPr>
-              <a:defRPr>
-                <a:solidFill>
-                  <a:schemeClr val="lt1"/>
-                </a:solidFill>
-                <a:latin typeface="+mn-lt"/>
-                <a:ea typeface="+mn-ea"/>
-                <a:cs typeface="+mn-cs"/>
-              </a:defRPr>
-            </a:lvl3pPr>
-            <a:lvl4pPr>
-              <a:defRPr>
-                <a:solidFill>
-                  <a:schemeClr val="lt1"/>
-                </a:solidFill>
-                <a:latin typeface="+mn-lt"/>
-                <a:ea typeface="+mn-ea"/>
-                <a:cs typeface="+mn-cs"/>
-              </a:defRPr>
-            </a:lvl4pPr>
-            <a:lvl5pPr>
-              <a:defRPr>
-                <a:solidFill>
-                  <a:schemeClr val="lt1"/>
-                </a:solidFill>
-                <a:latin typeface="+mn-lt"/>
-                <a:ea typeface="+mn-ea"/>
-                <a:cs typeface="+mn-cs"/>
-              </a:defRPr>
-            </a:lvl5pPr>
-            <a:lvl6pPr>
-              <a:defRPr>
-                <a:solidFill>
-                  <a:schemeClr val="lt1"/>
-                </a:solidFill>
-                <a:latin typeface="+mn-lt"/>
-                <a:ea typeface="+mn-ea"/>
-                <a:cs typeface="+mn-cs"/>
-              </a:defRPr>
-            </a:lvl6pPr>
-            <a:lvl7pPr>
-              <a:defRPr>
-                <a:solidFill>
-                  <a:schemeClr val="lt1"/>
-                </a:solidFill>
-                <a:latin typeface="+mn-lt"/>
-                <a:ea typeface="+mn-ea"/>
-                <a:cs typeface="+mn-cs"/>
-              </a:defRPr>
-            </a:lvl7pPr>
-            <a:lvl8pPr>
-              <a:defRPr>
-                <a:solidFill>
-                  <a:schemeClr val="lt1"/>
-                </a:solidFill>
-                <a:latin typeface="+mn-lt"/>
-                <a:ea typeface="+mn-ea"/>
-                <a:cs typeface="+mn-cs"/>
-              </a:defRPr>
-            </a:lvl8pPr>
-            <a:lvl9pPr>
-              <a:defRPr>
-                <a:solidFill>
-                  <a:schemeClr val="lt1"/>
-                </a:solidFill>
-                <a:latin typeface="+mn-lt"/>
-                <a:ea typeface="+mn-ea"/>
-                <a:cs typeface="+mn-cs"/>
-              </a:defRPr>
-            </a:lvl9pPr>
-          </a:lstStyle>
-          <a:p>
-            <a:r>
-              <a:rPr lang="zh-CN" altLang="en-US" b="1" dirty="0"/>
               <a:t>项目进度</a:t>
             </a:r>
           </a:p>
@@ -9212,7 +8929,7 @@
 </p:sld>
 </file>
 
-<file path=ppt/slides/slide9.xml><?xml version="1.0" encoding="utf-8"?>
+<file path=ppt/slides/slide8.xml><?xml version="1.0" encoding="utf-8"?>
 <p:sld xmlns:a="http://schemas.openxmlformats.org/drawingml/2006/main" xmlns:r="http://schemas.openxmlformats.org/officeDocument/2006/relationships" xmlns:p="http://schemas.openxmlformats.org/presentationml/2006/main">
   <p:cSld>
     <p:spTree>
